--- a/산출물/화면정의서/MiniPX_화면정의서_V0.4.pptx
+++ b/산출물/화면정의서/MiniPX_화면정의서_V0.4.pptx
@@ -5,7 +5,7 @@
     <p:sldMasterId id="2147483648" r:id="rId1"/>
   </p:sldMasterIdLst>
   <p:notesMasterIdLst>
-    <p:notesMasterId r:id="rId25"/>
+    <p:notesMasterId r:id="rId30"/>
   </p:notesMasterIdLst>
   <p:sldIdLst>
     <p:sldId id="280" r:id="rId2"/>
@@ -14,7 +14,7 @@
     <p:sldId id="272" r:id="rId5"/>
     <p:sldId id="274" r:id="rId6"/>
     <p:sldId id="256" r:id="rId7"/>
-    <p:sldId id="271" r:id="rId8"/>
+    <p:sldId id="291" r:id="rId8"/>
     <p:sldId id="259" r:id="rId9"/>
     <p:sldId id="257" r:id="rId10"/>
     <p:sldId id="265" r:id="rId11"/>
@@ -24,13 +24,18 @@
     <p:sldId id="284" r:id="rId15"/>
     <p:sldId id="268" r:id="rId16"/>
     <p:sldId id="279" r:id="rId17"/>
-    <p:sldId id="258" r:id="rId18"/>
-    <p:sldId id="264" r:id="rId19"/>
-    <p:sldId id="282" r:id="rId20"/>
-    <p:sldId id="283" r:id="rId21"/>
-    <p:sldId id="285" r:id="rId22"/>
-    <p:sldId id="287" r:id="rId23"/>
-    <p:sldId id="286" r:id="rId24"/>
+    <p:sldId id="292" r:id="rId18"/>
+    <p:sldId id="293" r:id="rId19"/>
+    <p:sldId id="258" r:id="rId20"/>
+    <p:sldId id="264" r:id="rId21"/>
+    <p:sldId id="282" r:id="rId22"/>
+    <p:sldId id="283" r:id="rId23"/>
+    <p:sldId id="289" r:id="rId24"/>
+    <p:sldId id="288" r:id="rId25"/>
+    <p:sldId id="290" r:id="rId26"/>
+    <p:sldId id="287" r:id="rId27"/>
+    <p:sldId id="286" r:id="rId28"/>
+    <p:sldId id="285" r:id="rId29"/>
   </p:sldIdLst>
   <p:sldSz cx="12192000" cy="6858000"/>
   <p:notesSz cx="6858000" cy="9144000"/>
@@ -148,7 +153,7 @@
         <p14:section name="회원" id="{BA4427AC-7935-4AEF-B862-54DD0BF7AD6E}">
           <p14:sldIdLst>
             <p14:sldId id="256"/>
-            <p14:sldId id="271"/>
+            <p14:sldId id="291"/>
           </p14:sldIdLst>
         </p14:section>
         <p14:section name="상품" id="{D3BEAC37-1BA6-4F47-8622-8408399FA79E}">
@@ -166,6 +171,8 @@
           <p14:sldIdLst>
             <p14:sldId id="268"/>
             <p14:sldId id="279"/>
+            <p14:sldId id="292"/>
+            <p14:sldId id="293"/>
           </p14:sldIdLst>
         </p14:section>
         <p14:section name="템플릿" id="{59909DE8-3E05-420B-8E79-9233DF65B159}">
@@ -178,9 +185,12 @@
           <p14:sldIdLst>
             <p14:sldId id="282"/>
             <p14:sldId id="283"/>
-            <p14:sldId id="285"/>
+            <p14:sldId id="289"/>
+            <p14:sldId id="288"/>
+            <p14:sldId id="290"/>
             <p14:sldId id="287"/>
             <p14:sldId id="286"/>
+            <p14:sldId id="285"/>
           </p14:sldIdLst>
         </p14:section>
       </p14:sectionLst>
@@ -302,7 +312,7 @@
           <a:p>
             <a:fld id="{74D79826-4EA7-4EFD-A173-AE772A8AC739}" type="datetimeFigureOut">
               <a:rPr lang="ko-KR" altLang="en-US" smtClean="0"/>
-              <a:t>2025-12-06</a:t>
+              <a:t>2025-12-15</a:t>
             </a:fld>
             <a:endParaRPr lang="ko-KR" altLang="en-US"/>
           </a:p>
@@ -800,7 +810,7 @@
           <a:p>
             <a:fld id="{5A8CCF48-291D-46DA-8E01-556C5C8E605F}" type="datetimeFigureOut">
               <a:rPr lang="ko-KR" altLang="en-US" smtClean="0"/>
-              <a:t>2025-12-06</a:t>
+              <a:t>2025-12-15</a:t>
             </a:fld>
             <a:endParaRPr lang="ko-KR" altLang="en-US"/>
           </a:p>
@@ -998,7 +1008,7 @@
           <a:p>
             <a:fld id="{5A8CCF48-291D-46DA-8E01-556C5C8E605F}" type="datetimeFigureOut">
               <a:rPr lang="ko-KR" altLang="en-US" smtClean="0"/>
-              <a:t>2025-12-06</a:t>
+              <a:t>2025-12-15</a:t>
             </a:fld>
             <a:endParaRPr lang="ko-KR" altLang="en-US"/>
           </a:p>
@@ -1206,7 +1216,7 @@
           <a:p>
             <a:fld id="{5A8CCF48-291D-46DA-8E01-556C5C8E605F}" type="datetimeFigureOut">
               <a:rPr lang="ko-KR" altLang="en-US" smtClean="0"/>
-              <a:t>2025-12-06</a:t>
+              <a:t>2025-12-15</a:t>
             </a:fld>
             <a:endParaRPr lang="ko-KR" altLang="en-US"/>
           </a:p>
@@ -1404,7 +1414,7 @@
           <a:p>
             <a:fld id="{5A8CCF48-291D-46DA-8E01-556C5C8E605F}" type="datetimeFigureOut">
               <a:rPr lang="ko-KR" altLang="en-US" smtClean="0"/>
-              <a:t>2025-12-06</a:t>
+              <a:t>2025-12-15</a:t>
             </a:fld>
             <a:endParaRPr lang="ko-KR" altLang="en-US"/>
           </a:p>
@@ -1679,7 +1689,7 @@
           <a:p>
             <a:fld id="{5A8CCF48-291D-46DA-8E01-556C5C8E605F}" type="datetimeFigureOut">
               <a:rPr lang="ko-KR" altLang="en-US" smtClean="0"/>
-              <a:t>2025-12-06</a:t>
+              <a:t>2025-12-15</a:t>
             </a:fld>
             <a:endParaRPr lang="ko-KR" altLang="en-US"/>
           </a:p>
@@ -1944,7 +1954,7 @@
           <a:p>
             <a:fld id="{5A8CCF48-291D-46DA-8E01-556C5C8E605F}" type="datetimeFigureOut">
               <a:rPr lang="ko-KR" altLang="en-US" smtClean="0"/>
-              <a:t>2025-12-06</a:t>
+              <a:t>2025-12-15</a:t>
             </a:fld>
             <a:endParaRPr lang="ko-KR" altLang="en-US"/>
           </a:p>
@@ -2356,7 +2366,7 @@
           <a:p>
             <a:fld id="{5A8CCF48-291D-46DA-8E01-556C5C8E605F}" type="datetimeFigureOut">
               <a:rPr lang="ko-KR" altLang="en-US" smtClean="0"/>
-              <a:t>2025-12-06</a:t>
+              <a:t>2025-12-15</a:t>
             </a:fld>
             <a:endParaRPr lang="ko-KR" altLang="en-US"/>
           </a:p>
@@ -2497,7 +2507,7 @@
           <a:p>
             <a:fld id="{5A8CCF48-291D-46DA-8E01-556C5C8E605F}" type="datetimeFigureOut">
               <a:rPr lang="ko-KR" altLang="en-US" smtClean="0"/>
-              <a:t>2025-12-06</a:t>
+              <a:t>2025-12-15</a:t>
             </a:fld>
             <a:endParaRPr lang="ko-KR" altLang="en-US"/>
           </a:p>
@@ -2610,7 +2620,7 @@
           <a:p>
             <a:fld id="{5A8CCF48-291D-46DA-8E01-556C5C8E605F}" type="datetimeFigureOut">
               <a:rPr lang="ko-KR" altLang="en-US" smtClean="0"/>
-              <a:t>2025-12-06</a:t>
+              <a:t>2025-12-15</a:t>
             </a:fld>
             <a:endParaRPr lang="ko-KR" altLang="en-US"/>
           </a:p>
@@ -2921,7 +2931,7 @@
           <a:p>
             <a:fld id="{5A8CCF48-291D-46DA-8E01-556C5C8E605F}" type="datetimeFigureOut">
               <a:rPr lang="ko-KR" altLang="en-US" smtClean="0"/>
-              <a:t>2025-12-06</a:t>
+              <a:t>2025-12-15</a:t>
             </a:fld>
             <a:endParaRPr lang="ko-KR" altLang="en-US"/>
           </a:p>
@@ -3209,7 +3219,7 @@
           <a:p>
             <a:fld id="{5A8CCF48-291D-46DA-8E01-556C5C8E605F}" type="datetimeFigureOut">
               <a:rPr lang="ko-KR" altLang="en-US" smtClean="0"/>
-              <a:t>2025-12-06</a:t>
+              <a:t>2025-12-15</a:t>
             </a:fld>
             <a:endParaRPr lang="ko-KR" altLang="en-US"/>
           </a:p>
@@ -3450,7 +3460,7 @@
           <a:p>
             <a:fld id="{5A8CCF48-291D-46DA-8E01-556C5C8E605F}" type="datetimeFigureOut">
               <a:rPr lang="ko-KR" altLang="en-US" smtClean="0"/>
-              <a:t>2025-12-06</a:t>
+              <a:t>2025-12-15</a:t>
             </a:fld>
             <a:endParaRPr lang="ko-KR" altLang="en-US"/>
           </a:p>
@@ -16078,14 +16088,14 @@
           <p:nvPr>
             <p:extLst>
               <p:ext uri="{D42A27DB-BD31-4B8C-83A1-F6EECF244321}">
-                <p14:modId xmlns:p14="http://schemas.microsoft.com/office/powerpoint/2010/main" val="684927681"/>
+                <p14:modId xmlns:p14="http://schemas.microsoft.com/office/powerpoint/2010/main" val="2941583935"/>
               </p:ext>
             </p:extLst>
           </p:nvPr>
         </p:nvGraphicFramePr>
         <p:xfrm>
           <a:off x="581888" y="2204966"/>
-          <a:ext cx="11046692" cy="2961640"/>
+          <a:ext cx="11046690" cy="2961640"/>
         </p:xfrm>
         <a:graphic>
           <a:graphicData uri="http://schemas.openxmlformats.org/drawingml/2006/table">
@@ -16094,35 +16104,42 @@
                 <a:tableStyleId>{5C22544A-7EE6-4342-B048-85BDC9FD1C3A}</a:tableStyleId>
               </a:tblPr>
               <a:tblGrid>
-                <a:gridCol w="999262">
+                <a:gridCol w="1841115">
                   <a:extLst>
                     <a:ext uri="{9D8B030D-6E8A-4147-A177-3AD203B41FA5}">
                       <a16:colId xmlns:a16="http://schemas.microsoft.com/office/drawing/2014/main" val="920072417"/>
                     </a:ext>
                   </a:extLst>
                 </a:gridCol>
-                <a:gridCol w="752475">
+                <a:gridCol w="1841115">
                   <a:extLst>
                     <a:ext uri="{9D8B030D-6E8A-4147-A177-3AD203B41FA5}">
                       <a16:colId xmlns:a16="http://schemas.microsoft.com/office/drawing/2014/main" val="892853504"/>
                     </a:ext>
                   </a:extLst>
                 </a:gridCol>
-                <a:gridCol w="1266825">
+                <a:gridCol w="1841115">
                   <a:extLst>
                     <a:ext uri="{9D8B030D-6E8A-4147-A177-3AD203B41FA5}">
                       <a16:colId xmlns:a16="http://schemas.microsoft.com/office/drawing/2014/main" val="433955903"/>
                     </a:ext>
                   </a:extLst>
                 </a:gridCol>
-                <a:gridCol w="7251375">
+                <a:gridCol w="1841115">
                   <a:extLst>
                     <a:ext uri="{9D8B030D-6E8A-4147-A177-3AD203B41FA5}">
                       <a16:colId xmlns:a16="http://schemas.microsoft.com/office/drawing/2014/main" val="2031654049"/>
                     </a:ext>
                   </a:extLst>
                 </a:gridCol>
-                <a:gridCol w="776755">
+                <a:gridCol w="1841115">
+                  <a:extLst>
+                    <a:ext uri="{9D8B030D-6E8A-4147-A177-3AD203B41FA5}">
+                      <a16:colId xmlns:a16="http://schemas.microsoft.com/office/drawing/2014/main" val="4131685053"/>
+                    </a:ext>
+                  </a:extLst>
+                </a:gridCol>
+                <a:gridCol w="1841115">
                   <a:extLst>
                     <a:ext uri="{9D8B030D-6E8A-4147-A177-3AD203B41FA5}">
                       <a16:colId xmlns:a16="http://schemas.microsoft.com/office/drawing/2014/main" val="4008196939"/>
@@ -16196,8 +16213,23 @@
                     <a:p>
                       <a:pPr algn="ctr" latinLnBrk="1"/>
                       <a:r>
+                        <a:rPr lang="en-US" altLang="ko-KR" dirty="0"/>
+                        <a:t>AI Open</a:t>
+                      </a:r>
+                      <a:endParaRPr lang="ko-KR" altLang="en-US" dirty="0"/>
+                    </a:p>
+                  </a:txBody>
+                  <a:tcPr anchor="ctr"/>
+                </a:tc>
+                <a:tc>
+                  <a:txBody>
+                    <a:bodyPr/>
+                    <a:lstStyle/>
+                    <a:p>
+                      <a:pPr algn="ctr" latinLnBrk="1"/>
+                      <a:r>
                         <a:rPr lang="ko-KR" altLang="en-US" dirty="0"/>
-                        <a:t>메모</a:t>
+                        <a:t>크레딧</a:t>
                       </a:r>
                     </a:p>
                   </a:txBody>
@@ -16295,7 +16327,24 @@
                     <a:lstStyle/>
                     <a:p>
                       <a:pPr algn="ctr" latinLnBrk="1"/>
-                      <a:endParaRPr lang="en-US" altLang="ko-KR" sz="1400" dirty="0"/>
+                      <a:r>
+                        <a:rPr lang="en-US" altLang="ko-KR" sz="1400" dirty="0"/>
+                        <a:t>Y</a:t>
+                      </a:r>
+                    </a:p>
+                  </a:txBody>
+                  <a:tcPr anchor="ctr"/>
+                </a:tc>
+                <a:tc>
+                  <a:txBody>
+                    <a:bodyPr/>
+                    <a:lstStyle/>
+                    <a:p>
+                      <a:pPr algn="ctr" latinLnBrk="1"/>
+                      <a:r>
+                        <a:rPr lang="en-US" altLang="ko-KR" sz="1400" dirty="0"/>
+                        <a:t>1000000</a:t>
+                      </a:r>
                     </a:p>
                   </a:txBody>
                   <a:tcPr anchor="ctr"/>
@@ -16492,7 +16541,38 @@
                     <a:lstStyle/>
                     <a:p>
                       <a:pPr algn="ctr" latinLnBrk="1"/>
+                      <a:r>
+                        <a:rPr lang="en-US" altLang="ko-KR" sz="1400" dirty="0"/>
+                        <a:t>N</a:t>
+                      </a:r>
                       <a:endParaRPr lang="ko-KR" altLang="en-US" sz="1400" dirty="0"/>
+                    </a:p>
+                  </a:txBody>
+                  <a:tcPr anchor="ctr"/>
+                </a:tc>
+                <a:tc>
+                  <a:txBody>
+                    <a:bodyPr/>
+                    <a:lstStyle/>
+                    <a:p>
+                      <a:pPr marL="0" marR="0" lvl="0" indent="0" algn="ctr" defTabSz="914400" rtl="0" eaLnBrk="1" fontAlgn="auto" latinLnBrk="1" hangingPunct="1">
+                        <a:lnSpc>
+                          <a:spcPct val="100000"/>
+                        </a:lnSpc>
+                        <a:spcBef>
+                          <a:spcPts val="0"/>
+                        </a:spcBef>
+                        <a:spcAft>
+                          <a:spcPts val="0"/>
+                        </a:spcAft>
+                        <a:buClrTx/>
+                        <a:buSzTx/>
+                        <a:buFontTx/>
+                        <a:buNone/>
+                        <a:tabLst/>
+                        <a:defRPr/>
+                      </a:pPr>
+                      <a:endParaRPr lang="en-US" altLang="ko-KR" sz="1400" dirty="0"/>
                     </a:p>
                   </a:txBody>
                   <a:tcPr anchor="ctr"/>
@@ -16658,6 +16738,17 @@
                         <a:ea typeface="맑은 고딕" panose="020B0503020000020004" pitchFamily="50" charset="-127"/>
                         <a:cs typeface="+mn-cs"/>
                       </a:endParaRPr>
+                    </a:p>
+                  </a:txBody>
+                  <a:tcPr anchor="ctr"/>
+                </a:tc>
+                <a:tc>
+                  <a:txBody>
+                    <a:bodyPr/>
+                    <a:lstStyle/>
+                    <a:p>
+                      <a:pPr algn="ctr" latinLnBrk="1"/>
+                      <a:endParaRPr lang="ko-KR" altLang="en-US" sz="1400" dirty="0"/>
                     </a:p>
                   </a:txBody>
                   <a:tcPr anchor="ctr"/>
@@ -16876,6 +16967,17 @@
                     <a:bodyPr/>
                     <a:lstStyle/>
                     <a:p>
+                      <a:pPr algn="ctr" latinLnBrk="1"/>
+                      <a:endParaRPr lang="ko-KR" altLang="en-US" sz="1400" dirty="0"/>
+                    </a:p>
+                  </a:txBody>
+                  <a:tcPr anchor="ctr"/>
+                </a:tc>
+                <a:tc>
+                  <a:txBody>
+                    <a:bodyPr/>
+                    <a:lstStyle/>
+                    <a:p>
                       <a:pPr marL="0" marR="0" lvl="0" indent="0" algn="ctr" defTabSz="914400" rtl="0" eaLnBrk="1" fontAlgn="auto" latinLnBrk="1" hangingPunct="1">
                         <a:lnSpc>
                           <a:spcPct val="100000"/>
@@ -17063,6 +17165,17 @@
                     <a:bodyPr/>
                     <a:lstStyle/>
                     <a:p>
+                      <a:pPr algn="ctr" latinLnBrk="1"/>
+                      <a:endParaRPr lang="ko-KR" altLang="en-US" sz="1400" dirty="0"/>
+                    </a:p>
+                  </a:txBody>
+                  <a:tcPr anchor="ctr"/>
+                </a:tc>
+                <a:tc>
+                  <a:txBody>
+                    <a:bodyPr/>
+                    <a:lstStyle/>
+                    <a:p>
                       <a:pPr marL="0" marR="0" lvl="0" indent="0" algn="ctr" defTabSz="914400" rtl="0" eaLnBrk="1" fontAlgn="auto" latinLnBrk="1" hangingPunct="1">
                         <a:lnSpc>
                           <a:spcPct val="100000"/>
@@ -17205,6 +17318,17 @@
                     <a:bodyPr/>
                     <a:lstStyle/>
                     <a:p>
+                      <a:pPr algn="ctr" latinLnBrk="1"/>
+                      <a:endParaRPr lang="ko-KR" altLang="en-US" sz="1400" dirty="0"/>
+                    </a:p>
+                  </a:txBody>
+                  <a:tcPr anchor="ctr"/>
+                </a:tc>
+                <a:tc>
+                  <a:txBody>
+                    <a:bodyPr/>
+                    <a:lstStyle/>
+                    <a:p>
                       <a:pPr marL="0" marR="0" lvl="0" indent="0" algn="ctr" defTabSz="914400" rtl="0" eaLnBrk="1" fontAlgn="auto" latinLnBrk="1" hangingPunct="1">
                         <a:lnSpc>
                           <a:spcPct val="100000"/>
@@ -17223,7 +17347,7 @@
                         <a:defRPr/>
                       </a:pPr>
                       <a:r>
-                        <a:rPr kumimoji="0" lang="en-US" altLang="ko-KR" sz="1400" b="0" i="0" u="none" strike="noStrike" kern="1200" cap="none" spc="0" normalizeH="0" baseline="0" noProof="0">
+                        <a:rPr kumimoji="0" lang="en-US" altLang="ko-KR" sz="1400" b="0" i="0" u="none" strike="noStrike" kern="1200" cap="none" spc="0" normalizeH="0" baseline="0" noProof="0" dirty="0">
                           <a:ln>
                             <a:noFill/>
                           </a:ln>
@@ -17240,7 +17364,7 @@
                         <a:t>[</a:t>
                       </a:r>
                       <a:r>
-                        <a:rPr kumimoji="0" lang="ko-KR" altLang="en-US" sz="1400" b="0" i="0" u="none" strike="noStrike" kern="1200" cap="none" spc="0" normalizeH="0" baseline="0" noProof="0">
+                        <a:rPr kumimoji="0" lang="ko-KR" altLang="en-US" sz="1400" b="0" i="0" u="none" strike="noStrike" kern="1200" cap="none" spc="0" normalizeH="0" baseline="0" noProof="0" dirty="0">
                           <a:ln>
                             <a:noFill/>
                           </a:ln>
@@ -17257,7 +17381,7 @@
                         <a:t>수정</a:t>
                       </a:r>
                       <a:r>
-                        <a:rPr kumimoji="0" lang="en-US" altLang="ko-KR" sz="1400" b="0" i="0" u="none" strike="noStrike" kern="1200" cap="none" spc="0" normalizeH="0" baseline="0" noProof="0">
+                        <a:rPr kumimoji="0" lang="en-US" altLang="ko-KR" sz="1400" b="0" i="0" u="none" strike="noStrike" kern="1200" cap="none" spc="0" normalizeH="0" baseline="0" noProof="0" dirty="0">
                           <a:ln>
                             <a:noFill/>
                           </a:ln>
@@ -17273,20 +17397,6 @@
                         </a:rPr>
                         <a:t>]</a:t>
                       </a:r>
-                      <a:endParaRPr kumimoji="0" lang="en-US" altLang="ko-KR" sz="1400" b="0" i="0" u="none" strike="noStrike" kern="1200" cap="none" spc="0" normalizeH="0" baseline="0" noProof="0" dirty="0">
-                        <a:ln>
-                          <a:noFill/>
-                        </a:ln>
-                        <a:solidFill>
-                          <a:prstClr val="black"/>
-                        </a:solidFill>
-                        <a:effectLst/>
-                        <a:uLnTx/>
-                        <a:uFillTx/>
-                        <a:latin typeface="맑은 고딕" panose="020F0502020204030204"/>
-                        <a:ea typeface="맑은 고딕" panose="020B0503020000020004" pitchFamily="50" charset="-127"/>
-                        <a:cs typeface="+mn-cs"/>
-                      </a:endParaRPr>
                     </a:p>
                   </a:txBody>
                   <a:tcPr anchor="ctr"/>
@@ -17298,6 +17408,17 @@
                 </a:extLst>
               </a:tr>
               <a:tr h="370840">
+                <a:tc>
+                  <a:txBody>
+                    <a:bodyPr/>
+                    <a:lstStyle/>
+                    <a:p>
+                      <a:pPr algn="ctr" latinLnBrk="1"/>
+                      <a:endParaRPr lang="ko-KR" altLang="en-US" sz="1400" dirty="0"/>
+                    </a:p>
+                  </a:txBody>
+                  <a:tcPr anchor="ctr"/>
+                </a:tc>
                 <a:tc>
                   <a:txBody>
                     <a:bodyPr/>
@@ -17511,7 +17632,13 @@
   <p:cSld>
     <p:spTree>
       <p:nvGrpSpPr>
-        <p:cNvPr id="1" name=""/>
+        <p:cNvPr id="1" name="">
+          <a:extLst>
+            <a:ext uri="{FF2B5EF4-FFF2-40B4-BE49-F238E27FC236}">
+              <a16:creationId xmlns:a16="http://schemas.microsoft.com/office/drawing/2014/main" id="{AE8EC6B6-8B9D-AECE-3D5E-2875BC20FF31}"/>
+            </a:ext>
+          </a:extLst>
+        </p:cNvPr>
         <p:cNvGrpSpPr/>
         <p:nvPr/>
       </p:nvGrpSpPr>
@@ -17525,10 +17652,10 @@
       </p:grpSpPr>
       <p:sp>
         <p:nvSpPr>
-          <p:cNvPr id="6" name="직사각형 5">
-            <a:extLst>
-              <a:ext uri="{FF2B5EF4-FFF2-40B4-BE49-F238E27FC236}">
-                <a16:creationId xmlns:a16="http://schemas.microsoft.com/office/drawing/2014/main" id="{62C7DFEA-8610-F7BE-5802-7CB3D65602B0}"/>
+          <p:cNvPr id="2" name="직사각형 1">
+            <a:extLst>
+              <a:ext uri="{FF2B5EF4-FFF2-40B4-BE49-F238E27FC236}">
+                <a16:creationId xmlns:a16="http://schemas.microsoft.com/office/drawing/2014/main" id="{F5A885C9-8E20-9F3B-84B1-A40DF342EFFC}"/>
               </a:ext>
             </a:extLst>
           </p:cNvPr>
@@ -17537,16 +17664,16 @@
         </p:nvSpPr>
         <p:spPr>
           <a:xfrm>
-            <a:off x="1851890" y="1155150"/>
-            <a:ext cx="7098146" cy="5199468"/>
+            <a:off x="237835" y="143165"/>
+            <a:ext cx="6855691" cy="420253"/>
           </a:xfrm>
           <a:prstGeom prst="rect">
             <a:avLst/>
           </a:prstGeom>
-          <a:solidFill>
-            <a:schemeClr val="bg1"/>
-          </a:solidFill>
-          <a:ln w="38100"/>
+          <a:noFill/>
+          <a:ln w="38100">
+            <a:noFill/>
+          </a:ln>
         </p:spPr>
         <p:style>
           <a:lnRef idx="2">
@@ -17565,68 +17692,6 @@
           </a:fontRef>
         </p:style>
         <p:txBody>
-          <a:bodyPr rtlCol="0" anchor="ctr"/>
-          <a:lstStyle/>
-          <a:p>
-            <a:pPr algn="ctr"/>
-            <a:r>
-              <a:rPr lang="ko-KR" altLang="en-US">
-                <a:solidFill>
-                  <a:schemeClr val="tx1"/>
-                </a:solidFill>
-              </a:rPr>
-              <a:t>본문</a:t>
-            </a:r>
-            <a:endParaRPr lang="ko-KR" altLang="en-US" dirty="0">
-              <a:solidFill>
-                <a:schemeClr val="tx1"/>
-              </a:solidFill>
-            </a:endParaRPr>
-          </a:p>
-        </p:txBody>
-      </p:sp>
-      <p:sp>
-        <p:nvSpPr>
-          <p:cNvPr id="9" name="직사각형 8">
-            <a:extLst>
-              <a:ext uri="{FF2B5EF4-FFF2-40B4-BE49-F238E27FC236}">
-                <a16:creationId xmlns:a16="http://schemas.microsoft.com/office/drawing/2014/main" id="{4CF6430A-9919-99ED-E786-01AD5A295728}"/>
-              </a:ext>
-            </a:extLst>
-          </p:cNvPr>
-          <p:cNvSpPr/>
-          <p:nvPr/>
-        </p:nvSpPr>
-        <p:spPr>
-          <a:xfrm>
-            <a:off x="237836" y="143165"/>
-            <a:ext cx="4262582" cy="420253"/>
-          </a:xfrm>
-          <a:prstGeom prst="rect">
-            <a:avLst/>
-          </a:prstGeom>
-          <a:noFill/>
-          <a:ln w="38100">
-            <a:noFill/>
-          </a:ln>
-        </p:spPr>
-        <p:style>
-          <a:lnRef idx="2">
-            <a:schemeClr val="accent1">
-              <a:shade val="15000"/>
-            </a:schemeClr>
-          </a:lnRef>
-          <a:fillRef idx="1">
-            <a:schemeClr val="accent1"/>
-          </a:fillRef>
-          <a:effectRef idx="0">
-            <a:schemeClr val="accent1"/>
-          </a:effectRef>
-          <a:fontRef idx="minor">
-            <a:schemeClr val="lt1"/>
-          </a:fontRef>
-        </p:style>
-        <p:txBody>
           <a:bodyPr rtlCol="0" anchor="t"/>
           <a:lstStyle/>
           <a:p>
@@ -17638,7 +17703,27 @@
                   </a:schemeClr>
                 </a:solidFill>
               </a:rPr>
-              <a:t>우측 메뉴</a:t>
+              <a:t>관리자 </a:t>
+            </a:r>
+            <a:r>
+              <a:rPr lang="en-US" altLang="ko-KR" sz="2400" dirty="0">
+                <a:solidFill>
+                  <a:schemeClr val="bg1">
+                    <a:lumMod val="50000"/>
+                  </a:schemeClr>
+                </a:solidFill>
+              </a:rPr>
+              <a:t>– </a:t>
+            </a:r>
+            <a:r>
+              <a:rPr lang="ko-KR" altLang="en-US" sz="2400" dirty="0">
+                <a:solidFill>
+                  <a:schemeClr val="bg1">
+                    <a:lumMod val="50000"/>
+                  </a:schemeClr>
+                </a:solidFill>
+              </a:rPr>
+              <a:t>사용자관리</a:t>
             </a:r>
             <a:endParaRPr lang="en-US" altLang="ko-KR" sz="2400" dirty="0">
               <a:solidFill>
@@ -17652,10 +17737,10 @@
       </p:sp>
       <p:sp>
         <p:nvSpPr>
-          <p:cNvPr id="2" name="직사각형 1">
-            <a:extLst>
-              <a:ext uri="{FF2B5EF4-FFF2-40B4-BE49-F238E27FC236}">
-                <a16:creationId xmlns:a16="http://schemas.microsoft.com/office/drawing/2014/main" id="{0287D81A-CD0D-091F-5D9A-D150A931C058}"/>
+          <p:cNvPr id="3" name="직사각형 2">
+            <a:extLst>
+              <a:ext uri="{FF2B5EF4-FFF2-40B4-BE49-F238E27FC236}">
+                <a16:creationId xmlns:a16="http://schemas.microsoft.com/office/drawing/2014/main" id="{A8F40074-8AF1-1519-3C96-10CBE9E44BB1}"/>
               </a:ext>
             </a:extLst>
           </p:cNvPr>
@@ -17664,14 +17749,14 @@
         </p:nvSpPr>
         <p:spPr>
           <a:xfrm>
-            <a:off x="9504219" y="1155150"/>
-            <a:ext cx="2466108" cy="5199468"/>
+            <a:off x="581890" y="840318"/>
+            <a:ext cx="11046690" cy="631730"/>
           </a:xfrm>
           <a:prstGeom prst="rect">
             <a:avLst/>
           </a:prstGeom>
           <a:solidFill>
-            <a:schemeClr val="bg1"/>
+            <a:schemeClr val="bg2"/>
           </a:solidFill>
           <a:ln w="38100"/>
         </p:spPr>
@@ -17692,13 +17777,14 @@
           </a:fontRef>
         </p:style>
         <p:txBody>
-          <a:bodyPr rtlCol="0" anchor="ctr"/>
-          <a:lstStyle/>
-          <a:p>
-            <a:pPr algn="ctr"/>
-            <a:endParaRPr lang="ko-KR" altLang="en-US" sz="1400" dirty="0">
+          <a:bodyPr rtlCol="0" anchor="t"/>
+          <a:lstStyle/>
+          <a:p>
+            <a:endParaRPr lang="ko-KR" altLang="en-US" dirty="0">
               <a:solidFill>
-                <a:schemeClr val="tx1"/>
+                <a:schemeClr val="bg1">
+                  <a:lumMod val="50000"/>
+                </a:schemeClr>
               </a:solidFill>
             </a:endParaRPr>
           </a:p>
@@ -17706,10 +17792,10 @@
       </p:sp>
       <p:sp>
         <p:nvSpPr>
-          <p:cNvPr id="4" name="직사각형 3">
-            <a:extLst>
-              <a:ext uri="{FF2B5EF4-FFF2-40B4-BE49-F238E27FC236}">
-                <a16:creationId xmlns:a16="http://schemas.microsoft.com/office/drawing/2014/main" id="{C9554C76-7B01-05B9-95FB-3069DE05F700}"/>
+          <p:cNvPr id="5" name="직사각형 4">
+            <a:extLst>
+              <a:ext uri="{FF2B5EF4-FFF2-40B4-BE49-F238E27FC236}">
+                <a16:creationId xmlns:a16="http://schemas.microsoft.com/office/drawing/2014/main" id="{6F5D6624-8AE8-0EED-687B-5882F593ADE5}"/>
               </a:ext>
             </a:extLst>
           </p:cNvPr>
@@ -17718,347 +17804,8 @@
         </p:nvSpPr>
         <p:spPr>
           <a:xfrm>
-            <a:off x="9813638" y="3221181"/>
-            <a:ext cx="1667162" cy="415638"/>
-          </a:xfrm>
-          <a:prstGeom prst="rect">
-            <a:avLst/>
-          </a:prstGeom>
-          <a:solidFill>
-            <a:schemeClr val="bg1"/>
-          </a:solidFill>
-          <a:ln w="38100"/>
-        </p:spPr>
-        <p:style>
-          <a:lnRef idx="2">
-            <a:schemeClr val="accent1">
-              <a:shade val="15000"/>
-            </a:schemeClr>
-          </a:lnRef>
-          <a:fillRef idx="1">
-            <a:schemeClr val="accent1"/>
-          </a:fillRef>
-          <a:effectRef idx="0">
-            <a:schemeClr val="accent1"/>
-          </a:effectRef>
-          <a:fontRef idx="minor">
-            <a:schemeClr val="lt1"/>
-          </a:fontRef>
-        </p:style>
-        <p:txBody>
-          <a:bodyPr rtlCol="0" anchor="ctr"/>
-          <a:lstStyle/>
-          <a:p>
-            <a:r>
-              <a:rPr lang="ko-KR" altLang="en-US" dirty="0">
-                <a:solidFill>
-                  <a:schemeClr val="tx1"/>
-                </a:solidFill>
-              </a:rPr>
-              <a:t>상품명</a:t>
-            </a:r>
-          </a:p>
-        </p:txBody>
-      </p:sp>
-      <p:sp>
-        <p:nvSpPr>
-          <p:cNvPr id="5" name="직사각형 4">
-            <a:extLst>
-              <a:ext uri="{FF2B5EF4-FFF2-40B4-BE49-F238E27FC236}">
-                <a16:creationId xmlns:a16="http://schemas.microsoft.com/office/drawing/2014/main" id="{02AE601A-97BB-12C6-4D64-0A3E569B1E54}"/>
-              </a:ext>
-            </a:extLst>
-          </p:cNvPr>
-          <p:cNvSpPr/>
-          <p:nvPr/>
-        </p:nvSpPr>
-        <p:spPr>
-          <a:xfrm>
-            <a:off x="9624291" y="1223819"/>
-            <a:ext cx="2045856" cy="420253"/>
-          </a:xfrm>
-          <a:prstGeom prst="rect">
-            <a:avLst/>
-          </a:prstGeom>
-          <a:noFill/>
-          <a:ln w="38100">
-            <a:noFill/>
-          </a:ln>
-        </p:spPr>
-        <p:style>
-          <a:lnRef idx="2">
-            <a:schemeClr val="accent1">
-              <a:shade val="15000"/>
-            </a:schemeClr>
-          </a:lnRef>
-          <a:fillRef idx="1">
-            <a:schemeClr val="accent1"/>
-          </a:fillRef>
-          <a:effectRef idx="0">
-            <a:schemeClr val="accent1"/>
-          </a:effectRef>
-          <a:fontRef idx="minor">
-            <a:schemeClr val="lt1"/>
-          </a:fontRef>
-        </p:style>
-        <p:txBody>
-          <a:bodyPr rtlCol="0" anchor="t"/>
-          <a:lstStyle/>
-          <a:p>
-            <a:r>
-              <a:rPr lang="ko-KR" altLang="en-US" dirty="0">
-                <a:solidFill>
-                  <a:schemeClr val="tx1"/>
-                </a:solidFill>
-              </a:rPr>
-              <a:t>장바구니</a:t>
-            </a:r>
-            <a:endParaRPr lang="en-US" altLang="ko-KR" dirty="0">
-              <a:solidFill>
-                <a:schemeClr val="tx1"/>
-              </a:solidFill>
-            </a:endParaRPr>
-          </a:p>
-        </p:txBody>
-      </p:sp>
-      <p:sp>
-        <p:nvSpPr>
-          <p:cNvPr id="7" name="직사각형 6">
-            <a:extLst>
-              <a:ext uri="{FF2B5EF4-FFF2-40B4-BE49-F238E27FC236}">
-                <a16:creationId xmlns:a16="http://schemas.microsoft.com/office/drawing/2014/main" id="{6578FC79-FE54-43E8-7545-04547929F7F7}"/>
-              </a:ext>
-            </a:extLst>
-          </p:cNvPr>
-          <p:cNvSpPr/>
-          <p:nvPr/>
-        </p:nvSpPr>
-        <p:spPr>
-          <a:xfrm>
-            <a:off x="9813638" y="1644072"/>
-            <a:ext cx="1667162" cy="1422399"/>
-          </a:xfrm>
-          <a:prstGeom prst="rect">
-            <a:avLst/>
-          </a:prstGeom>
-          <a:solidFill>
-            <a:schemeClr val="bg1"/>
-          </a:solidFill>
-          <a:ln w="38100"/>
-        </p:spPr>
-        <p:style>
-          <a:lnRef idx="2">
-            <a:schemeClr val="accent1">
-              <a:shade val="15000"/>
-            </a:schemeClr>
-          </a:lnRef>
-          <a:fillRef idx="1">
-            <a:schemeClr val="accent1"/>
-          </a:fillRef>
-          <a:effectRef idx="0">
-            <a:schemeClr val="accent1"/>
-          </a:effectRef>
-          <a:fontRef idx="minor">
-            <a:schemeClr val="lt1"/>
-          </a:fontRef>
-        </p:style>
-        <p:txBody>
-          <a:bodyPr rtlCol="0" anchor="ctr"/>
-          <a:lstStyle/>
-          <a:p>
-            <a:pPr algn="ctr"/>
-            <a:r>
-              <a:rPr lang="ko-KR" altLang="en-US" dirty="0">
-                <a:solidFill>
-                  <a:schemeClr val="tx1"/>
-                </a:solidFill>
-              </a:rPr>
-              <a:t>이미지</a:t>
-            </a:r>
-          </a:p>
-        </p:txBody>
-      </p:sp>
-      <p:sp>
-        <p:nvSpPr>
-          <p:cNvPr id="10" name="직사각형 9">
-            <a:extLst>
-              <a:ext uri="{FF2B5EF4-FFF2-40B4-BE49-F238E27FC236}">
-                <a16:creationId xmlns:a16="http://schemas.microsoft.com/office/drawing/2014/main" id="{D155824A-BA81-77C2-3124-B754EAD68CC1}"/>
-              </a:ext>
-            </a:extLst>
-          </p:cNvPr>
-          <p:cNvSpPr/>
-          <p:nvPr/>
-        </p:nvSpPr>
-        <p:spPr>
-          <a:xfrm>
-            <a:off x="9813638" y="3754884"/>
-            <a:ext cx="1667162" cy="415638"/>
-          </a:xfrm>
-          <a:prstGeom prst="rect">
-            <a:avLst/>
-          </a:prstGeom>
-          <a:solidFill>
-            <a:schemeClr val="bg1"/>
-          </a:solidFill>
-          <a:ln w="38100"/>
-        </p:spPr>
-        <p:style>
-          <a:lnRef idx="2">
-            <a:schemeClr val="accent1">
-              <a:shade val="15000"/>
-            </a:schemeClr>
-          </a:lnRef>
-          <a:fillRef idx="1">
-            <a:schemeClr val="accent1"/>
-          </a:fillRef>
-          <a:effectRef idx="0">
-            <a:schemeClr val="accent1"/>
-          </a:effectRef>
-          <a:fontRef idx="minor">
-            <a:schemeClr val="lt1"/>
-          </a:fontRef>
-        </p:style>
-        <p:txBody>
-          <a:bodyPr rtlCol="0" anchor="ctr"/>
-          <a:lstStyle/>
-          <a:p>
-            <a:r>
-              <a:rPr lang="ko-KR" altLang="en-US" dirty="0">
-                <a:solidFill>
-                  <a:schemeClr val="tx1"/>
-                </a:solidFill>
-              </a:rPr>
-              <a:t>가격</a:t>
-            </a:r>
-          </a:p>
-        </p:txBody>
-      </p:sp>
-      <p:sp>
-        <p:nvSpPr>
-          <p:cNvPr id="11" name="직사각형 10">
-            <a:extLst>
-              <a:ext uri="{FF2B5EF4-FFF2-40B4-BE49-F238E27FC236}">
-                <a16:creationId xmlns:a16="http://schemas.microsoft.com/office/drawing/2014/main" id="{E4471850-461C-8E37-E4AD-D547A2C99125}"/>
-              </a:ext>
-            </a:extLst>
-          </p:cNvPr>
-          <p:cNvSpPr/>
-          <p:nvPr/>
-        </p:nvSpPr>
-        <p:spPr>
-          <a:xfrm>
-            <a:off x="9504219" y="5366322"/>
-            <a:ext cx="2445327" cy="979357"/>
-          </a:xfrm>
-          <a:prstGeom prst="rect">
-            <a:avLst/>
-          </a:prstGeom>
-          <a:solidFill>
-            <a:schemeClr val="bg1"/>
-          </a:solidFill>
-          <a:ln w="38100"/>
-        </p:spPr>
-        <p:style>
-          <a:lnRef idx="2">
-            <a:schemeClr val="accent1">
-              <a:shade val="15000"/>
-            </a:schemeClr>
-          </a:lnRef>
-          <a:fillRef idx="1">
-            <a:schemeClr val="accent1"/>
-          </a:fillRef>
-          <a:effectRef idx="0">
-            <a:schemeClr val="accent1"/>
-          </a:effectRef>
-          <a:fontRef idx="minor">
-            <a:schemeClr val="lt1"/>
-          </a:fontRef>
-        </p:style>
-        <p:txBody>
-          <a:bodyPr rtlCol="0" anchor="ctr"/>
-          <a:lstStyle/>
-          <a:p>
-            <a:endParaRPr lang="ko-KR" altLang="en-US" dirty="0">
-              <a:solidFill>
-                <a:schemeClr val="tx1"/>
-              </a:solidFill>
-            </a:endParaRPr>
-          </a:p>
-        </p:txBody>
-      </p:sp>
-      <p:sp>
-        <p:nvSpPr>
-          <p:cNvPr id="13" name="직사각형 12">
-            <a:extLst>
-              <a:ext uri="{FF2B5EF4-FFF2-40B4-BE49-F238E27FC236}">
-                <a16:creationId xmlns:a16="http://schemas.microsoft.com/office/drawing/2014/main" id="{403D81A4-F0A9-B197-0257-AB5A9062BF0B}"/>
-              </a:ext>
-            </a:extLst>
-          </p:cNvPr>
-          <p:cNvSpPr/>
-          <p:nvPr/>
-        </p:nvSpPr>
-        <p:spPr>
-          <a:xfrm>
-            <a:off x="9839037" y="5537594"/>
-            <a:ext cx="1616364" cy="317650"/>
-          </a:xfrm>
-          <a:prstGeom prst="rect">
-            <a:avLst/>
-          </a:prstGeom>
-          <a:solidFill>
-            <a:schemeClr val="bg1"/>
-          </a:solidFill>
-          <a:ln w="38100"/>
-        </p:spPr>
-        <p:style>
-          <a:lnRef idx="2">
-            <a:schemeClr val="accent1">
-              <a:shade val="15000"/>
-            </a:schemeClr>
-          </a:lnRef>
-          <a:fillRef idx="1">
-            <a:schemeClr val="accent1"/>
-          </a:fillRef>
-          <a:effectRef idx="0">
-            <a:schemeClr val="accent1"/>
-          </a:effectRef>
-          <a:fontRef idx="minor">
-            <a:schemeClr val="lt1"/>
-          </a:fontRef>
-        </p:style>
-        <p:txBody>
-          <a:bodyPr rtlCol="0" anchor="ctr"/>
-          <a:lstStyle/>
-          <a:p>
-            <a:r>
-              <a:rPr lang="ko-KR" altLang="en-US" dirty="0">
-                <a:solidFill>
-                  <a:schemeClr val="tx1"/>
-                </a:solidFill>
-              </a:rPr>
-              <a:t>총액</a:t>
-            </a:r>
-          </a:p>
-        </p:txBody>
-      </p:sp>
-      <p:sp>
-        <p:nvSpPr>
-          <p:cNvPr id="3" name="직사각형 2">
-            <a:extLst>
-              <a:ext uri="{FF2B5EF4-FFF2-40B4-BE49-F238E27FC236}">
-                <a16:creationId xmlns:a16="http://schemas.microsoft.com/office/drawing/2014/main" id="{E1BEDFC2-ECEA-D226-71B6-C458813CDBDA}"/>
-              </a:ext>
-            </a:extLst>
-          </p:cNvPr>
-          <p:cNvSpPr/>
-          <p:nvPr/>
-        </p:nvSpPr>
-        <p:spPr>
-          <a:xfrm>
-            <a:off x="10647219" y="5946407"/>
-            <a:ext cx="1226127" cy="317650"/>
+            <a:off x="10419771" y="927089"/>
+            <a:ext cx="1131455" cy="468717"/>
           </a:xfrm>
           <a:prstGeom prst="rect">
             <a:avLst/>
@@ -18102,17 +17849,17 @@
                   <a:schemeClr val="tx1"/>
                 </a:solidFill>
               </a:rPr>
-              <a:t>구매 요청</a:t>
-            </a:r>
-          </a:p>
-        </p:txBody>
-      </p:sp>
-      <p:sp>
-        <p:nvSpPr>
-          <p:cNvPr id="8" name="직사각형 7">
-            <a:extLst>
-              <a:ext uri="{FF2B5EF4-FFF2-40B4-BE49-F238E27FC236}">
-                <a16:creationId xmlns:a16="http://schemas.microsoft.com/office/drawing/2014/main" id="{81287549-8A75-AD96-A626-512D6BE93487}"/>
+              <a:t>검색</a:t>
+            </a:r>
+          </a:p>
+        </p:txBody>
+      </p:sp>
+      <p:sp>
+        <p:nvSpPr>
+          <p:cNvPr id="6" name="직사각형 5">
+            <a:extLst>
+              <a:ext uri="{FF2B5EF4-FFF2-40B4-BE49-F238E27FC236}">
+                <a16:creationId xmlns:a16="http://schemas.microsoft.com/office/drawing/2014/main" id="{4E8E4D0F-3A90-0734-8532-90AA1C8BDB24}"/>
               </a:ext>
             </a:extLst>
           </p:cNvPr>
@@ -18121,8 +17868,8 @@
         </p:nvSpPr>
         <p:spPr>
           <a:xfrm>
-            <a:off x="4807523" y="164748"/>
-            <a:ext cx="2068945" cy="415638"/>
+            <a:off x="2049032" y="1018239"/>
+            <a:ext cx="2122918" cy="337177"/>
           </a:xfrm>
           <a:prstGeom prst="rect">
             <a:avLst/>
@@ -18153,30 +17900,6 @@
           <a:lstStyle/>
           <a:p>
             <a:pPr algn="ctr"/>
-            <a:r>
-              <a:rPr lang="en-US" altLang="ko-KR" dirty="0">
-                <a:solidFill>
-                  <a:schemeClr val="tx1"/>
-                </a:solidFill>
-              </a:rPr>
-              <a:t>~</a:t>
-            </a:r>
-            <a:r>
-              <a:rPr lang="ko-KR" altLang="en-US" dirty="0">
-                <a:solidFill>
-                  <a:schemeClr val="tx1"/>
-                </a:solidFill>
-              </a:rPr>
-              <a:t>님 환영합니다</a:t>
-            </a:r>
-            <a:r>
-              <a:rPr lang="en-US" altLang="ko-KR" dirty="0">
-                <a:solidFill>
-                  <a:schemeClr val="tx1"/>
-                </a:solidFill>
-              </a:rPr>
-              <a:t>.</a:t>
-            </a:r>
             <a:endParaRPr lang="ko-KR" altLang="en-US" dirty="0">
               <a:solidFill>
                 <a:schemeClr val="tx1"/>
@@ -18190,7 +17913,7 @@
           <p:cNvPr id="12" name="직사각형 11">
             <a:extLst>
               <a:ext uri="{FF2B5EF4-FFF2-40B4-BE49-F238E27FC236}">
-                <a16:creationId xmlns:a16="http://schemas.microsoft.com/office/drawing/2014/main" id="{4662F515-0E24-DFC6-7A21-A36D79757C8A}"/>
+                <a16:creationId xmlns:a16="http://schemas.microsoft.com/office/drawing/2014/main" id="{08A2953A-3F94-91D7-34E6-CACE3BF4569F}"/>
               </a:ext>
             </a:extLst>
           </p:cNvPr>
@@ -18199,8 +17922,81 @@
         </p:nvSpPr>
         <p:spPr>
           <a:xfrm>
-            <a:off x="7079670" y="164748"/>
-            <a:ext cx="1394690" cy="415638"/>
+            <a:off x="590259" y="975553"/>
+            <a:ext cx="1438565" cy="420253"/>
+          </a:xfrm>
+          <a:prstGeom prst="rect">
+            <a:avLst/>
+          </a:prstGeom>
+          <a:noFill/>
+          <a:ln w="38100">
+            <a:noFill/>
+          </a:ln>
+        </p:spPr>
+        <p:style>
+          <a:lnRef idx="2">
+            <a:schemeClr val="accent1">
+              <a:shade val="15000"/>
+            </a:schemeClr>
+          </a:lnRef>
+          <a:fillRef idx="1">
+            <a:schemeClr val="accent1"/>
+          </a:fillRef>
+          <a:effectRef idx="0">
+            <a:schemeClr val="accent1"/>
+          </a:effectRef>
+          <a:fontRef idx="minor">
+            <a:schemeClr val="lt1"/>
+          </a:fontRef>
+        </p:style>
+        <p:txBody>
+          <a:bodyPr rtlCol="0" anchor="ctr"/>
+          <a:lstStyle/>
+          <a:p>
+            <a:pPr algn="r"/>
+            <a:r>
+              <a:rPr lang="ko-KR" altLang="en-US" dirty="0">
+                <a:solidFill>
+                  <a:schemeClr val="tx1"/>
+                </a:solidFill>
+              </a:rPr>
+              <a:t>아이디</a:t>
+            </a:r>
+            <a:r>
+              <a:rPr lang="en-US" altLang="ko-KR" dirty="0">
+                <a:solidFill>
+                  <a:schemeClr val="tx1"/>
+                </a:solidFill>
+              </a:rPr>
+              <a:t>/</a:t>
+            </a:r>
+            <a:r>
+              <a:rPr lang="ko-KR" altLang="en-US" dirty="0">
+                <a:solidFill>
+                  <a:schemeClr val="tx1"/>
+                </a:solidFill>
+              </a:rPr>
+              <a:t>이름</a:t>
+            </a:r>
+          </a:p>
+        </p:txBody>
+      </p:sp>
+      <p:sp>
+        <p:nvSpPr>
+          <p:cNvPr id="31" name="직사각형 30">
+            <a:extLst>
+              <a:ext uri="{FF2B5EF4-FFF2-40B4-BE49-F238E27FC236}">
+                <a16:creationId xmlns:a16="http://schemas.microsoft.com/office/drawing/2014/main" id="{B38C1DF0-58C0-B39A-1F22-EB8023BE892F}"/>
+              </a:ext>
+            </a:extLst>
+          </p:cNvPr>
+          <p:cNvSpPr/>
+          <p:nvPr/>
+        </p:nvSpPr>
+        <p:spPr>
+          <a:xfrm>
+            <a:off x="9938326" y="6202216"/>
+            <a:ext cx="1649844" cy="468717"/>
           </a:xfrm>
           <a:prstGeom prst="rect">
             <a:avLst/>
@@ -18209,6 +18005,13 @@
             <a:schemeClr val="bg1"/>
           </a:solidFill>
           <a:ln w="38100"/>
+          <a:scene3d>
+            <a:camera prst="orthographicFront"/>
+            <a:lightRig rig="threePt" dir="t"/>
+          </a:scene3d>
+          <a:sp3d>
+            <a:bevelT prst="angle"/>
+          </a:sp3d>
         </p:spPr>
         <p:style>
           <a:lnRef idx="2">
@@ -18237,17 +18040,17 @@
                   <a:schemeClr val="tx1"/>
                 </a:solidFill>
               </a:rPr>
-              <a:t>로그아웃</a:t>
-            </a:r>
-          </a:p>
-        </p:txBody>
-      </p:sp>
-      <p:sp>
-        <p:nvSpPr>
-          <p:cNvPr id="14" name="직사각형 13">
-            <a:extLst>
-              <a:ext uri="{FF2B5EF4-FFF2-40B4-BE49-F238E27FC236}">
-                <a16:creationId xmlns:a16="http://schemas.microsoft.com/office/drawing/2014/main" id="{7D692C63-90D6-B220-F5EE-2D12763C21E9}"/>
+              <a:t>사용자 생성</a:t>
+            </a:r>
+          </a:p>
+        </p:txBody>
+      </p:sp>
+      <p:sp>
+        <p:nvSpPr>
+          <p:cNvPr id="4" name="직사각형 3">
+            <a:extLst>
+              <a:ext uri="{FF2B5EF4-FFF2-40B4-BE49-F238E27FC236}">
+                <a16:creationId xmlns:a16="http://schemas.microsoft.com/office/drawing/2014/main" id="{577FD372-8D29-107F-2F11-1142988B2766}"/>
               </a:ext>
             </a:extLst>
           </p:cNvPr>
@@ -18256,14 +18059,16 @@
         </p:nvSpPr>
         <p:spPr>
           <a:xfrm>
-            <a:off x="8677562" y="182918"/>
-            <a:ext cx="1394690" cy="415638"/>
+            <a:off x="572655" y="1649969"/>
+            <a:ext cx="11046690" cy="2174831"/>
           </a:xfrm>
           <a:prstGeom prst="rect">
             <a:avLst/>
           </a:prstGeom>
           <a:solidFill>
-            <a:schemeClr val="bg1"/>
+            <a:schemeClr val="bg1">
+              <a:lumMod val="95000"/>
+            </a:schemeClr>
           </a:solidFill>
           <a:ln w="38100"/>
         </p:spPr>
@@ -18288,14 +18093,6 @@
           <a:lstStyle/>
           <a:p>
             <a:pPr algn="ctr"/>
-            <a:r>
-              <a:rPr lang="ko-KR" altLang="en-US">
-                <a:solidFill>
-                  <a:schemeClr val="tx1"/>
-                </a:solidFill>
-              </a:rPr>
-              <a:t>마이페이지</a:t>
-            </a:r>
             <a:endParaRPr lang="ko-KR" altLang="en-US" dirty="0">
               <a:solidFill>
                 <a:schemeClr val="tx1"/>
@@ -18306,10 +18103,10 @@
       </p:sp>
       <p:sp>
         <p:nvSpPr>
-          <p:cNvPr id="15" name="직사각형 14">
-            <a:extLst>
-              <a:ext uri="{FF2B5EF4-FFF2-40B4-BE49-F238E27FC236}">
-                <a16:creationId xmlns:a16="http://schemas.microsoft.com/office/drawing/2014/main" id="{F85E7F12-1A2E-C02D-BF4F-D306A6BE12D8}"/>
+          <p:cNvPr id="8" name="직사각형 7">
+            <a:extLst>
+              <a:ext uri="{FF2B5EF4-FFF2-40B4-BE49-F238E27FC236}">
+                <a16:creationId xmlns:a16="http://schemas.microsoft.com/office/drawing/2014/main" id="{CDD52D1E-4E8A-15DB-495F-46C99F0DA0BB}"/>
               </a:ext>
             </a:extLst>
           </p:cNvPr>
@@ -18318,16 +18115,16 @@
         </p:nvSpPr>
         <p:spPr>
           <a:xfrm>
-            <a:off x="10261595" y="182918"/>
-            <a:ext cx="1611751" cy="415638"/>
+            <a:off x="2209123" y="2174232"/>
+            <a:ext cx="1874983" cy="415638"/>
           </a:xfrm>
           <a:prstGeom prst="rect">
             <a:avLst/>
           </a:prstGeom>
-          <a:solidFill>
-            <a:schemeClr val="bg1"/>
-          </a:solidFill>
-          <a:ln w="38100"/>
+          <a:noFill/>
+          <a:ln w="38100">
+            <a:noFill/>
+          </a:ln>
         </p:spPr>
         <p:style>
           <a:lnRef idx="2">
@@ -18349,14 +18146,29 @@
           <a:bodyPr rtlCol="0" anchor="ctr"/>
           <a:lstStyle/>
           <a:p>
-            <a:pPr algn="ctr"/>
-            <a:r>
-              <a:rPr lang="ko-KR" altLang="en-US">
+            <a:r>
+              <a:rPr lang="en-US" altLang="ko-KR" dirty="0">
                 <a:solidFill>
                   <a:schemeClr val="tx1"/>
                 </a:solidFill>
               </a:rPr>
-              <a:t>자동로그아웃</a:t>
+              <a:t>{{</a:t>
+            </a:r>
+            <a:r>
+              <a:rPr lang="ko-KR" altLang="en-US" dirty="0">
+                <a:solidFill>
+                  <a:schemeClr val="tx1"/>
+                </a:solidFill>
+              </a:rPr>
+              <a:t>이름</a:t>
+            </a:r>
+            <a:r>
+              <a:rPr lang="en-US" altLang="ko-KR" dirty="0">
+                <a:solidFill>
+                  <a:schemeClr val="tx1"/>
+                </a:solidFill>
+              </a:rPr>
+              <a:t>}}</a:t>
             </a:r>
             <a:endParaRPr lang="ko-KR" altLang="en-US" dirty="0">
               <a:solidFill>
@@ -18366,10 +18178,1425 @@
           </a:p>
         </p:txBody>
       </p:sp>
+      <p:sp>
+        <p:nvSpPr>
+          <p:cNvPr id="9" name="직사각형 8">
+            <a:extLst>
+              <a:ext uri="{FF2B5EF4-FFF2-40B4-BE49-F238E27FC236}">
+                <a16:creationId xmlns:a16="http://schemas.microsoft.com/office/drawing/2014/main" id="{27ACA568-7F8D-2F2F-B5C3-7CDB3478BA7A}"/>
+              </a:ext>
+            </a:extLst>
+          </p:cNvPr>
+          <p:cNvSpPr/>
+          <p:nvPr/>
+        </p:nvSpPr>
+        <p:spPr>
+          <a:xfrm>
+            <a:off x="2209123" y="1764645"/>
+            <a:ext cx="5194902" cy="415638"/>
+          </a:xfrm>
+          <a:prstGeom prst="rect">
+            <a:avLst/>
+          </a:prstGeom>
+          <a:noFill/>
+          <a:ln w="38100">
+            <a:noFill/>
+          </a:ln>
+        </p:spPr>
+        <p:style>
+          <a:lnRef idx="2">
+            <a:schemeClr val="accent1">
+              <a:shade val="15000"/>
+            </a:schemeClr>
+          </a:lnRef>
+          <a:fillRef idx="1">
+            <a:schemeClr val="accent1"/>
+          </a:fillRef>
+          <a:effectRef idx="0">
+            <a:schemeClr val="accent1"/>
+          </a:effectRef>
+          <a:fontRef idx="minor">
+            <a:schemeClr val="lt1"/>
+          </a:fontRef>
+        </p:style>
+        <p:txBody>
+          <a:bodyPr rtlCol="0" anchor="ctr"/>
+          <a:lstStyle/>
+          <a:p>
+            <a:r>
+              <a:rPr lang="en-US" altLang="ko-KR" dirty="0">
+                <a:solidFill>
+                  <a:schemeClr val="tx1"/>
+                </a:solidFill>
+              </a:rPr>
+              <a:t>{{</a:t>
+            </a:r>
+            <a:r>
+              <a:rPr lang="ko-KR" altLang="en-US" dirty="0">
+                <a:solidFill>
+                  <a:schemeClr val="tx1"/>
+                </a:solidFill>
+              </a:rPr>
+              <a:t>아이디</a:t>
+            </a:r>
+            <a:r>
+              <a:rPr lang="en-US" altLang="ko-KR" dirty="0">
+                <a:solidFill>
+                  <a:schemeClr val="tx1"/>
+                </a:solidFill>
+              </a:rPr>
+              <a:t>}}</a:t>
+            </a:r>
+            <a:endParaRPr lang="ko-KR" altLang="en-US" dirty="0">
+              <a:solidFill>
+                <a:schemeClr val="tx1"/>
+              </a:solidFill>
+            </a:endParaRPr>
+          </a:p>
+        </p:txBody>
+      </p:sp>
+      <p:sp>
+        <p:nvSpPr>
+          <p:cNvPr id="10" name="직사각형 9">
+            <a:extLst>
+              <a:ext uri="{FF2B5EF4-FFF2-40B4-BE49-F238E27FC236}">
+                <a16:creationId xmlns:a16="http://schemas.microsoft.com/office/drawing/2014/main" id="{EE0696C9-B8BE-03D1-7492-C18A696BC396}"/>
+              </a:ext>
+            </a:extLst>
+          </p:cNvPr>
+          <p:cNvSpPr/>
+          <p:nvPr/>
+        </p:nvSpPr>
+        <p:spPr>
+          <a:xfrm>
+            <a:off x="2209123" y="2583819"/>
+            <a:ext cx="1638407" cy="415638"/>
+          </a:xfrm>
+          <a:prstGeom prst="rect">
+            <a:avLst/>
+          </a:prstGeom>
+          <a:noFill/>
+          <a:ln w="38100">
+            <a:noFill/>
+          </a:ln>
+        </p:spPr>
+        <p:style>
+          <a:lnRef idx="2">
+            <a:schemeClr val="accent1">
+              <a:shade val="15000"/>
+            </a:schemeClr>
+          </a:lnRef>
+          <a:fillRef idx="1">
+            <a:schemeClr val="accent1"/>
+          </a:fillRef>
+          <a:effectRef idx="0">
+            <a:schemeClr val="accent1"/>
+          </a:effectRef>
+          <a:fontRef idx="minor">
+            <a:schemeClr val="lt1"/>
+          </a:fontRef>
+        </p:style>
+        <p:txBody>
+          <a:bodyPr rtlCol="0" anchor="ctr"/>
+          <a:lstStyle/>
+          <a:p>
+            <a:r>
+              <a:rPr lang="en-US" altLang="ko-KR">
+                <a:solidFill>
+                  <a:schemeClr val="tx1"/>
+                </a:solidFill>
+              </a:rPr>
+              <a:t>{{</a:t>
+            </a:r>
+            <a:r>
+              <a:rPr lang="ko-KR" altLang="en-US" dirty="0">
+                <a:solidFill>
+                  <a:schemeClr val="tx1"/>
+                </a:solidFill>
+              </a:rPr>
+              <a:t>사용여부</a:t>
+            </a:r>
+            <a:r>
+              <a:rPr lang="en-US" altLang="ko-KR" dirty="0">
+                <a:solidFill>
+                  <a:schemeClr val="tx1"/>
+                </a:solidFill>
+              </a:rPr>
+              <a:t>}}</a:t>
+            </a:r>
+            <a:endParaRPr lang="ko-KR" altLang="en-US" dirty="0">
+              <a:solidFill>
+                <a:schemeClr val="tx1"/>
+              </a:solidFill>
+            </a:endParaRPr>
+          </a:p>
+        </p:txBody>
+      </p:sp>
+      <p:sp>
+        <p:nvSpPr>
+          <p:cNvPr id="11" name="직사각형 10">
+            <a:extLst>
+              <a:ext uri="{FF2B5EF4-FFF2-40B4-BE49-F238E27FC236}">
+                <a16:creationId xmlns:a16="http://schemas.microsoft.com/office/drawing/2014/main" id="{1033AD6D-36D4-9C55-9297-2F65AA8C9A59}"/>
+              </a:ext>
+            </a:extLst>
+          </p:cNvPr>
+          <p:cNvSpPr/>
+          <p:nvPr/>
+        </p:nvSpPr>
+        <p:spPr>
+          <a:xfrm>
+            <a:off x="2209123" y="2987355"/>
+            <a:ext cx="1293100" cy="415638"/>
+          </a:xfrm>
+          <a:prstGeom prst="rect">
+            <a:avLst/>
+          </a:prstGeom>
+          <a:noFill/>
+          <a:ln w="38100">
+            <a:noFill/>
+          </a:ln>
+        </p:spPr>
+        <p:style>
+          <a:lnRef idx="2">
+            <a:schemeClr val="accent1">
+              <a:shade val="15000"/>
+            </a:schemeClr>
+          </a:lnRef>
+          <a:fillRef idx="1">
+            <a:schemeClr val="accent1"/>
+          </a:fillRef>
+          <a:effectRef idx="0">
+            <a:schemeClr val="accent1"/>
+          </a:effectRef>
+          <a:fontRef idx="minor">
+            <a:schemeClr val="lt1"/>
+          </a:fontRef>
+        </p:style>
+        <p:txBody>
+          <a:bodyPr rtlCol="0" anchor="ctr"/>
+          <a:lstStyle/>
+          <a:p>
+            <a:r>
+              <a:rPr lang="en-US" altLang="ko-KR" dirty="0">
+                <a:solidFill>
+                  <a:schemeClr val="tx1"/>
+                </a:solidFill>
+              </a:rPr>
+              <a:t>{{AI Open}}</a:t>
+            </a:r>
+            <a:endParaRPr lang="ko-KR" altLang="en-US" dirty="0">
+              <a:solidFill>
+                <a:schemeClr val="tx1"/>
+              </a:solidFill>
+            </a:endParaRPr>
+          </a:p>
+        </p:txBody>
+      </p:sp>
+      <p:sp>
+        <p:nvSpPr>
+          <p:cNvPr id="13" name="직사각형 12">
+            <a:extLst>
+              <a:ext uri="{FF2B5EF4-FFF2-40B4-BE49-F238E27FC236}">
+                <a16:creationId xmlns:a16="http://schemas.microsoft.com/office/drawing/2014/main" id="{F3035262-6113-73BE-A8B5-6ACAF4D94306}"/>
+              </a:ext>
+            </a:extLst>
+          </p:cNvPr>
+          <p:cNvSpPr/>
+          <p:nvPr/>
+        </p:nvSpPr>
+        <p:spPr>
+          <a:xfrm>
+            <a:off x="2209123" y="3396941"/>
+            <a:ext cx="1404526" cy="415638"/>
+          </a:xfrm>
+          <a:prstGeom prst="rect">
+            <a:avLst/>
+          </a:prstGeom>
+          <a:noFill/>
+          <a:ln w="38100">
+            <a:noFill/>
+          </a:ln>
+        </p:spPr>
+        <p:style>
+          <a:lnRef idx="2">
+            <a:schemeClr val="accent1">
+              <a:shade val="15000"/>
+            </a:schemeClr>
+          </a:lnRef>
+          <a:fillRef idx="1">
+            <a:schemeClr val="accent1"/>
+          </a:fillRef>
+          <a:effectRef idx="0">
+            <a:schemeClr val="accent1"/>
+          </a:effectRef>
+          <a:fontRef idx="minor">
+            <a:schemeClr val="lt1"/>
+          </a:fontRef>
+        </p:style>
+        <p:txBody>
+          <a:bodyPr rtlCol="0" anchor="ctr"/>
+          <a:lstStyle/>
+          <a:p>
+            <a:r>
+              <a:rPr lang="en-US" altLang="ko-KR" dirty="0">
+                <a:solidFill>
+                  <a:schemeClr val="tx1"/>
+                </a:solidFill>
+              </a:rPr>
+              <a:t>{{</a:t>
+            </a:r>
+            <a:r>
+              <a:rPr lang="ko-KR" altLang="en-US" dirty="0">
+                <a:solidFill>
+                  <a:schemeClr val="tx1"/>
+                </a:solidFill>
+              </a:rPr>
+              <a:t>크레딧</a:t>
+            </a:r>
+            <a:r>
+              <a:rPr lang="en-US" altLang="ko-KR" dirty="0">
+                <a:solidFill>
+                  <a:schemeClr val="tx1"/>
+                </a:solidFill>
+              </a:rPr>
+              <a:t>}}</a:t>
+            </a:r>
+            <a:endParaRPr lang="ko-KR" altLang="en-US" dirty="0">
+              <a:solidFill>
+                <a:schemeClr val="tx1"/>
+              </a:solidFill>
+            </a:endParaRPr>
+          </a:p>
+        </p:txBody>
+      </p:sp>
+      <p:sp>
+        <p:nvSpPr>
+          <p:cNvPr id="14" name="직사각형 13">
+            <a:extLst>
+              <a:ext uri="{FF2B5EF4-FFF2-40B4-BE49-F238E27FC236}">
+                <a16:creationId xmlns:a16="http://schemas.microsoft.com/office/drawing/2014/main" id="{9E85B32C-116E-9A8B-D171-3C86DB20119B}"/>
+              </a:ext>
+            </a:extLst>
+          </p:cNvPr>
+          <p:cNvSpPr/>
+          <p:nvPr/>
+        </p:nvSpPr>
+        <p:spPr>
+          <a:xfrm>
+            <a:off x="10296747" y="3195174"/>
+            <a:ext cx="1131455" cy="468717"/>
+          </a:xfrm>
+          <a:prstGeom prst="rect">
+            <a:avLst/>
+          </a:prstGeom>
+          <a:solidFill>
+            <a:schemeClr val="bg1"/>
+          </a:solidFill>
+          <a:ln w="38100"/>
+          <a:scene3d>
+            <a:camera prst="orthographicFront"/>
+            <a:lightRig rig="threePt" dir="t"/>
+          </a:scene3d>
+          <a:sp3d>
+            <a:bevelT prst="angle"/>
+          </a:sp3d>
+        </p:spPr>
+        <p:style>
+          <a:lnRef idx="2">
+            <a:schemeClr val="accent1">
+              <a:shade val="15000"/>
+            </a:schemeClr>
+          </a:lnRef>
+          <a:fillRef idx="1">
+            <a:schemeClr val="accent1"/>
+          </a:fillRef>
+          <a:effectRef idx="0">
+            <a:schemeClr val="accent1"/>
+          </a:effectRef>
+          <a:fontRef idx="minor">
+            <a:schemeClr val="lt1"/>
+          </a:fontRef>
+        </p:style>
+        <p:txBody>
+          <a:bodyPr rtlCol="0" anchor="ctr"/>
+          <a:lstStyle/>
+          <a:p>
+            <a:pPr algn="ctr"/>
+            <a:r>
+              <a:rPr lang="ko-KR" altLang="en-US" dirty="0">
+                <a:solidFill>
+                  <a:schemeClr val="tx1"/>
+                </a:solidFill>
+              </a:rPr>
+              <a:t>저장</a:t>
+            </a:r>
+          </a:p>
+        </p:txBody>
+      </p:sp>
+      <p:sp>
+        <p:nvSpPr>
+          <p:cNvPr id="15" name="직사각형 14">
+            <a:extLst>
+              <a:ext uri="{FF2B5EF4-FFF2-40B4-BE49-F238E27FC236}">
+                <a16:creationId xmlns:a16="http://schemas.microsoft.com/office/drawing/2014/main" id="{BCFE8250-38C4-FC0B-D562-752C864A00E8}"/>
+              </a:ext>
+            </a:extLst>
+          </p:cNvPr>
+          <p:cNvSpPr/>
+          <p:nvPr/>
+        </p:nvSpPr>
+        <p:spPr>
+          <a:xfrm>
+            <a:off x="804702" y="2174232"/>
+            <a:ext cx="1874983" cy="415638"/>
+          </a:xfrm>
+          <a:prstGeom prst="rect">
+            <a:avLst/>
+          </a:prstGeom>
+          <a:noFill/>
+          <a:ln w="38100">
+            <a:noFill/>
+          </a:ln>
+        </p:spPr>
+        <p:style>
+          <a:lnRef idx="2">
+            <a:schemeClr val="accent1">
+              <a:shade val="15000"/>
+            </a:schemeClr>
+          </a:lnRef>
+          <a:fillRef idx="1">
+            <a:schemeClr val="accent1"/>
+          </a:fillRef>
+          <a:effectRef idx="0">
+            <a:schemeClr val="accent1"/>
+          </a:effectRef>
+          <a:fontRef idx="minor">
+            <a:schemeClr val="lt1"/>
+          </a:fontRef>
+        </p:style>
+        <p:txBody>
+          <a:bodyPr rtlCol="0" anchor="ctr"/>
+          <a:lstStyle/>
+          <a:p>
+            <a:r>
+              <a:rPr lang="ko-KR" altLang="en-US" dirty="0">
+                <a:solidFill>
+                  <a:schemeClr val="tx1"/>
+                </a:solidFill>
+              </a:rPr>
+              <a:t>이름</a:t>
+            </a:r>
+          </a:p>
+        </p:txBody>
+      </p:sp>
+      <p:sp>
+        <p:nvSpPr>
+          <p:cNvPr id="16" name="직사각형 15">
+            <a:extLst>
+              <a:ext uri="{FF2B5EF4-FFF2-40B4-BE49-F238E27FC236}">
+                <a16:creationId xmlns:a16="http://schemas.microsoft.com/office/drawing/2014/main" id="{FB894C48-84FC-34CB-1714-68B2C4A594E6}"/>
+              </a:ext>
+            </a:extLst>
+          </p:cNvPr>
+          <p:cNvSpPr/>
+          <p:nvPr/>
+        </p:nvSpPr>
+        <p:spPr>
+          <a:xfrm>
+            <a:off x="804702" y="1764645"/>
+            <a:ext cx="5194902" cy="415638"/>
+          </a:xfrm>
+          <a:prstGeom prst="rect">
+            <a:avLst/>
+          </a:prstGeom>
+          <a:noFill/>
+          <a:ln w="38100">
+            <a:noFill/>
+          </a:ln>
+        </p:spPr>
+        <p:style>
+          <a:lnRef idx="2">
+            <a:schemeClr val="accent1">
+              <a:shade val="15000"/>
+            </a:schemeClr>
+          </a:lnRef>
+          <a:fillRef idx="1">
+            <a:schemeClr val="accent1"/>
+          </a:fillRef>
+          <a:effectRef idx="0">
+            <a:schemeClr val="accent1"/>
+          </a:effectRef>
+          <a:fontRef idx="minor">
+            <a:schemeClr val="lt1"/>
+          </a:fontRef>
+        </p:style>
+        <p:txBody>
+          <a:bodyPr rtlCol="0" anchor="ctr"/>
+          <a:lstStyle/>
+          <a:p>
+            <a:r>
+              <a:rPr lang="ko-KR" altLang="en-US" dirty="0">
+                <a:solidFill>
+                  <a:schemeClr val="tx1"/>
+                </a:solidFill>
+              </a:rPr>
+              <a:t>아이디</a:t>
+            </a:r>
+          </a:p>
+        </p:txBody>
+      </p:sp>
+      <p:sp>
+        <p:nvSpPr>
+          <p:cNvPr id="17" name="직사각형 16">
+            <a:extLst>
+              <a:ext uri="{FF2B5EF4-FFF2-40B4-BE49-F238E27FC236}">
+                <a16:creationId xmlns:a16="http://schemas.microsoft.com/office/drawing/2014/main" id="{14EEB25E-4FC6-0E09-37A9-AC24004D8BD6}"/>
+              </a:ext>
+            </a:extLst>
+          </p:cNvPr>
+          <p:cNvSpPr/>
+          <p:nvPr/>
+        </p:nvSpPr>
+        <p:spPr>
+          <a:xfrm>
+            <a:off x="804702" y="2583819"/>
+            <a:ext cx="1638407" cy="415638"/>
+          </a:xfrm>
+          <a:prstGeom prst="rect">
+            <a:avLst/>
+          </a:prstGeom>
+          <a:noFill/>
+          <a:ln w="38100">
+            <a:noFill/>
+          </a:ln>
+        </p:spPr>
+        <p:style>
+          <a:lnRef idx="2">
+            <a:schemeClr val="accent1">
+              <a:shade val="15000"/>
+            </a:schemeClr>
+          </a:lnRef>
+          <a:fillRef idx="1">
+            <a:schemeClr val="accent1"/>
+          </a:fillRef>
+          <a:effectRef idx="0">
+            <a:schemeClr val="accent1"/>
+          </a:effectRef>
+          <a:fontRef idx="minor">
+            <a:schemeClr val="lt1"/>
+          </a:fontRef>
+        </p:style>
+        <p:txBody>
+          <a:bodyPr rtlCol="0" anchor="ctr"/>
+          <a:lstStyle/>
+          <a:p>
+            <a:r>
+              <a:rPr lang="ko-KR" altLang="en-US" dirty="0">
+                <a:solidFill>
+                  <a:schemeClr val="tx1"/>
+                </a:solidFill>
+              </a:rPr>
+              <a:t>사용여부</a:t>
+            </a:r>
+          </a:p>
+        </p:txBody>
+      </p:sp>
+      <p:sp>
+        <p:nvSpPr>
+          <p:cNvPr id="18" name="직사각형 17">
+            <a:extLst>
+              <a:ext uri="{FF2B5EF4-FFF2-40B4-BE49-F238E27FC236}">
+                <a16:creationId xmlns:a16="http://schemas.microsoft.com/office/drawing/2014/main" id="{5BFBAD50-B055-4444-5A52-6D5A80941326}"/>
+              </a:ext>
+            </a:extLst>
+          </p:cNvPr>
+          <p:cNvSpPr/>
+          <p:nvPr/>
+        </p:nvSpPr>
+        <p:spPr>
+          <a:xfrm>
+            <a:off x="804702" y="2987355"/>
+            <a:ext cx="1293100" cy="415638"/>
+          </a:xfrm>
+          <a:prstGeom prst="rect">
+            <a:avLst/>
+          </a:prstGeom>
+          <a:noFill/>
+          <a:ln w="38100">
+            <a:noFill/>
+          </a:ln>
+        </p:spPr>
+        <p:style>
+          <a:lnRef idx="2">
+            <a:schemeClr val="accent1">
+              <a:shade val="15000"/>
+            </a:schemeClr>
+          </a:lnRef>
+          <a:fillRef idx="1">
+            <a:schemeClr val="accent1"/>
+          </a:fillRef>
+          <a:effectRef idx="0">
+            <a:schemeClr val="accent1"/>
+          </a:effectRef>
+          <a:fontRef idx="minor">
+            <a:schemeClr val="lt1"/>
+          </a:fontRef>
+        </p:style>
+        <p:txBody>
+          <a:bodyPr rtlCol="0" anchor="ctr"/>
+          <a:lstStyle/>
+          <a:p>
+            <a:r>
+              <a:rPr lang="en-US" altLang="ko-KR" dirty="0">
+                <a:solidFill>
+                  <a:schemeClr val="tx1"/>
+                </a:solidFill>
+              </a:rPr>
+              <a:t>AI Open</a:t>
+            </a:r>
+            <a:endParaRPr lang="ko-KR" altLang="en-US" dirty="0">
+              <a:solidFill>
+                <a:schemeClr val="tx1"/>
+              </a:solidFill>
+            </a:endParaRPr>
+          </a:p>
+        </p:txBody>
+      </p:sp>
+      <p:sp>
+        <p:nvSpPr>
+          <p:cNvPr id="19" name="직사각형 18">
+            <a:extLst>
+              <a:ext uri="{FF2B5EF4-FFF2-40B4-BE49-F238E27FC236}">
+                <a16:creationId xmlns:a16="http://schemas.microsoft.com/office/drawing/2014/main" id="{12B3040D-1E56-E084-8BB0-35D1FA0A5B3C}"/>
+              </a:ext>
+            </a:extLst>
+          </p:cNvPr>
+          <p:cNvSpPr/>
+          <p:nvPr/>
+        </p:nvSpPr>
+        <p:spPr>
+          <a:xfrm>
+            <a:off x="804702" y="3396941"/>
+            <a:ext cx="1404526" cy="415638"/>
+          </a:xfrm>
+          <a:prstGeom prst="rect">
+            <a:avLst/>
+          </a:prstGeom>
+          <a:noFill/>
+          <a:ln w="38100">
+            <a:noFill/>
+          </a:ln>
+        </p:spPr>
+        <p:style>
+          <a:lnRef idx="2">
+            <a:schemeClr val="accent1">
+              <a:shade val="15000"/>
+            </a:schemeClr>
+          </a:lnRef>
+          <a:fillRef idx="1">
+            <a:schemeClr val="accent1"/>
+          </a:fillRef>
+          <a:effectRef idx="0">
+            <a:schemeClr val="accent1"/>
+          </a:effectRef>
+          <a:fontRef idx="minor">
+            <a:schemeClr val="lt1"/>
+          </a:fontRef>
+        </p:style>
+        <p:txBody>
+          <a:bodyPr rtlCol="0" anchor="ctr"/>
+          <a:lstStyle/>
+          <a:p>
+            <a:r>
+              <a:rPr lang="ko-KR" altLang="en-US" dirty="0">
+                <a:solidFill>
+                  <a:schemeClr val="tx1"/>
+                </a:solidFill>
+              </a:rPr>
+              <a:t>크레딧</a:t>
+            </a:r>
+          </a:p>
+        </p:txBody>
+      </p:sp>
+      <p:sp>
+        <p:nvSpPr>
+          <p:cNvPr id="20" name="직사각형 19">
+            <a:extLst>
+              <a:ext uri="{FF2B5EF4-FFF2-40B4-BE49-F238E27FC236}">
+                <a16:creationId xmlns:a16="http://schemas.microsoft.com/office/drawing/2014/main" id="{C20E467B-5C3B-44F1-5C60-271818D936F8}"/>
+              </a:ext>
+            </a:extLst>
+          </p:cNvPr>
+          <p:cNvSpPr/>
+          <p:nvPr/>
+        </p:nvSpPr>
+        <p:spPr>
+          <a:xfrm>
+            <a:off x="572655" y="3903002"/>
+            <a:ext cx="11046690" cy="2174831"/>
+          </a:xfrm>
+          <a:prstGeom prst="rect">
+            <a:avLst/>
+          </a:prstGeom>
+          <a:solidFill>
+            <a:schemeClr val="bg1">
+              <a:lumMod val="95000"/>
+            </a:schemeClr>
+          </a:solidFill>
+          <a:ln w="38100"/>
+        </p:spPr>
+        <p:style>
+          <a:lnRef idx="2">
+            <a:schemeClr val="accent1">
+              <a:shade val="15000"/>
+            </a:schemeClr>
+          </a:lnRef>
+          <a:fillRef idx="1">
+            <a:schemeClr val="accent1"/>
+          </a:fillRef>
+          <a:effectRef idx="0">
+            <a:schemeClr val="accent1"/>
+          </a:effectRef>
+          <a:fontRef idx="minor">
+            <a:schemeClr val="lt1"/>
+          </a:fontRef>
+        </p:style>
+        <p:txBody>
+          <a:bodyPr rtlCol="0" anchor="ctr"/>
+          <a:lstStyle/>
+          <a:p>
+            <a:pPr algn="ctr"/>
+            <a:endParaRPr lang="ko-KR" altLang="en-US" dirty="0">
+              <a:solidFill>
+                <a:schemeClr val="tx1"/>
+              </a:solidFill>
+            </a:endParaRPr>
+          </a:p>
+        </p:txBody>
+      </p:sp>
+      <p:sp>
+        <p:nvSpPr>
+          <p:cNvPr id="21" name="직사각형 20">
+            <a:extLst>
+              <a:ext uri="{FF2B5EF4-FFF2-40B4-BE49-F238E27FC236}">
+                <a16:creationId xmlns:a16="http://schemas.microsoft.com/office/drawing/2014/main" id="{1F8C9977-5B29-3E43-4915-ECFC1EBE125D}"/>
+              </a:ext>
+            </a:extLst>
+          </p:cNvPr>
+          <p:cNvSpPr/>
+          <p:nvPr/>
+        </p:nvSpPr>
+        <p:spPr>
+          <a:xfrm>
+            <a:off x="2209123" y="4427265"/>
+            <a:ext cx="1874983" cy="415638"/>
+          </a:xfrm>
+          <a:prstGeom prst="rect">
+            <a:avLst/>
+          </a:prstGeom>
+          <a:noFill/>
+          <a:ln w="38100">
+            <a:noFill/>
+          </a:ln>
+        </p:spPr>
+        <p:style>
+          <a:lnRef idx="2">
+            <a:schemeClr val="accent1">
+              <a:shade val="15000"/>
+            </a:schemeClr>
+          </a:lnRef>
+          <a:fillRef idx="1">
+            <a:schemeClr val="accent1"/>
+          </a:fillRef>
+          <a:effectRef idx="0">
+            <a:schemeClr val="accent1"/>
+          </a:effectRef>
+          <a:fontRef idx="minor">
+            <a:schemeClr val="lt1"/>
+          </a:fontRef>
+        </p:style>
+        <p:txBody>
+          <a:bodyPr rtlCol="0" anchor="ctr"/>
+          <a:lstStyle/>
+          <a:p>
+            <a:r>
+              <a:rPr lang="en-US" altLang="ko-KR" dirty="0">
+                <a:solidFill>
+                  <a:schemeClr val="tx1"/>
+                </a:solidFill>
+              </a:rPr>
+              <a:t>{{</a:t>
+            </a:r>
+            <a:r>
+              <a:rPr lang="ko-KR" altLang="en-US" dirty="0">
+                <a:solidFill>
+                  <a:schemeClr val="tx1"/>
+                </a:solidFill>
+              </a:rPr>
+              <a:t>이름</a:t>
+            </a:r>
+            <a:r>
+              <a:rPr lang="en-US" altLang="ko-KR" dirty="0">
+                <a:solidFill>
+                  <a:schemeClr val="tx1"/>
+                </a:solidFill>
+              </a:rPr>
+              <a:t>}}</a:t>
+            </a:r>
+            <a:endParaRPr lang="ko-KR" altLang="en-US" dirty="0">
+              <a:solidFill>
+                <a:schemeClr val="tx1"/>
+              </a:solidFill>
+            </a:endParaRPr>
+          </a:p>
+        </p:txBody>
+      </p:sp>
+      <p:sp>
+        <p:nvSpPr>
+          <p:cNvPr id="22" name="직사각형 21">
+            <a:extLst>
+              <a:ext uri="{FF2B5EF4-FFF2-40B4-BE49-F238E27FC236}">
+                <a16:creationId xmlns:a16="http://schemas.microsoft.com/office/drawing/2014/main" id="{033B6781-A2B5-ABE3-665C-7008DB30D507}"/>
+              </a:ext>
+            </a:extLst>
+          </p:cNvPr>
+          <p:cNvSpPr/>
+          <p:nvPr/>
+        </p:nvSpPr>
+        <p:spPr>
+          <a:xfrm>
+            <a:off x="2209123" y="4017678"/>
+            <a:ext cx="5194902" cy="415638"/>
+          </a:xfrm>
+          <a:prstGeom prst="rect">
+            <a:avLst/>
+          </a:prstGeom>
+          <a:noFill/>
+          <a:ln w="38100">
+            <a:noFill/>
+          </a:ln>
+        </p:spPr>
+        <p:style>
+          <a:lnRef idx="2">
+            <a:schemeClr val="accent1">
+              <a:shade val="15000"/>
+            </a:schemeClr>
+          </a:lnRef>
+          <a:fillRef idx="1">
+            <a:schemeClr val="accent1"/>
+          </a:fillRef>
+          <a:effectRef idx="0">
+            <a:schemeClr val="accent1"/>
+          </a:effectRef>
+          <a:fontRef idx="minor">
+            <a:schemeClr val="lt1"/>
+          </a:fontRef>
+        </p:style>
+        <p:txBody>
+          <a:bodyPr rtlCol="0" anchor="ctr"/>
+          <a:lstStyle/>
+          <a:p>
+            <a:r>
+              <a:rPr lang="en-US" altLang="ko-KR" dirty="0">
+                <a:solidFill>
+                  <a:schemeClr val="tx1"/>
+                </a:solidFill>
+              </a:rPr>
+              <a:t>{{</a:t>
+            </a:r>
+            <a:r>
+              <a:rPr lang="ko-KR" altLang="en-US" dirty="0">
+                <a:solidFill>
+                  <a:schemeClr val="tx1"/>
+                </a:solidFill>
+              </a:rPr>
+              <a:t>아이디</a:t>
+            </a:r>
+            <a:r>
+              <a:rPr lang="en-US" altLang="ko-KR" dirty="0">
+                <a:solidFill>
+                  <a:schemeClr val="tx1"/>
+                </a:solidFill>
+              </a:rPr>
+              <a:t>}}</a:t>
+            </a:r>
+            <a:endParaRPr lang="ko-KR" altLang="en-US" dirty="0">
+              <a:solidFill>
+                <a:schemeClr val="tx1"/>
+              </a:solidFill>
+            </a:endParaRPr>
+          </a:p>
+        </p:txBody>
+      </p:sp>
+      <p:sp>
+        <p:nvSpPr>
+          <p:cNvPr id="23" name="직사각형 22">
+            <a:extLst>
+              <a:ext uri="{FF2B5EF4-FFF2-40B4-BE49-F238E27FC236}">
+                <a16:creationId xmlns:a16="http://schemas.microsoft.com/office/drawing/2014/main" id="{31443EDF-37D3-58E0-4227-CA4934C7BFAA}"/>
+              </a:ext>
+            </a:extLst>
+          </p:cNvPr>
+          <p:cNvSpPr/>
+          <p:nvPr/>
+        </p:nvSpPr>
+        <p:spPr>
+          <a:xfrm>
+            <a:off x="2209123" y="4836852"/>
+            <a:ext cx="1638407" cy="415638"/>
+          </a:xfrm>
+          <a:prstGeom prst="rect">
+            <a:avLst/>
+          </a:prstGeom>
+          <a:noFill/>
+          <a:ln w="38100">
+            <a:noFill/>
+          </a:ln>
+        </p:spPr>
+        <p:style>
+          <a:lnRef idx="2">
+            <a:schemeClr val="accent1">
+              <a:shade val="15000"/>
+            </a:schemeClr>
+          </a:lnRef>
+          <a:fillRef idx="1">
+            <a:schemeClr val="accent1"/>
+          </a:fillRef>
+          <a:effectRef idx="0">
+            <a:schemeClr val="accent1"/>
+          </a:effectRef>
+          <a:fontRef idx="minor">
+            <a:schemeClr val="lt1"/>
+          </a:fontRef>
+        </p:style>
+        <p:txBody>
+          <a:bodyPr rtlCol="0" anchor="ctr"/>
+          <a:lstStyle/>
+          <a:p>
+            <a:r>
+              <a:rPr lang="en-US" altLang="ko-KR">
+                <a:solidFill>
+                  <a:schemeClr val="tx1"/>
+                </a:solidFill>
+              </a:rPr>
+              <a:t>{{</a:t>
+            </a:r>
+            <a:r>
+              <a:rPr lang="ko-KR" altLang="en-US" dirty="0">
+                <a:solidFill>
+                  <a:schemeClr val="tx1"/>
+                </a:solidFill>
+              </a:rPr>
+              <a:t>사용여부</a:t>
+            </a:r>
+            <a:r>
+              <a:rPr lang="en-US" altLang="ko-KR" dirty="0">
+                <a:solidFill>
+                  <a:schemeClr val="tx1"/>
+                </a:solidFill>
+              </a:rPr>
+              <a:t>}}</a:t>
+            </a:r>
+            <a:endParaRPr lang="ko-KR" altLang="en-US" dirty="0">
+              <a:solidFill>
+                <a:schemeClr val="tx1"/>
+              </a:solidFill>
+            </a:endParaRPr>
+          </a:p>
+        </p:txBody>
+      </p:sp>
+      <p:sp>
+        <p:nvSpPr>
+          <p:cNvPr id="24" name="직사각형 23">
+            <a:extLst>
+              <a:ext uri="{FF2B5EF4-FFF2-40B4-BE49-F238E27FC236}">
+                <a16:creationId xmlns:a16="http://schemas.microsoft.com/office/drawing/2014/main" id="{0C4665B2-1B25-04DC-18AF-78E0B9F16258}"/>
+              </a:ext>
+            </a:extLst>
+          </p:cNvPr>
+          <p:cNvSpPr/>
+          <p:nvPr/>
+        </p:nvSpPr>
+        <p:spPr>
+          <a:xfrm>
+            <a:off x="2209123" y="5240388"/>
+            <a:ext cx="1293100" cy="415638"/>
+          </a:xfrm>
+          <a:prstGeom prst="rect">
+            <a:avLst/>
+          </a:prstGeom>
+          <a:noFill/>
+          <a:ln w="38100">
+            <a:noFill/>
+          </a:ln>
+        </p:spPr>
+        <p:style>
+          <a:lnRef idx="2">
+            <a:schemeClr val="accent1">
+              <a:shade val="15000"/>
+            </a:schemeClr>
+          </a:lnRef>
+          <a:fillRef idx="1">
+            <a:schemeClr val="accent1"/>
+          </a:fillRef>
+          <a:effectRef idx="0">
+            <a:schemeClr val="accent1"/>
+          </a:effectRef>
+          <a:fontRef idx="minor">
+            <a:schemeClr val="lt1"/>
+          </a:fontRef>
+        </p:style>
+        <p:txBody>
+          <a:bodyPr rtlCol="0" anchor="ctr"/>
+          <a:lstStyle/>
+          <a:p>
+            <a:r>
+              <a:rPr lang="en-US" altLang="ko-KR" dirty="0">
+                <a:solidFill>
+                  <a:schemeClr val="tx1"/>
+                </a:solidFill>
+              </a:rPr>
+              <a:t>{{AI Open}}</a:t>
+            </a:r>
+            <a:endParaRPr lang="ko-KR" altLang="en-US" dirty="0">
+              <a:solidFill>
+                <a:schemeClr val="tx1"/>
+              </a:solidFill>
+            </a:endParaRPr>
+          </a:p>
+        </p:txBody>
+      </p:sp>
+      <p:sp>
+        <p:nvSpPr>
+          <p:cNvPr id="25" name="직사각형 24">
+            <a:extLst>
+              <a:ext uri="{FF2B5EF4-FFF2-40B4-BE49-F238E27FC236}">
+                <a16:creationId xmlns:a16="http://schemas.microsoft.com/office/drawing/2014/main" id="{7F3080FA-59A2-32B3-C22B-1EC5E35BBA78}"/>
+              </a:ext>
+            </a:extLst>
+          </p:cNvPr>
+          <p:cNvSpPr/>
+          <p:nvPr/>
+        </p:nvSpPr>
+        <p:spPr>
+          <a:xfrm>
+            <a:off x="2209123" y="5649974"/>
+            <a:ext cx="1404526" cy="415638"/>
+          </a:xfrm>
+          <a:prstGeom prst="rect">
+            <a:avLst/>
+          </a:prstGeom>
+          <a:noFill/>
+          <a:ln w="38100">
+            <a:noFill/>
+          </a:ln>
+        </p:spPr>
+        <p:style>
+          <a:lnRef idx="2">
+            <a:schemeClr val="accent1">
+              <a:shade val="15000"/>
+            </a:schemeClr>
+          </a:lnRef>
+          <a:fillRef idx="1">
+            <a:schemeClr val="accent1"/>
+          </a:fillRef>
+          <a:effectRef idx="0">
+            <a:schemeClr val="accent1"/>
+          </a:effectRef>
+          <a:fontRef idx="minor">
+            <a:schemeClr val="lt1"/>
+          </a:fontRef>
+        </p:style>
+        <p:txBody>
+          <a:bodyPr rtlCol="0" anchor="ctr"/>
+          <a:lstStyle/>
+          <a:p>
+            <a:r>
+              <a:rPr lang="en-US" altLang="ko-KR" dirty="0">
+                <a:solidFill>
+                  <a:schemeClr val="tx1"/>
+                </a:solidFill>
+              </a:rPr>
+              <a:t>{{</a:t>
+            </a:r>
+            <a:r>
+              <a:rPr lang="ko-KR" altLang="en-US" dirty="0">
+                <a:solidFill>
+                  <a:schemeClr val="tx1"/>
+                </a:solidFill>
+              </a:rPr>
+              <a:t>크레딧</a:t>
+            </a:r>
+            <a:r>
+              <a:rPr lang="en-US" altLang="ko-KR" dirty="0">
+                <a:solidFill>
+                  <a:schemeClr val="tx1"/>
+                </a:solidFill>
+              </a:rPr>
+              <a:t>}}</a:t>
+            </a:r>
+            <a:endParaRPr lang="ko-KR" altLang="en-US" dirty="0">
+              <a:solidFill>
+                <a:schemeClr val="tx1"/>
+              </a:solidFill>
+            </a:endParaRPr>
+          </a:p>
+        </p:txBody>
+      </p:sp>
+      <p:sp>
+        <p:nvSpPr>
+          <p:cNvPr id="26" name="직사각형 25">
+            <a:extLst>
+              <a:ext uri="{FF2B5EF4-FFF2-40B4-BE49-F238E27FC236}">
+                <a16:creationId xmlns:a16="http://schemas.microsoft.com/office/drawing/2014/main" id="{F447E0FF-6554-1C44-6065-FF0438D2074C}"/>
+              </a:ext>
+            </a:extLst>
+          </p:cNvPr>
+          <p:cNvSpPr/>
+          <p:nvPr/>
+        </p:nvSpPr>
+        <p:spPr>
+          <a:xfrm>
+            <a:off x="10296747" y="5448207"/>
+            <a:ext cx="1131455" cy="468717"/>
+          </a:xfrm>
+          <a:prstGeom prst="rect">
+            <a:avLst/>
+          </a:prstGeom>
+          <a:solidFill>
+            <a:schemeClr val="bg1"/>
+          </a:solidFill>
+          <a:ln w="38100"/>
+          <a:scene3d>
+            <a:camera prst="orthographicFront"/>
+            <a:lightRig rig="threePt" dir="t"/>
+          </a:scene3d>
+          <a:sp3d>
+            <a:bevelT prst="angle"/>
+          </a:sp3d>
+        </p:spPr>
+        <p:style>
+          <a:lnRef idx="2">
+            <a:schemeClr val="accent1">
+              <a:shade val="15000"/>
+            </a:schemeClr>
+          </a:lnRef>
+          <a:fillRef idx="1">
+            <a:schemeClr val="accent1"/>
+          </a:fillRef>
+          <a:effectRef idx="0">
+            <a:schemeClr val="accent1"/>
+          </a:effectRef>
+          <a:fontRef idx="minor">
+            <a:schemeClr val="lt1"/>
+          </a:fontRef>
+        </p:style>
+        <p:txBody>
+          <a:bodyPr rtlCol="0" anchor="ctr"/>
+          <a:lstStyle/>
+          <a:p>
+            <a:pPr algn="ctr"/>
+            <a:r>
+              <a:rPr lang="ko-KR" altLang="en-US" dirty="0">
+                <a:solidFill>
+                  <a:schemeClr val="tx1"/>
+                </a:solidFill>
+              </a:rPr>
+              <a:t>저장</a:t>
+            </a:r>
+          </a:p>
+        </p:txBody>
+      </p:sp>
+      <p:sp>
+        <p:nvSpPr>
+          <p:cNvPr id="27" name="직사각형 26">
+            <a:extLst>
+              <a:ext uri="{FF2B5EF4-FFF2-40B4-BE49-F238E27FC236}">
+                <a16:creationId xmlns:a16="http://schemas.microsoft.com/office/drawing/2014/main" id="{16507DC4-A089-78E9-E73E-21534D273A3A}"/>
+              </a:ext>
+            </a:extLst>
+          </p:cNvPr>
+          <p:cNvSpPr/>
+          <p:nvPr/>
+        </p:nvSpPr>
+        <p:spPr>
+          <a:xfrm>
+            <a:off x="804702" y="4427265"/>
+            <a:ext cx="1874983" cy="415638"/>
+          </a:xfrm>
+          <a:prstGeom prst="rect">
+            <a:avLst/>
+          </a:prstGeom>
+          <a:noFill/>
+          <a:ln w="38100">
+            <a:noFill/>
+          </a:ln>
+        </p:spPr>
+        <p:style>
+          <a:lnRef idx="2">
+            <a:schemeClr val="accent1">
+              <a:shade val="15000"/>
+            </a:schemeClr>
+          </a:lnRef>
+          <a:fillRef idx="1">
+            <a:schemeClr val="accent1"/>
+          </a:fillRef>
+          <a:effectRef idx="0">
+            <a:schemeClr val="accent1"/>
+          </a:effectRef>
+          <a:fontRef idx="minor">
+            <a:schemeClr val="lt1"/>
+          </a:fontRef>
+        </p:style>
+        <p:txBody>
+          <a:bodyPr rtlCol="0" anchor="ctr"/>
+          <a:lstStyle/>
+          <a:p>
+            <a:r>
+              <a:rPr lang="ko-KR" altLang="en-US" dirty="0">
+                <a:solidFill>
+                  <a:schemeClr val="tx1"/>
+                </a:solidFill>
+              </a:rPr>
+              <a:t>이름</a:t>
+            </a:r>
+          </a:p>
+        </p:txBody>
+      </p:sp>
+      <p:sp>
+        <p:nvSpPr>
+          <p:cNvPr id="28" name="직사각형 27">
+            <a:extLst>
+              <a:ext uri="{FF2B5EF4-FFF2-40B4-BE49-F238E27FC236}">
+                <a16:creationId xmlns:a16="http://schemas.microsoft.com/office/drawing/2014/main" id="{910BD1F0-D28A-F70D-373A-7091F53E70E5}"/>
+              </a:ext>
+            </a:extLst>
+          </p:cNvPr>
+          <p:cNvSpPr/>
+          <p:nvPr/>
+        </p:nvSpPr>
+        <p:spPr>
+          <a:xfrm>
+            <a:off x="804702" y="4017678"/>
+            <a:ext cx="5194902" cy="415638"/>
+          </a:xfrm>
+          <a:prstGeom prst="rect">
+            <a:avLst/>
+          </a:prstGeom>
+          <a:noFill/>
+          <a:ln w="38100">
+            <a:noFill/>
+          </a:ln>
+        </p:spPr>
+        <p:style>
+          <a:lnRef idx="2">
+            <a:schemeClr val="accent1">
+              <a:shade val="15000"/>
+            </a:schemeClr>
+          </a:lnRef>
+          <a:fillRef idx="1">
+            <a:schemeClr val="accent1"/>
+          </a:fillRef>
+          <a:effectRef idx="0">
+            <a:schemeClr val="accent1"/>
+          </a:effectRef>
+          <a:fontRef idx="minor">
+            <a:schemeClr val="lt1"/>
+          </a:fontRef>
+        </p:style>
+        <p:txBody>
+          <a:bodyPr rtlCol="0" anchor="ctr"/>
+          <a:lstStyle/>
+          <a:p>
+            <a:r>
+              <a:rPr lang="ko-KR" altLang="en-US" dirty="0">
+                <a:solidFill>
+                  <a:schemeClr val="tx1"/>
+                </a:solidFill>
+              </a:rPr>
+              <a:t>아이디</a:t>
+            </a:r>
+          </a:p>
+        </p:txBody>
+      </p:sp>
+      <p:sp>
+        <p:nvSpPr>
+          <p:cNvPr id="29" name="직사각형 28">
+            <a:extLst>
+              <a:ext uri="{FF2B5EF4-FFF2-40B4-BE49-F238E27FC236}">
+                <a16:creationId xmlns:a16="http://schemas.microsoft.com/office/drawing/2014/main" id="{094D60DD-17C9-5ECB-D624-1E6647F54160}"/>
+              </a:ext>
+            </a:extLst>
+          </p:cNvPr>
+          <p:cNvSpPr/>
+          <p:nvPr/>
+        </p:nvSpPr>
+        <p:spPr>
+          <a:xfrm>
+            <a:off x="804702" y="4836852"/>
+            <a:ext cx="1638407" cy="415638"/>
+          </a:xfrm>
+          <a:prstGeom prst="rect">
+            <a:avLst/>
+          </a:prstGeom>
+          <a:noFill/>
+          <a:ln w="38100">
+            <a:noFill/>
+          </a:ln>
+        </p:spPr>
+        <p:style>
+          <a:lnRef idx="2">
+            <a:schemeClr val="accent1">
+              <a:shade val="15000"/>
+            </a:schemeClr>
+          </a:lnRef>
+          <a:fillRef idx="1">
+            <a:schemeClr val="accent1"/>
+          </a:fillRef>
+          <a:effectRef idx="0">
+            <a:schemeClr val="accent1"/>
+          </a:effectRef>
+          <a:fontRef idx="minor">
+            <a:schemeClr val="lt1"/>
+          </a:fontRef>
+        </p:style>
+        <p:txBody>
+          <a:bodyPr rtlCol="0" anchor="ctr"/>
+          <a:lstStyle/>
+          <a:p>
+            <a:r>
+              <a:rPr lang="ko-KR" altLang="en-US" dirty="0">
+                <a:solidFill>
+                  <a:schemeClr val="tx1"/>
+                </a:solidFill>
+              </a:rPr>
+              <a:t>사용여부</a:t>
+            </a:r>
+          </a:p>
+        </p:txBody>
+      </p:sp>
+      <p:sp>
+        <p:nvSpPr>
+          <p:cNvPr id="32" name="직사각형 31">
+            <a:extLst>
+              <a:ext uri="{FF2B5EF4-FFF2-40B4-BE49-F238E27FC236}">
+                <a16:creationId xmlns:a16="http://schemas.microsoft.com/office/drawing/2014/main" id="{C373780B-B622-0039-78C3-71EC942CA66E}"/>
+              </a:ext>
+            </a:extLst>
+          </p:cNvPr>
+          <p:cNvSpPr/>
+          <p:nvPr/>
+        </p:nvSpPr>
+        <p:spPr>
+          <a:xfrm>
+            <a:off x="804702" y="5240388"/>
+            <a:ext cx="1293100" cy="415638"/>
+          </a:xfrm>
+          <a:prstGeom prst="rect">
+            <a:avLst/>
+          </a:prstGeom>
+          <a:noFill/>
+          <a:ln w="38100">
+            <a:noFill/>
+          </a:ln>
+        </p:spPr>
+        <p:style>
+          <a:lnRef idx="2">
+            <a:schemeClr val="accent1">
+              <a:shade val="15000"/>
+            </a:schemeClr>
+          </a:lnRef>
+          <a:fillRef idx="1">
+            <a:schemeClr val="accent1"/>
+          </a:fillRef>
+          <a:effectRef idx="0">
+            <a:schemeClr val="accent1"/>
+          </a:effectRef>
+          <a:fontRef idx="minor">
+            <a:schemeClr val="lt1"/>
+          </a:fontRef>
+        </p:style>
+        <p:txBody>
+          <a:bodyPr rtlCol="0" anchor="ctr"/>
+          <a:lstStyle/>
+          <a:p>
+            <a:r>
+              <a:rPr lang="en-US" altLang="ko-KR" dirty="0">
+                <a:solidFill>
+                  <a:schemeClr val="tx1"/>
+                </a:solidFill>
+              </a:rPr>
+              <a:t>AI Open</a:t>
+            </a:r>
+            <a:endParaRPr lang="ko-KR" altLang="en-US" dirty="0">
+              <a:solidFill>
+                <a:schemeClr val="tx1"/>
+              </a:solidFill>
+            </a:endParaRPr>
+          </a:p>
+        </p:txBody>
+      </p:sp>
+      <p:sp>
+        <p:nvSpPr>
+          <p:cNvPr id="33" name="직사각형 32">
+            <a:extLst>
+              <a:ext uri="{FF2B5EF4-FFF2-40B4-BE49-F238E27FC236}">
+                <a16:creationId xmlns:a16="http://schemas.microsoft.com/office/drawing/2014/main" id="{4B587A4F-3600-9A2A-B818-44C21FB61AAE}"/>
+              </a:ext>
+            </a:extLst>
+          </p:cNvPr>
+          <p:cNvSpPr/>
+          <p:nvPr/>
+        </p:nvSpPr>
+        <p:spPr>
+          <a:xfrm>
+            <a:off x="804702" y="5649974"/>
+            <a:ext cx="1404526" cy="415638"/>
+          </a:xfrm>
+          <a:prstGeom prst="rect">
+            <a:avLst/>
+          </a:prstGeom>
+          <a:noFill/>
+          <a:ln w="38100">
+            <a:noFill/>
+          </a:ln>
+        </p:spPr>
+        <p:style>
+          <a:lnRef idx="2">
+            <a:schemeClr val="accent1">
+              <a:shade val="15000"/>
+            </a:schemeClr>
+          </a:lnRef>
+          <a:fillRef idx="1">
+            <a:schemeClr val="accent1"/>
+          </a:fillRef>
+          <a:effectRef idx="0">
+            <a:schemeClr val="accent1"/>
+          </a:effectRef>
+          <a:fontRef idx="minor">
+            <a:schemeClr val="lt1"/>
+          </a:fontRef>
+        </p:style>
+        <p:txBody>
+          <a:bodyPr rtlCol="0" anchor="ctr"/>
+          <a:lstStyle/>
+          <a:p>
+            <a:r>
+              <a:rPr lang="ko-KR" altLang="en-US" dirty="0">
+                <a:solidFill>
+                  <a:schemeClr val="tx1"/>
+                </a:solidFill>
+              </a:rPr>
+              <a:t>크레딧</a:t>
+            </a:r>
+          </a:p>
+        </p:txBody>
+      </p:sp>
     </p:spTree>
     <p:extLst>
       <p:ext uri="{BB962C8B-B14F-4D97-AF65-F5344CB8AC3E}">
-        <p14:creationId xmlns:p14="http://schemas.microsoft.com/office/powerpoint/2010/main" val="52887433"/>
+        <p14:creationId xmlns:p14="http://schemas.microsoft.com/office/powerpoint/2010/main" val="1620585"/>
       </p:ext>
     </p:extLst>
   </p:cSld>
@@ -18384,7 +19611,13 @@
   <p:cSld>
     <p:spTree>
       <p:nvGrpSpPr>
-        <p:cNvPr id="1" name=""/>
+        <p:cNvPr id="1" name="">
+          <a:extLst>
+            <a:ext uri="{FF2B5EF4-FFF2-40B4-BE49-F238E27FC236}">
+              <a16:creationId xmlns:a16="http://schemas.microsoft.com/office/drawing/2014/main" id="{50B048AF-A11D-9D3D-7E23-8BB5D9441240}"/>
+            </a:ext>
+          </a:extLst>
+        </p:cNvPr>
         <p:cNvGrpSpPr/>
         <p:nvPr/>
       </p:nvGrpSpPr>
@@ -18398,10 +19631,10 @@
       </p:grpSpPr>
       <p:sp>
         <p:nvSpPr>
-          <p:cNvPr id="6" name="직사각형 5">
-            <a:extLst>
-              <a:ext uri="{FF2B5EF4-FFF2-40B4-BE49-F238E27FC236}">
-                <a16:creationId xmlns:a16="http://schemas.microsoft.com/office/drawing/2014/main" id="{62C7DFEA-8610-F7BE-5802-7CB3D65602B0}"/>
+          <p:cNvPr id="2" name="직사각형 1">
+            <a:extLst>
+              <a:ext uri="{FF2B5EF4-FFF2-40B4-BE49-F238E27FC236}">
+                <a16:creationId xmlns:a16="http://schemas.microsoft.com/office/drawing/2014/main" id="{0C364FE9-F55A-00F8-E5A3-4986DAC50C9F}"/>
               </a:ext>
             </a:extLst>
           </p:cNvPr>
@@ -18410,16 +19643,16 @@
         </p:nvSpPr>
         <p:spPr>
           <a:xfrm>
-            <a:off x="1851890" y="2133600"/>
-            <a:ext cx="10021456" cy="4221018"/>
+            <a:off x="237835" y="143165"/>
+            <a:ext cx="6855691" cy="420253"/>
           </a:xfrm>
           <a:prstGeom prst="rect">
             <a:avLst/>
           </a:prstGeom>
-          <a:solidFill>
-            <a:schemeClr val="bg1"/>
-          </a:solidFill>
-          <a:ln w="38100"/>
+          <a:noFill/>
+          <a:ln w="38100">
+            <a:noFill/>
+          </a:ln>
         </p:spPr>
         <p:style>
           <a:lnRef idx="2">
@@ -18438,68 +19671,6 @@
           </a:fontRef>
         </p:style>
         <p:txBody>
-          <a:bodyPr rtlCol="0" anchor="ctr"/>
-          <a:lstStyle/>
-          <a:p>
-            <a:pPr algn="ctr"/>
-            <a:r>
-              <a:rPr lang="ko-KR" altLang="en-US">
-                <a:solidFill>
-                  <a:schemeClr val="tx1"/>
-                </a:solidFill>
-              </a:rPr>
-              <a:t>본문</a:t>
-            </a:r>
-            <a:endParaRPr lang="ko-KR" altLang="en-US" dirty="0">
-              <a:solidFill>
-                <a:schemeClr val="tx1"/>
-              </a:solidFill>
-            </a:endParaRPr>
-          </a:p>
-        </p:txBody>
-      </p:sp>
-      <p:sp>
-        <p:nvSpPr>
-          <p:cNvPr id="9" name="직사각형 8">
-            <a:extLst>
-              <a:ext uri="{FF2B5EF4-FFF2-40B4-BE49-F238E27FC236}">
-                <a16:creationId xmlns:a16="http://schemas.microsoft.com/office/drawing/2014/main" id="{4CF6430A-9919-99ED-E786-01AD5A295728}"/>
-              </a:ext>
-            </a:extLst>
-          </p:cNvPr>
-          <p:cNvSpPr/>
-          <p:nvPr/>
-        </p:nvSpPr>
-        <p:spPr>
-          <a:xfrm>
-            <a:off x="237836" y="143165"/>
-            <a:ext cx="4262582" cy="420253"/>
-          </a:xfrm>
-          <a:prstGeom prst="rect">
-            <a:avLst/>
-          </a:prstGeom>
-          <a:noFill/>
-          <a:ln w="38100">
-            <a:noFill/>
-          </a:ln>
-        </p:spPr>
-        <p:style>
-          <a:lnRef idx="2">
-            <a:schemeClr val="accent1">
-              <a:shade val="15000"/>
-            </a:schemeClr>
-          </a:lnRef>
-          <a:fillRef idx="1">
-            <a:schemeClr val="accent1"/>
-          </a:fillRef>
-          <a:effectRef idx="0">
-            <a:schemeClr val="accent1"/>
-          </a:effectRef>
-          <a:fontRef idx="minor">
-            <a:schemeClr val="lt1"/>
-          </a:fontRef>
-        </p:style>
-        <p:txBody>
           <a:bodyPr rtlCol="0" anchor="t"/>
           <a:lstStyle/>
           <a:p>
@@ -18511,7 +19682,7 @@
                   </a:schemeClr>
                 </a:solidFill>
               </a:rPr>
-              <a:t>헤더</a:t>
+              <a:t>로그인 로그</a:t>
             </a:r>
             <a:endParaRPr lang="en-US" altLang="ko-KR" sz="2400" dirty="0">
               <a:solidFill>
@@ -18525,10 +19696,10 @@
       </p:sp>
       <p:sp>
         <p:nvSpPr>
-          <p:cNvPr id="8" name="직사각형 7">
-            <a:extLst>
-              <a:ext uri="{FF2B5EF4-FFF2-40B4-BE49-F238E27FC236}">
-                <a16:creationId xmlns:a16="http://schemas.microsoft.com/office/drawing/2014/main" id="{81287549-8A75-AD96-A626-512D6BE93487}"/>
+          <p:cNvPr id="3" name="직사각형 2">
+            <a:extLst>
+              <a:ext uri="{FF2B5EF4-FFF2-40B4-BE49-F238E27FC236}">
+                <a16:creationId xmlns:a16="http://schemas.microsoft.com/office/drawing/2014/main" id="{89F09ABD-CF82-04A4-F2E0-637D64AAF7A0}"/>
               </a:ext>
             </a:extLst>
           </p:cNvPr>
@@ -18537,8 +19708,63 @@
         </p:nvSpPr>
         <p:spPr>
           <a:xfrm>
-            <a:off x="4807523" y="164748"/>
-            <a:ext cx="2068945" cy="415638"/>
+            <a:off x="581890" y="703953"/>
+            <a:ext cx="11046690" cy="631729"/>
+          </a:xfrm>
+          <a:prstGeom prst="rect">
+            <a:avLst/>
+          </a:prstGeom>
+          <a:solidFill>
+            <a:schemeClr val="bg2"/>
+          </a:solidFill>
+          <a:ln w="38100"/>
+        </p:spPr>
+        <p:style>
+          <a:lnRef idx="2">
+            <a:schemeClr val="accent1">
+              <a:shade val="15000"/>
+            </a:schemeClr>
+          </a:lnRef>
+          <a:fillRef idx="1">
+            <a:schemeClr val="accent1"/>
+          </a:fillRef>
+          <a:effectRef idx="0">
+            <a:schemeClr val="accent1"/>
+          </a:effectRef>
+          <a:fontRef idx="minor">
+            <a:schemeClr val="lt1"/>
+          </a:fontRef>
+        </p:style>
+        <p:txBody>
+          <a:bodyPr rtlCol="0" anchor="t"/>
+          <a:lstStyle/>
+          <a:p>
+            <a:endParaRPr lang="ko-KR" altLang="en-US" dirty="0">
+              <a:solidFill>
+                <a:schemeClr val="bg1">
+                  <a:lumMod val="50000"/>
+                </a:schemeClr>
+              </a:solidFill>
+            </a:endParaRPr>
+          </a:p>
+        </p:txBody>
+      </p:sp>
+      <p:sp>
+        <p:nvSpPr>
+          <p:cNvPr id="5" name="직사각형 4">
+            <a:extLst>
+              <a:ext uri="{FF2B5EF4-FFF2-40B4-BE49-F238E27FC236}">
+                <a16:creationId xmlns:a16="http://schemas.microsoft.com/office/drawing/2014/main" id="{2651F9C7-2965-7718-1E4A-6F49A6F966C5}"/>
+              </a:ext>
+            </a:extLst>
+          </p:cNvPr>
+          <p:cNvSpPr/>
+          <p:nvPr/>
+        </p:nvSpPr>
+        <p:spPr>
+          <a:xfrm>
+            <a:off x="10419771" y="790724"/>
+            <a:ext cx="1131455" cy="468717"/>
           </a:xfrm>
           <a:prstGeom prst="rect">
             <a:avLst/>
@@ -18547,6 +19773,13 @@
             <a:schemeClr val="bg1"/>
           </a:solidFill>
           <a:ln w="38100"/>
+          <a:scene3d>
+            <a:camera prst="orthographicFront"/>
+            <a:lightRig rig="threePt" dir="t"/>
+          </a:scene3d>
+          <a:sp3d>
+            <a:bevelT prst="angle"/>
+          </a:sp3d>
         </p:spPr>
         <p:style>
           <a:lnRef idx="2">
@@ -18570,29 +19803,62 @@
           <a:p>
             <a:pPr algn="ctr"/>
             <a:r>
-              <a:rPr lang="en-US" altLang="ko-KR" dirty="0">
+              <a:rPr lang="ko-KR" altLang="en-US" dirty="0">
                 <a:solidFill>
                   <a:schemeClr val="tx1"/>
                 </a:solidFill>
               </a:rPr>
-              <a:t>~</a:t>
-            </a:r>
-            <a:r>
-              <a:rPr lang="ko-KR" altLang="en-US" dirty="0">
-                <a:solidFill>
-                  <a:schemeClr val="tx1"/>
-                </a:solidFill>
-              </a:rPr>
-              <a:t>님 환영합니다</a:t>
-            </a:r>
-            <a:r>
-              <a:rPr lang="en-US" altLang="ko-KR" dirty="0">
-                <a:solidFill>
-                  <a:schemeClr val="tx1"/>
-                </a:solidFill>
-              </a:rPr>
-              <a:t>.</a:t>
-            </a:r>
+              <a:t>검색</a:t>
+            </a:r>
+          </a:p>
+        </p:txBody>
+      </p:sp>
+      <p:sp>
+        <p:nvSpPr>
+          <p:cNvPr id="6" name="직사각형 5">
+            <a:extLst>
+              <a:ext uri="{FF2B5EF4-FFF2-40B4-BE49-F238E27FC236}">
+                <a16:creationId xmlns:a16="http://schemas.microsoft.com/office/drawing/2014/main" id="{9199DC26-69A2-5826-E905-C1D8CC195A28}"/>
+              </a:ext>
+            </a:extLst>
+          </p:cNvPr>
+          <p:cNvSpPr/>
+          <p:nvPr/>
+        </p:nvSpPr>
+        <p:spPr>
+          <a:xfrm>
+            <a:off x="5836035" y="881874"/>
+            <a:ext cx="4369014" cy="337177"/>
+          </a:xfrm>
+          <a:prstGeom prst="rect">
+            <a:avLst/>
+          </a:prstGeom>
+          <a:solidFill>
+            <a:schemeClr val="bg1"/>
+          </a:solidFill>
+          <a:ln w="38100"/>
+        </p:spPr>
+        <p:style>
+          <a:lnRef idx="2">
+            <a:schemeClr val="accent1">
+              <a:shade val="15000"/>
+            </a:schemeClr>
+          </a:lnRef>
+          <a:fillRef idx="1">
+            <a:schemeClr val="accent1"/>
+          </a:fillRef>
+          <a:effectRef idx="0">
+            <a:schemeClr val="accent1"/>
+          </a:effectRef>
+          <a:fontRef idx="minor">
+            <a:schemeClr val="lt1"/>
+          </a:fontRef>
+        </p:style>
+        <p:txBody>
+          <a:bodyPr rtlCol="0" anchor="ctr"/>
+          <a:lstStyle/>
+          <a:p>
+            <a:pPr algn="ctr"/>
             <a:endParaRPr lang="ko-KR" altLang="en-US" dirty="0">
               <a:solidFill>
                 <a:schemeClr val="tx1"/>
@@ -18606,7 +19872,7 @@
           <p:cNvPr id="12" name="직사각형 11">
             <a:extLst>
               <a:ext uri="{FF2B5EF4-FFF2-40B4-BE49-F238E27FC236}">
-                <a16:creationId xmlns:a16="http://schemas.microsoft.com/office/drawing/2014/main" id="{4662F515-0E24-DFC6-7A21-A36D79757C8A}"/>
+                <a16:creationId xmlns:a16="http://schemas.microsoft.com/office/drawing/2014/main" id="{86B19940-43D8-4538-0893-7A21083E7FD3}"/>
               </a:ext>
             </a:extLst>
           </p:cNvPr>
@@ -18615,8 +19881,814 @@
         </p:nvSpPr>
         <p:spPr>
           <a:xfrm>
-            <a:off x="7079670" y="164748"/>
-            <a:ext cx="1394690" cy="415638"/>
+            <a:off x="4377262" y="839188"/>
+            <a:ext cx="1438565" cy="420253"/>
+          </a:xfrm>
+          <a:prstGeom prst="rect">
+            <a:avLst/>
+          </a:prstGeom>
+          <a:noFill/>
+          <a:ln w="38100">
+            <a:noFill/>
+          </a:ln>
+        </p:spPr>
+        <p:style>
+          <a:lnRef idx="2">
+            <a:schemeClr val="accent1">
+              <a:shade val="15000"/>
+            </a:schemeClr>
+          </a:lnRef>
+          <a:fillRef idx="1">
+            <a:schemeClr val="accent1"/>
+          </a:fillRef>
+          <a:effectRef idx="0">
+            <a:schemeClr val="accent1"/>
+          </a:effectRef>
+          <a:fontRef idx="minor">
+            <a:schemeClr val="lt1"/>
+          </a:fontRef>
+        </p:style>
+        <p:txBody>
+          <a:bodyPr rtlCol="0" anchor="ctr"/>
+          <a:lstStyle/>
+          <a:p>
+            <a:pPr algn="r"/>
+            <a:r>
+              <a:rPr lang="ko-KR" altLang="en-US" dirty="0">
+                <a:solidFill>
+                  <a:schemeClr val="tx1"/>
+                </a:solidFill>
+              </a:rPr>
+              <a:t>검색어</a:t>
+            </a:r>
+          </a:p>
+        </p:txBody>
+      </p:sp>
+      <p:graphicFrame>
+        <p:nvGraphicFramePr>
+          <p:cNvPr id="30" name="표 29">
+            <a:extLst>
+              <a:ext uri="{FF2B5EF4-FFF2-40B4-BE49-F238E27FC236}">
+                <a16:creationId xmlns:a16="http://schemas.microsoft.com/office/drawing/2014/main" id="{C58C9D36-4B6B-F4F2-A1E9-E76C4C67CB61}"/>
+              </a:ext>
+            </a:extLst>
+          </p:cNvPr>
+          <p:cNvGraphicFramePr>
+            <a:graphicFrameLocks noGrp="1"/>
+          </p:cNvGraphicFramePr>
+          <p:nvPr>
+            <p:extLst>
+              <p:ext uri="{D42A27DB-BD31-4B8C-83A1-F6EECF244321}">
+                <p14:modId xmlns:p14="http://schemas.microsoft.com/office/powerpoint/2010/main" val="2336797980"/>
+              </p:ext>
+            </p:extLst>
+          </p:nvPr>
+        </p:nvGraphicFramePr>
+        <p:xfrm>
+          <a:off x="581890" y="1535211"/>
+          <a:ext cx="11046691" cy="2961640"/>
+        </p:xfrm>
+        <a:graphic>
+          <a:graphicData uri="http://schemas.openxmlformats.org/drawingml/2006/table">
+            <a:tbl>
+              <a:tblPr firstRow="1" bandRow="1">
+                <a:tableStyleId>{5C22544A-7EE6-4342-B048-85BDC9FD1C3A}</a:tableStyleId>
+              </a:tblPr>
+              <a:tblGrid>
+                <a:gridCol w="2879658">
+                  <a:extLst>
+                    <a:ext uri="{9D8B030D-6E8A-4147-A177-3AD203B41FA5}">
+                      <a16:colId xmlns:a16="http://schemas.microsoft.com/office/drawing/2014/main" val="920072417"/>
+                    </a:ext>
+                  </a:extLst>
+                </a:gridCol>
+                <a:gridCol w="2643687">
+                  <a:extLst>
+                    <a:ext uri="{9D8B030D-6E8A-4147-A177-3AD203B41FA5}">
+                      <a16:colId xmlns:a16="http://schemas.microsoft.com/office/drawing/2014/main" val="892853504"/>
+                    </a:ext>
+                  </a:extLst>
+                </a:gridCol>
+                <a:gridCol w="2761673">
+                  <a:extLst>
+                    <a:ext uri="{9D8B030D-6E8A-4147-A177-3AD203B41FA5}">
+                      <a16:colId xmlns:a16="http://schemas.microsoft.com/office/drawing/2014/main" val="433955903"/>
+                    </a:ext>
+                  </a:extLst>
+                </a:gridCol>
+                <a:gridCol w="2761673">
+                  <a:extLst>
+                    <a:ext uri="{9D8B030D-6E8A-4147-A177-3AD203B41FA5}">
+                      <a16:colId xmlns:a16="http://schemas.microsoft.com/office/drawing/2014/main" val="2031654049"/>
+                    </a:ext>
+                  </a:extLst>
+                </a:gridCol>
+              </a:tblGrid>
+              <a:tr h="0">
+                <a:tc>
+                  <a:txBody>
+                    <a:bodyPr/>
+                    <a:lstStyle/>
+                    <a:p>
+                      <a:pPr algn="ctr" latinLnBrk="1"/>
+                      <a:r>
+                        <a:rPr lang="ko-KR" altLang="en-US" dirty="0"/>
+                        <a:t>일시</a:t>
+                      </a:r>
+                    </a:p>
+                  </a:txBody>
+                  <a:tcPr anchor="ctr"/>
+                </a:tc>
+                <a:tc>
+                  <a:txBody>
+                    <a:bodyPr/>
+                    <a:lstStyle/>
+                    <a:p>
+                      <a:pPr marL="0" marR="0" lvl="0" indent="0" algn="ctr" defTabSz="914400" rtl="0" eaLnBrk="1" fontAlgn="auto" latinLnBrk="1" hangingPunct="1">
+                        <a:lnSpc>
+                          <a:spcPct val="100000"/>
+                        </a:lnSpc>
+                        <a:spcBef>
+                          <a:spcPts val="0"/>
+                        </a:spcBef>
+                        <a:spcAft>
+                          <a:spcPts val="0"/>
+                        </a:spcAft>
+                        <a:buClrTx/>
+                        <a:buSzTx/>
+                        <a:buFontTx/>
+                        <a:buNone/>
+                        <a:tabLst/>
+                        <a:defRPr/>
+                      </a:pPr>
+                      <a:r>
+                        <a:rPr lang="ko-KR" altLang="en-US" dirty="0"/>
+                        <a:t>아이디</a:t>
+                      </a:r>
+                    </a:p>
+                  </a:txBody>
+                  <a:tcPr anchor="ctr"/>
+                </a:tc>
+                <a:tc>
+                  <a:txBody>
+                    <a:bodyPr/>
+                    <a:lstStyle/>
+                    <a:p>
+                      <a:pPr algn="ctr" latinLnBrk="1"/>
+                      <a:r>
+                        <a:rPr lang="ko-KR" altLang="en-US" dirty="0"/>
+                        <a:t>아이피</a:t>
+                      </a:r>
+                    </a:p>
+                  </a:txBody>
+                  <a:tcPr anchor="ctr"/>
+                </a:tc>
+                <a:tc>
+                  <a:txBody>
+                    <a:bodyPr/>
+                    <a:lstStyle/>
+                    <a:p>
+                      <a:pPr algn="ctr" latinLnBrk="1"/>
+                      <a:r>
+                        <a:rPr lang="ko-KR" altLang="en-US" dirty="0"/>
+                        <a:t>구분</a:t>
+                      </a:r>
+                    </a:p>
+                  </a:txBody>
+                  <a:tcPr anchor="ctr"/>
+                </a:tc>
+                <a:extLst>
+                  <a:ext uri="{0D108BD9-81ED-4DB2-BD59-A6C34878D82A}">
+                    <a16:rowId xmlns:a16="http://schemas.microsoft.com/office/drawing/2014/main" val="3981869821"/>
+                  </a:ext>
+                </a:extLst>
+              </a:tr>
+              <a:tr h="370840">
+                <a:tc>
+                  <a:txBody>
+                    <a:bodyPr/>
+                    <a:lstStyle/>
+                    <a:p>
+                      <a:pPr algn="ctr" latinLnBrk="1"/>
+                      <a:r>
+                        <a:rPr lang="en-US" altLang="ko-KR" sz="1400" dirty="0"/>
+                        <a:t>2025-12-29 13:36:05</a:t>
+                      </a:r>
+                      <a:endParaRPr lang="ko-KR" altLang="en-US" sz="1400" dirty="0"/>
+                    </a:p>
+                  </a:txBody>
+                  <a:tcPr anchor="ctr"/>
+                </a:tc>
+                <a:tc>
+                  <a:txBody>
+                    <a:bodyPr/>
+                    <a:lstStyle/>
+                    <a:p>
+                      <a:pPr marL="0" marR="0" lvl="0" indent="0" algn="ctr" defTabSz="914400" rtl="0" eaLnBrk="1" fontAlgn="auto" latinLnBrk="1" hangingPunct="1">
+                        <a:lnSpc>
+                          <a:spcPct val="100000"/>
+                        </a:lnSpc>
+                        <a:spcBef>
+                          <a:spcPts val="0"/>
+                        </a:spcBef>
+                        <a:spcAft>
+                          <a:spcPts val="0"/>
+                        </a:spcAft>
+                        <a:buClrTx/>
+                        <a:buSzTx/>
+                        <a:buFontTx/>
+                        <a:buNone/>
+                        <a:tabLst/>
+                        <a:defRPr/>
+                      </a:pPr>
+                      <a:r>
+                        <a:rPr kumimoji="0" lang="en-US" altLang="ko-KR" sz="1400" b="0" i="0" u="none" strike="noStrike" kern="1200" cap="none" spc="0" normalizeH="0" baseline="0" noProof="0" dirty="0">
+                          <a:ln>
+                            <a:noFill/>
+                          </a:ln>
+                          <a:solidFill>
+                            <a:prstClr val="black"/>
+                          </a:solidFill>
+                          <a:effectLst/>
+                          <a:uLnTx/>
+                          <a:uFillTx/>
+                          <a:latin typeface="맑은 고딕" panose="020F0502020204030204"/>
+                          <a:ea typeface="맑은 고딕" panose="020B0503020000020004" pitchFamily="50" charset="-127"/>
+                          <a:cs typeface="+mn-cs"/>
+                        </a:rPr>
+                        <a:t>user1</a:t>
+                      </a:r>
+                      <a:endParaRPr kumimoji="0" lang="ko-KR" altLang="en-US" sz="1400" b="0" i="0" u="none" strike="noStrike" kern="1200" cap="none" spc="0" normalizeH="0" baseline="0" noProof="0" dirty="0">
+                        <a:ln>
+                          <a:noFill/>
+                        </a:ln>
+                        <a:solidFill>
+                          <a:prstClr val="black"/>
+                        </a:solidFill>
+                        <a:effectLst/>
+                        <a:uLnTx/>
+                        <a:uFillTx/>
+                        <a:latin typeface="맑은 고딕" panose="020F0502020204030204"/>
+                        <a:ea typeface="맑은 고딕" panose="020B0503020000020004" pitchFamily="50" charset="-127"/>
+                        <a:cs typeface="+mn-cs"/>
+                      </a:endParaRPr>
+                    </a:p>
+                  </a:txBody>
+                  <a:tcPr anchor="ctr"/>
+                </a:tc>
+                <a:tc>
+                  <a:txBody>
+                    <a:bodyPr/>
+                    <a:lstStyle/>
+                    <a:p>
+                      <a:pPr algn="ctr" latinLnBrk="1"/>
+                      <a:r>
+                        <a:rPr lang="en-US" altLang="ko-KR" sz="1400" dirty="0"/>
+                        <a:t>192.123.123.123</a:t>
+                      </a:r>
+                    </a:p>
+                  </a:txBody>
+                  <a:tcPr anchor="ctr"/>
+                </a:tc>
+                <a:tc>
+                  <a:txBody>
+                    <a:bodyPr/>
+                    <a:lstStyle/>
+                    <a:p>
+                      <a:pPr algn="ctr" latinLnBrk="1"/>
+                      <a:r>
+                        <a:rPr lang="ko-KR" altLang="en-US" sz="1400" dirty="0"/>
+                        <a:t>로그인</a:t>
+                      </a:r>
+                      <a:endParaRPr lang="en-US" altLang="ko-KR" sz="1400" dirty="0"/>
+                    </a:p>
+                  </a:txBody>
+                  <a:tcPr anchor="ctr"/>
+                </a:tc>
+                <a:extLst>
+                  <a:ext uri="{0D108BD9-81ED-4DB2-BD59-A6C34878D82A}">
+                    <a16:rowId xmlns:a16="http://schemas.microsoft.com/office/drawing/2014/main" val="3346938945"/>
+                  </a:ext>
+                </a:extLst>
+              </a:tr>
+              <a:tr h="370840">
+                <a:tc>
+                  <a:txBody>
+                    <a:bodyPr/>
+                    <a:lstStyle/>
+                    <a:p>
+                      <a:pPr algn="ctr" latinLnBrk="1"/>
+                      <a:r>
+                        <a:rPr lang="en-US" altLang="ko-KR" sz="1400" dirty="0"/>
+                        <a:t>2025-12-29 13:36:05</a:t>
+                      </a:r>
+                      <a:endParaRPr lang="ko-KR" altLang="en-US" sz="1400" dirty="0"/>
+                    </a:p>
+                  </a:txBody>
+                  <a:tcPr anchor="ctr"/>
+                </a:tc>
+                <a:tc>
+                  <a:txBody>
+                    <a:bodyPr/>
+                    <a:lstStyle/>
+                    <a:p>
+                      <a:pPr marL="0" marR="0" lvl="0" indent="0" algn="ctr" defTabSz="914400" rtl="0" eaLnBrk="1" fontAlgn="auto" latinLnBrk="1" hangingPunct="1">
+                        <a:lnSpc>
+                          <a:spcPct val="100000"/>
+                        </a:lnSpc>
+                        <a:spcBef>
+                          <a:spcPts val="0"/>
+                        </a:spcBef>
+                        <a:spcAft>
+                          <a:spcPts val="0"/>
+                        </a:spcAft>
+                        <a:buClrTx/>
+                        <a:buSzTx/>
+                        <a:buFontTx/>
+                        <a:buNone/>
+                        <a:tabLst/>
+                        <a:defRPr/>
+                      </a:pPr>
+                      <a:r>
+                        <a:rPr kumimoji="0" lang="en-US" altLang="ko-KR" sz="1400" b="0" i="0" u="none" strike="noStrike" kern="1200" cap="none" spc="0" normalizeH="0" baseline="0" noProof="0" dirty="0">
+                          <a:ln>
+                            <a:noFill/>
+                          </a:ln>
+                          <a:solidFill>
+                            <a:prstClr val="black"/>
+                          </a:solidFill>
+                          <a:effectLst/>
+                          <a:uLnTx/>
+                          <a:uFillTx/>
+                          <a:latin typeface="맑은 고딕" panose="020F0502020204030204"/>
+                          <a:ea typeface="맑은 고딕" panose="020B0503020000020004" pitchFamily="50" charset="-127"/>
+                          <a:cs typeface="+mn-cs"/>
+                        </a:rPr>
+                        <a:t>user1</a:t>
+                      </a:r>
+                      <a:endParaRPr kumimoji="0" lang="ko-KR" altLang="en-US" sz="1400" b="0" i="0" u="none" strike="noStrike" kern="1200" cap="none" spc="0" normalizeH="0" baseline="0" noProof="0" dirty="0">
+                        <a:ln>
+                          <a:noFill/>
+                        </a:ln>
+                        <a:solidFill>
+                          <a:prstClr val="black"/>
+                        </a:solidFill>
+                        <a:effectLst/>
+                        <a:uLnTx/>
+                        <a:uFillTx/>
+                        <a:latin typeface="맑은 고딕" panose="020F0502020204030204"/>
+                        <a:ea typeface="맑은 고딕" panose="020B0503020000020004" pitchFamily="50" charset="-127"/>
+                        <a:cs typeface="+mn-cs"/>
+                      </a:endParaRPr>
+                    </a:p>
+                  </a:txBody>
+                  <a:tcPr anchor="ctr"/>
+                </a:tc>
+                <a:tc>
+                  <a:txBody>
+                    <a:bodyPr/>
+                    <a:lstStyle/>
+                    <a:p>
+                      <a:pPr algn="ctr" latinLnBrk="1"/>
+                      <a:r>
+                        <a:rPr lang="en-US" altLang="ko-KR" sz="1400" dirty="0"/>
+                        <a:t>192.123.123.123</a:t>
+                      </a:r>
+                    </a:p>
+                  </a:txBody>
+                  <a:tcPr anchor="ctr"/>
+                </a:tc>
+                <a:tc>
+                  <a:txBody>
+                    <a:bodyPr/>
+                    <a:lstStyle/>
+                    <a:p>
+                      <a:pPr algn="ctr" latinLnBrk="1"/>
+                      <a:r>
+                        <a:rPr lang="ko-KR" altLang="en-US" sz="1400" dirty="0"/>
+                        <a:t>로그아웃</a:t>
+                      </a:r>
+                      <a:endParaRPr lang="en-US" altLang="ko-KR" sz="1400" dirty="0"/>
+                    </a:p>
+                  </a:txBody>
+                  <a:tcPr anchor="ctr"/>
+                </a:tc>
+                <a:extLst>
+                  <a:ext uri="{0D108BD9-81ED-4DB2-BD59-A6C34878D82A}">
+                    <a16:rowId xmlns:a16="http://schemas.microsoft.com/office/drawing/2014/main" val="3328581020"/>
+                  </a:ext>
+                </a:extLst>
+              </a:tr>
+              <a:tr h="370840">
+                <a:tc>
+                  <a:txBody>
+                    <a:bodyPr/>
+                    <a:lstStyle/>
+                    <a:p>
+                      <a:pPr marL="0" marR="0" lvl="0" indent="0" algn="ctr" defTabSz="914400" rtl="0" eaLnBrk="1" fontAlgn="auto" latinLnBrk="1" hangingPunct="1">
+                        <a:lnSpc>
+                          <a:spcPct val="100000"/>
+                        </a:lnSpc>
+                        <a:spcBef>
+                          <a:spcPts val="0"/>
+                        </a:spcBef>
+                        <a:spcAft>
+                          <a:spcPts val="0"/>
+                        </a:spcAft>
+                        <a:buClrTx/>
+                        <a:buSzTx/>
+                        <a:buFontTx/>
+                        <a:buNone/>
+                        <a:tabLst/>
+                        <a:defRPr/>
+                      </a:pPr>
+                      <a:endParaRPr lang="ko-KR" altLang="en-US" sz="1400" dirty="0"/>
+                    </a:p>
+                  </a:txBody>
+                  <a:tcPr anchor="ctr"/>
+                </a:tc>
+                <a:tc>
+                  <a:txBody>
+                    <a:bodyPr/>
+                    <a:lstStyle/>
+                    <a:p>
+                      <a:pPr marL="0" marR="0" lvl="0" indent="0" algn="ctr" defTabSz="914400" rtl="0" eaLnBrk="1" fontAlgn="auto" latinLnBrk="1" hangingPunct="1">
+                        <a:lnSpc>
+                          <a:spcPct val="100000"/>
+                        </a:lnSpc>
+                        <a:spcBef>
+                          <a:spcPts val="0"/>
+                        </a:spcBef>
+                        <a:spcAft>
+                          <a:spcPts val="0"/>
+                        </a:spcAft>
+                        <a:buClrTx/>
+                        <a:buSzTx/>
+                        <a:buFontTx/>
+                        <a:buNone/>
+                        <a:tabLst/>
+                        <a:defRPr/>
+                      </a:pPr>
+                      <a:endParaRPr kumimoji="0" lang="ko-KR" altLang="en-US" sz="1400" b="0" i="0" u="none" strike="noStrike" kern="1200" cap="none" spc="0" normalizeH="0" baseline="0" noProof="0" dirty="0">
+                        <a:ln>
+                          <a:noFill/>
+                        </a:ln>
+                        <a:solidFill>
+                          <a:prstClr val="black"/>
+                        </a:solidFill>
+                        <a:effectLst/>
+                        <a:uLnTx/>
+                        <a:uFillTx/>
+                        <a:latin typeface="맑은 고딕" panose="020F0502020204030204"/>
+                        <a:ea typeface="맑은 고딕" panose="020B0503020000020004" pitchFamily="50" charset="-127"/>
+                        <a:cs typeface="+mn-cs"/>
+                      </a:endParaRPr>
+                    </a:p>
+                  </a:txBody>
+                  <a:tcPr anchor="ctr"/>
+                </a:tc>
+                <a:tc>
+                  <a:txBody>
+                    <a:bodyPr/>
+                    <a:lstStyle/>
+                    <a:p>
+                      <a:pPr algn="ctr" latinLnBrk="1"/>
+                      <a:endParaRPr lang="ko-KR" altLang="en-US" sz="1400" dirty="0"/>
+                    </a:p>
+                  </a:txBody>
+                  <a:tcPr anchor="ctr"/>
+                </a:tc>
+                <a:tc>
+                  <a:txBody>
+                    <a:bodyPr/>
+                    <a:lstStyle/>
+                    <a:p>
+                      <a:pPr algn="ctr" latinLnBrk="1"/>
+                      <a:endParaRPr lang="ko-KR" altLang="en-US" sz="1400" dirty="0"/>
+                    </a:p>
+                  </a:txBody>
+                  <a:tcPr anchor="ctr"/>
+                </a:tc>
+                <a:extLst>
+                  <a:ext uri="{0D108BD9-81ED-4DB2-BD59-A6C34878D82A}">
+                    <a16:rowId xmlns:a16="http://schemas.microsoft.com/office/drawing/2014/main" val="3539769612"/>
+                  </a:ext>
+                </a:extLst>
+              </a:tr>
+              <a:tr h="370840">
+                <a:tc>
+                  <a:txBody>
+                    <a:bodyPr/>
+                    <a:lstStyle/>
+                    <a:p>
+                      <a:pPr marL="0" marR="0" lvl="0" indent="0" algn="ctr" defTabSz="914400" rtl="0" eaLnBrk="1" fontAlgn="auto" latinLnBrk="1" hangingPunct="1">
+                        <a:lnSpc>
+                          <a:spcPct val="100000"/>
+                        </a:lnSpc>
+                        <a:spcBef>
+                          <a:spcPts val="0"/>
+                        </a:spcBef>
+                        <a:spcAft>
+                          <a:spcPts val="0"/>
+                        </a:spcAft>
+                        <a:buClrTx/>
+                        <a:buSzTx/>
+                        <a:buFontTx/>
+                        <a:buNone/>
+                        <a:tabLst/>
+                        <a:defRPr/>
+                      </a:pPr>
+                      <a:endParaRPr lang="ko-KR" altLang="en-US" sz="1400" dirty="0"/>
+                    </a:p>
+                  </a:txBody>
+                  <a:tcPr anchor="ctr"/>
+                </a:tc>
+                <a:tc>
+                  <a:txBody>
+                    <a:bodyPr/>
+                    <a:lstStyle/>
+                    <a:p>
+                      <a:pPr marL="0" marR="0" lvl="0" indent="0" algn="ctr" defTabSz="914400" rtl="0" eaLnBrk="1" fontAlgn="auto" latinLnBrk="1" hangingPunct="1">
+                        <a:lnSpc>
+                          <a:spcPct val="100000"/>
+                        </a:lnSpc>
+                        <a:spcBef>
+                          <a:spcPts val="0"/>
+                        </a:spcBef>
+                        <a:spcAft>
+                          <a:spcPts val="0"/>
+                        </a:spcAft>
+                        <a:buClrTx/>
+                        <a:buSzTx/>
+                        <a:buFontTx/>
+                        <a:buNone/>
+                        <a:tabLst/>
+                        <a:defRPr/>
+                      </a:pPr>
+                      <a:endParaRPr kumimoji="0" lang="ko-KR" altLang="en-US" sz="1400" b="0" i="0" u="none" strike="noStrike" kern="1200" cap="none" spc="0" normalizeH="0" baseline="0" noProof="0" dirty="0">
+                        <a:ln>
+                          <a:noFill/>
+                        </a:ln>
+                        <a:solidFill>
+                          <a:prstClr val="black"/>
+                        </a:solidFill>
+                        <a:effectLst/>
+                        <a:uLnTx/>
+                        <a:uFillTx/>
+                        <a:latin typeface="맑은 고딕" panose="020F0502020204030204"/>
+                        <a:ea typeface="맑은 고딕" panose="020B0503020000020004" pitchFamily="50" charset="-127"/>
+                        <a:cs typeface="+mn-cs"/>
+                      </a:endParaRPr>
+                    </a:p>
+                  </a:txBody>
+                  <a:tcPr anchor="ctr"/>
+                </a:tc>
+                <a:tc>
+                  <a:txBody>
+                    <a:bodyPr/>
+                    <a:lstStyle/>
+                    <a:p>
+                      <a:pPr algn="ctr" latinLnBrk="1"/>
+                      <a:endParaRPr lang="ko-KR" altLang="en-US" sz="1400" dirty="0"/>
+                    </a:p>
+                  </a:txBody>
+                  <a:tcPr anchor="ctr"/>
+                </a:tc>
+                <a:tc>
+                  <a:txBody>
+                    <a:bodyPr/>
+                    <a:lstStyle/>
+                    <a:p>
+                      <a:pPr algn="ctr" latinLnBrk="1"/>
+                      <a:endParaRPr lang="ko-KR" altLang="en-US" sz="1400" dirty="0"/>
+                    </a:p>
+                  </a:txBody>
+                  <a:tcPr anchor="ctr"/>
+                </a:tc>
+                <a:extLst>
+                  <a:ext uri="{0D108BD9-81ED-4DB2-BD59-A6C34878D82A}">
+                    <a16:rowId xmlns:a16="http://schemas.microsoft.com/office/drawing/2014/main" val="1877153511"/>
+                  </a:ext>
+                </a:extLst>
+              </a:tr>
+              <a:tr h="370840">
+                <a:tc>
+                  <a:txBody>
+                    <a:bodyPr/>
+                    <a:lstStyle/>
+                    <a:p>
+                      <a:pPr marL="0" marR="0" lvl="0" indent="0" algn="ctr" defTabSz="914400" rtl="0" eaLnBrk="1" fontAlgn="auto" latinLnBrk="1" hangingPunct="1">
+                        <a:lnSpc>
+                          <a:spcPct val="100000"/>
+                        </a:lnSpc>
+                        <a:spcBef>
+                          <a:spcPts val="0"/>
+                        </a:spcBef>
+                        <a:spcAft>
+                          <a:spcPts val="0"/>
+                        </a:spcAft>
+                        <a:buClrTx/>
+                        <a:buSzTx/>
+                        <a:buFontTx/>
+                        <a:buNone/>
+                        <a:tabLst/>
+                        <a:defRPr/>
+                      </a:pPr>
+                      <a:endParaRPr lang="ko-KR" altLang="en-US" sz="1400" dirty="0"/>
+                    </a:p>
+                  </a:txBody>
+                  <a:tcPr anchor="ctr"/>
+                </a:tc>
+                <a:tc>
+                  <a:txBody>
+                    <a:bodyPr/>
+                    <a:lstStyle/>
+                    <a:p>
+                      <a:pPr marL="0" marR="0" lvl="0" indent="0" algn="ctr" defTabSz="914400" rtl="0" eaLnBrk="1" fontAlgn="auto" latinLnBrk="1" hangingPunct="1">
+                        <a:lnSpc>
+                          <a:spcPct val="100000"/>
+                        </a:lnSpc>
+                        <a:spcBef>
+                          <a:spcPts val="0"/>
+                        </a:spcBef>
+                        <a:spcAft>
+                          <a:spcPts val="0"/>
+                        </a:spcAft>
+                        <a:buClrTx/>
+                        <a:buSzTx/>
+                        <a:buFontTx/>
+                        <a:buNone/>
+                        <a:tabLst/>
+                        <a:defRPr/>
+                      </a:pPr>
+                      <a:endParaRPr kumimoji="0" lang="ko-KR" altLang="en-US" sz="1400" b="0" i="0" u="none" strike="noStrike" kern="1200" cap="none" spc="0" normalizeH="0" baseline="0" noProof="0" dirty="0">
+                        <a:ln>
+                          <a:noFill/>
+                        </a:ln>
+                        <a:solidFill>
+                          <a:prstClr val="black"/>
+                        </a:solidFill>
+                        <a:effectLst/>
+                        <a:uLnTx/>
+                        <a:uFillTx/>
+                        <a:latin typeface="맑은 고딕" panose="020F0502020204030204"/>
+                        <a:ea typeface="맑은 고딕" panose="020B0503020000020004" pitchFamily="50" charset="-127"/>
+                        <a:cs typeface="+mn-cs"/>
+                      </a:endParaRPr>
+                    </a:p>
+                  </a:txBody>
+                  <a:tcPr anchor="ctr"/>
+                </a:tc>
+                <a:tc>
+                  <a:txBody>
+                    <a:bodyPr/>
+                    <a:lstStyle/>
+                    <a:p>
+                      <a:pPr algn="ctr" latinLnBrk="1"/>
+                      <a:endParaRPr lang="ko-KR" altLang="en-US" sz="1400" dirty="0"/>
+                    </a:p>
+                  </a:txBody>
+                  <a:tcPr anchor="ctr"/>
+                </a:tc>
+                <a:tc>
+                  <a:txBody>
+                    <a:bodyPr/>
+                    <a:lstStyle/>
+                    <a:p>
+                      <a:pPr algn="ctr" latinLnBrk="1"/>
+                      <a:endParaRPr lang="ko-KR" altLang="en-US" sz="1400" dirty="0"/>
+                    </a:p>
+                  </a:txBody>
+                  <a:tcPr anchor="ctr"/>
+                </a:tc>
+                <a:extLst>
+                  <a:ext uri="{0D108BD9-81ED-4DB2-BD59-A6C34878D82A}">
+                    <a16:rowId xmlns:a16="http://schemas.microsoft.com/office/drawing/2014/main" val="883095509"/>
+                  </a:ext>
+                </a:extLst>
+              </a:tr>
+              <a:tr h="370840">
+                <a:tc>
+                  <a:txBody>
+                    <a:bodyPr/>
+                    <a:lstStyle/>
+                    <a:p>
+                      <a:pPr algn="ctr" latinLnBrk="1"/>
+                      <a:endParaRPr lang="ko-KR" altLang="en-US" sz="1400" dirty="0"/>
+                    </a:p>
+                  </a:txBody>
+                  <a:tcPr anchor="ctr"/>
+                </a:tc>
+                <a:tc>
+                  <a:txBody>
+                    <a:bodyPr/>
+                    <a:lstStyle/>
+                    <a:p>
+                      <a:pPr algn="ctr" latinLnBrk="1"/>
+                      <a:endParaRPr lang="ko-KR" altLang="en-US" sz="1400" dirty="0"/>
+                    </a:p>
+                  </a:txBody>
+                  <a:tcPr anchor="ctr"/>
+                </a:tc>
+                <a:tc>
+                  <a:txBody>
+                    <a:bodyPr/>
+                    <a:lstStyle/>
+                    <a:p>
+                      <a:pPr algn="ctr" latinLnBrk="1"/>
+                      <a:endParaRPr lang="ko-KR" altLang="en-US" sz="1400" dirty="0"/>
+                    </a:p>
+                  </a:txBody>
+                  <a:tcPr anchor="ctr"/>
+                </a:tc>
+                <a:tc>
+                  <a:txBody>
+                    <a:bodyPr/>
+                    <a:lstStyle/>
+                    <a:p>
+                      <a:pPr algn="ctr" latinLnBrk="1"/>
+                      <a:endParaRPr lang="ko-KR" altLang="en-US" sz="1400" dirty="0"/>
+                    </a:p>
+                  </a:txBody>
+                  <a:tcPr anchor="ctr"/>
+                </a:tc>
+                <a:extLst>
+                  <a:ext uri="{0D108BD9-81ED-4DB2-BD59-A6C34878D82A}">
+                    <a16:rowId xmlns:a16="http://schemas.microsoft.com/office/drawing/2014/main" val="3892138258"/>
+                  </a:ext>
+                </a:extLst>
+              </a:tr>
+              <a:tr h="370840">
+                <a:tc>
+                  <a:txBody>
+                    <a:bodyPr/>
+                    <a:lstStyle/>
+                    <a:p>
+                      <a:pPr algn="ctr" latinLnBrk="1"/>
+                      <a:endParaRPr lang="ko-KR" altLang="en-US" sz="1400" dirty="0"/>
+                    </a:p>
+                  </a:txBody>
+                  <a:tcPr anchor="ctr"/>
+                </a:tc>
+                <a:tc>
+                  <a:txBody>
+                    <a:bodyPr/>
+                    <a:lstStyle/>
+                    <a:p>
+                      <a:pPr algn="ctr" latinLnBrk="1"/>
+                      <a:endParaRPr lang="ko-KR" altLang="en-US" sz="1400" dirty="0"/>
+                    </a:p>
+                  </a:txBody>
+                  <a:tcPr anchor="ctr"/>
+                </a:tc>
+                <a:tc>
+                  <a:txBody>
+                    <a:bodyPr/>
+                    <a:lstStyle/>
+                    <a:p>
+                      <a:pPr algn="ctr" latinLnBrk="1"/>
+                      <a:endParaRPr lang="ko-KR" altLang="en-US" sz="1400" dirty="0"/>
+                    </a:p>
+                  </a:txBody>
+                  <a:tcPr anchor="ctr"/>
+                </a:tc>
+                <a:tc>
+                  <a:txBody>
+                    <a:bodyPr/>
+                    <a:lstStyle/>
+                    <a:p>
+                      <a:pPr algn="ctr" latinLnBrk="1"/>
+                      <a:endParaRPr lang="ko-KR" altLang="en-US" sz="1400" dirty="0"/>
+                    </a:p>
+                  </a:txBody>
+                  <a:tcPr anchor="ctr"/>
+                </a:tc>
+                <a:extLst>
+                  <a:ext uri="{0D108BD9-81ED-4DB2-BD59-A6C34878D82A}">
+                    <a16:rowId xmlns:a16="http://schemas.microsoft.com/office/drawing/2014/main" val="2042392383"/>
+                  </a:ext>
+                </a:extLst>
+              </a:tr>
+            </a:tbl>
+          </a:graphicData>
+        </a:graphic>
+      </p:graphicFrame>
+      <p:sp>
+        <p:nvSpPr>
+          <p:cNvPr id="4" name="직사각형 3">
+            <a:extLst>
+              <a:ext uri="{FF2B5EF4-FFF2-40B4-BE49-F238E27FC236}">
+                <a16:creationId xmlns:a16="http://schemas.microsoft.com/office/drawing/2014/main" id="{E117318D-04A4-7F22-C2D4-C090DB835019}"/>
+              </a:ext>
+            </a:extLst>
+          </p:cNvPr>
+          <p:cNvSpPr/>
+          <p:nvPr/>
+        </p:nvSpPr>
+        <p:spPr>
+          <a:xfrm>
+            <a:off x="1582734" y="881874"/>
+            <a:ext cx="1265384" cy="337177"/>
           </a:xfrm>
           <a:prstGeom prst="rect">
             <a:avLst/>
@@ -18647,71 +20719,6 @@
           <a:lstStyle/>
           <a:p>
             <a:pPr algn="ctr"/>
-            <a:r>
-              <a:rPr lang="ko-KR" altLang="en-US" dirty="0">
-                <a:solidFill>
-                  <a:schemeClr val="tx1"/>
-                </a:solidFill>
-              </a:rPr>
-              <a:t>로그아웃</a:t>
-            </a:r>
-          </a:p>
-        </p:txBody>
-      </p:sp>
-      <p:sp>
-        <p:nvSpPr>
-          <p:cNvPr id="14" name="직사각형 13">
-            <a:extLst>
-              <a:ext uri="{FF2B5EF4-FFF2-40B4-BE49-F238E27FC236}">
-                <a16:creationId xmlns:a16="http://schemas.microsoft.com/office/drawing/2014/main" id="{7D692C63-90D6-B220-F5EE-2D12763C21E9}"/>
-              </a:ext>
-            </a:extLst>
-          </p:cNvPr>
-          <p:cNvSpPr/>
-          <p:nvPr/>
-        </p:nvSpPr>
-        <p:spPr>
-          <a:xfrm>
-            <a:off x="8677562" y="182918"/>
-            <a:ext cx="1394690" cy="415638"/>
-          </a:xfrm>
-          <a:prstGeom prst="rect">
-            <a:avLst/>
-          </a:prstGeom>
-          <a:solidFill>
-            <a:schemeClr val="bg1"/>
-          </a:solidFill>
-          <a:ln w="38100"/>
-        </p:spPr>
-        <p:style>
-          <a:lnRef idx="2">
-            <a:schemeClr val="accent1">
-              <a:shade val="15000"/>
-            </a:schemeClr>
-          </a:lnRef>
-          <a:fillRef idx="1">
-            <a:schemeClr val="accent1"/>
-          </a:fillRef>
-          <a:effectRef idx="0">
-            <a:schemeClr val="accent1"/>
-          </a:effectRef>
-          <a:fontRef idx="minor">
-            <a:schemeClr val="lt1"/>
-          </a:fontRef>
-        </p:style>
-        <p:txBody>
-          <a:bodyPr rtlCol="0" anchor="ctr"/>
-          <a:lstStyle/>
-          <a:p>
-            <a:pPr algn="ctr"/>
-            <a:r>
-              <a:rPr lang="ko-KR" altLang="en-US">
-                <a:solidFill>
-                  <a:schemeClr val="tx1"/>
-                </a:solidFill>
-              </a:rPr>
-              <a:t>마이페이지</a:t>
-            </a:r>
             <a:endParaRPr lang="ko-KR" altLang="en-US" dirty="0">
               <a:solidFill>
                 <a:schemeClr val="tx1"/>
@@ -18722,10 +20729,10 @@
       </p:sp>
       <p:sp>
         <p:nvSpPr>
-          <p:cNvPr id="15" name="직사각형 14">
-            <a:extLst>
-              <a:ext uri="{FF2B5EF4-FFF2-40B4-BE49-F238E27FC236}">
-                <a16:creationId xmlns:a16="http://schemas.microsoft.com/office/drawing/2014/main" id="{F85E7F12-1A2E-C02D-BF4F-D306A6BE12D8}"/>
+          <p:cNvPr id="7" name="직사각형 6">
+            <a:extLst>
+              <a:ext uri="{FF2B5EF4-FFF2-40B4-BE49-F238E27FC236}">
+                <a16:creationId xmlns:a16="http://schemas.microsoft.com/office/drawing/2014/main" id="{E3714894-C84F-38BC-9399-F205680BBA2E}"/>
               </a:ext>
             </a:extLst>
           </p:cNvPr>
@@ -18734,8 +20741,65 @@
         </p:nvSpPr>
         <p:spPr>
           <a:xfrm>
-            <a:off x="10261595" y="182918"/>
-            <a:ext cx="1611751" cy="415638"/>
+            <a:off x="314462" y="839188"/>
+            <a:ext cx="1265384" cy="420253"/>
+          </a:xfrm>
+          <a:prstGeom prst="rect">
+            <a:avLst/>
+          </a:prstGeom>
+          <a:noFill/>
+          <a:ln w="38100">
+            <a:noFill/>
+          </a:ln>
+        </p:spPr>
+        <p:style>
+          <a:lnRef idx="2">
+            <a:schemeClr val="accent1">
+              <a:shade val="15000"/>
+            </a:schemeClr>
+          </a:lnRef>
+          <a:fillRef idx="1">
+            <a:schemeClr val="accent1"/>
+          </a:fillRef>
+          <a:effectRef idx="0">
+            <a:schemeClr val="accent1"/>
+          </a:effectRef>
+          <a:fontRef idx="minor">
+            <a:schemeClr val="lt1"/>
+          </a:fontRef>
+        </p:style>
+        <p:txBody>
+          <a:bodyPr rtlCol="0" anchor="ctr"/>
+          <a:lstStyle/>
+          <a:p>
+            <a:pPr algn="r"/>
+            <a:r>
+              <a:rPr lang="ko-KR" altLang="en-US" dirty="0">
+                <a:solidFill>
+                  <a:schemeClr val="tx1"/>
+                </a:solidFill>
+              </a:rPr>
+              <a:t>일시</a:t>
+            </a:r>
+          </a:p>
+        </p:txBody>
+      </p:sp>
+      <p:sp>
+        <p:nvSpPr>
+          <p:cNvPr id="8" name="직사각형 7">
+            <a:extLst>
+              <a:ext uri="{FF2B5EF4-FFF2-40B4-BE49-F238E27FC236}">
+                <a16:creationId xmlns:a16="http://schemas.microsoft.com/office/drawing/2014/main" id="{BB3EC5B7-329F-D817-27B8-360CC2F884CF}"/>
+              </a:ext>
+            </a:extLst>
+          </p:cNvPr>
+          <p:cNvSpPr/>
+          <p:nvPr/>
+        </p:nvSpPr>
+        <p:spPr>
+          <a:xfrm>
+            <a:off x="3160411" y="881874"/>
+            <a:ext cx="1265384" cy="337177"/>
           </a:xfrm>
           <a:prstGeom prst="rect">
             <a:avLst/>
@@ -18766,14 +20830,6 @@
           <a:lstStyle/>
           <a:p>
             <a:pPr algn="ctr"/>
-            <a:r>
-              <a:rPr lang="ko-KR" altLang="en-US">
-                <a:solidFill>
-                  <a:schemeClr val="tx1"/>
-                </a:solidFill>
-              </a:rPr>
-              <a:t>자동로그아웃</a:t>
-            </a:r>
             <a:endParaRPr lang="ko-KR" altLang="en-US" dirty="0">
               <a:solidFill>
                 <a:schemeClr val="tx1"/>
@@ -18784,10 +20840,10 @@
       </p:sp>
       <p:sp>
         <p:nvSpPr>
-          <p:cNvPr id="16" name="직사각형 15">
-            <a:extLst>
-              <a:ext uri="{FF2B5EF4-FFF2-40B4-BE49-F238E27FC236}">
-                <a16:creationId xmlns:a16="http://schemas.microsoft.com/office/drawing/2014/main" id="{69D52DC6-9DD6-E690-73FF-2AAD5E20CF1F}"/>
+          <p:cNvPr id="9" name="직사각형 8">
+            <a:extLst>
+              <a:ext uri="{FF2B5EF4-FFF2-40B4-BE49-F238E27FC236}">
+                <a16:creationId xmlns:a16="http://schemas.microsoft.com/office/drawing/2014/main" id="{A358F7DA-6E70-D8B4-4824-0BFBD5F37483}"/>
               </a:ext>
             </a:extLst>
           </p:cNvPr>
@@ -18796,16 +20852,16 @@
         </p:nvSpPr>
         <p:spPr>
           <a:xfrm>
-            <a:off x="8003309" y="1207202"/>
-            <a:ext cx="1168401" cy="572654"/>
+            <a:off x="2375034" y="839188"/>
+            <a:ext cx="1265384" cy="420253"/>
           </a:xfrm>
           <a:prstGeom prst="rect">
             <a:avLst/>
           </a:prstGeom>
-          <a:solidFill>
-            <a:schemeClr val="bg1"/>
-          </a:solidFill>
-          <a:ln w="38100"/>
+          <a:noFill/>
+          <a:ln w="38100">
+            <a:noFill/>
+          </a:ln>
         </p:spPr>
         <p:style>
           <a:lnRef idx="2">
@@ -18829,191 +20885,25 @@
           <a:p>
             <a:pPr algn="ctr"/>
             <a:r>
-              <a:rPr lang="ko-KR" altLang="en-US" dirty="0">
+              <a:rPr lang="en-US" altLang="ko-KR" dirty="0">
                 <a:solidFill>
                   <a:schemeClr val="tx1"/>
                 </a:solidFill>
               </a:rPr>
-              <a:t>상품</a:t>
-            </a:r>
-          </a:p>
-        </p:txBody>
-      </p:sp>
-      <p:sp>
-        <p:nvSpPr>
-          <p:cNvPr id="17" name="직사각형 16">
-            <a:extLst>
-              <a:ext uri="{FF2B5EF4-FFF2-40B4-BE49-F238E27FC236}">
-                <a16:creationId xmlns:a16="http://schemas.microsoft.com/office/drawing/2014/main" id="{7F7ECC13-7C68-10E9-ECD9-3F058263FB7D}"/>
-              </a:ext>
-            </a:extLst>
-          </p:cNvPr>
-          <p:cNvSpPr/>
-          <p:nvPr/>
-        </p:nvSpPr>
-        <p:spPr>
-          <a:xfrm>
-            <a:off x="10603341" y="1204440"/>
-            <a:ext cx="1168401" cy="578178"/>
-          </a:xfrm>
-          <a:prstGeom prst="rect">
-            <a:avLst/>
-          </a:prstGeom>
-          <a:solidFill>
-            <a:schemeClr val="bg1"/>
-          </a:solidFill>
-          <a:ln w="38100"/>
-        </p:spPr>
-        <p:style>
-          <a:lnRef idx="2">
-            <a:schemeClr val="accent1">
-              <a:shade val="15000"/>
-            </a:schemeClr>
-          </a:lnRef>
-          <a:fillRef idx="1">
-            <a:schemeClr val="accent1"/>
-          </a:fillRef>
-          <a:effectRef idx="0">
-            <a:schemeClr val="accent1"/>
-          </a:effectRef>
-          <a:fontRef idx="minor">
-            <a:schemeClr val="lt1"/>
-          </a:fontRef>
-        </p:style>
-        <p:txBody>
-          <a:bodyPr rtlCol="0" anchor="ctr"/>
-          <a:lstStyle/>
-          <a:p>
-            <a:pPr algn="ctr"/>
-            <a:r>
-              <a:rPr lang="ko-KR" altLang="en-US" dirty="0">
-                <a:solidFill>
-                  <a:schemeClr val="tx1"/>
-                </a:solidFill>
-              </a:rPr>
-              <a:t>정보</a:t>
-            </a:r>
-          </a:p>
-        </p:txBody>
-      </p:sp>
-      <p:sp>
-        <p:nvSpPr>
-          <p:cNvPr id="18" name="직사각형 17">
-            <a:extLst>
-              <a:ext uri="{FF2B5EF4-FFF2-40B4-BE49-F238E27FC236}">
-                <a16:creationId xmlns:a16="http://schemas.microsoft.com/office/drawing/2014/main" id="{53F2A11A-E51F-BB0E-02BB-9BD7105D9F93}"/>
-              </a:ext>
-            </a:extLst>
-          </p:cNvPr>
-          <p:cNvSpPr/>
-          <p:nvPr/>
-        </p:nvSpPr>
-        <p:spPr>
-          <a:xfrm>
-            <a:off x="9305634" y="1201678"/>
-            <a:ext cx="1168401" cy="578178"/>
-          </a:xfrm>
-          <a:prstGeom prst="rect">
-            <a:avLst/>
-          </a:prstGeom>
-          <a:solidFill>
-            <a:schemeClr val="bg1"/>
-          </a:solidFill>
-          <a:ln w="38100"/>
-        </p:spPr>
-        <p:style>
-          <a:lnRef idx="2">
-            <a:schemeClr val="accent1">
-              <a:shade val="15000"/>
-            </a:schemeClr>
-          </a:lnRef>
-          <a:fillRef idx="1">
-            <a:schemeClr val="accent1"/>
-          </a:fillRef>
-          <a:effectRef idx="0">
-            <a:schemeClr val="accent1"/>
-          </a:effectRef>
-          <a:fontRef idx="minor">
-            <a:schemeClr val="lt1"/>
-          </a:fontRef>
-        </p:style>
-        <p:txBody>
-          <a:bodyPr rtlCol="0" anchor="ctr"/>
-          <a:lstStyle/>
-          <a:p>
-            <a:pPr algn="ctr"/>
-            <a:r>
-              <a:rPr lang="ko-KR" altLang="en-US" dirty="0">
-                <a:solidFill>
-                  <a:schemeClr val="tx1"/>
-                </a:solidFill>
-              </a:rPr>
-              <a:t>게시판</a:t>
-            </a:r>
-          </a:p>
-        </p:txBody>
-      </p:sp>
-      <p:sp>
-        <p:nvSpPr>
-          <p:cNvPr id="20" name="직사각형 19">
-            <a:extLst>
-              <a:ext uri="{FF2B5EF4-FFF2-40B4-BE49-F238E27FC236}">
-                <a16:creationId xmlns:a16="http://schemas.microsoft.com/office/drawing/2014/main" id="{5CDB460F-08DD-A2A7-1E44-EB670176588B}"/>
-              </a:ext>
-            </a:extLst>
-          </p:cNvPr>
-          <p:cNvSpPr/>
-          <p:nvPr/>
-        </p:nvSpPr>
-        <p:spPr>
-          <a:xfrm>
-            <a:off x="6700984" y="1207202"/>
-            <a:ext cx="1168401" cy="572654"/>
-          </a:xfrm>
-          <a:prstGeom prst="rect">
-            <a:avLst/>
-          </a:prstGeom>
-          <a:solidFill>
-            <a:schemeClr val="bg1"/>
-          </a:solidFill>
-          <a:ln w="38100"/>
-        </p:spPr>
-        <p:style>
-          <a:lnRef idx="2">
-            <a:schemeClr val="accent1">
-              <a:shade val="15000"/>
-            </a:schemeClr>
-          </a:lnRef>
-          <a:fillRef idx="1">
-            <a:schemeClr val="accent1"/>
-          </a:fillRef>
-          <a:effectRef idx="0">
-            <a:schemeClr val="accent1"/>
-          </a:effectRef>
-          <a:fontRef idx="minor">
-            <a:schemeClr val="lt1"/>
-          </a:fontRef>
-        </p:style>
-        <p:txBody>
-          <a:bodyPr rtlCol="0" anchor="ctr"/>
-          <a:lstStyle/>
-          <a:p>
-            <a:pPr algn="ctr"/>
-            <a:r>
-              <a:rPr lang="ko-KR" altLang="en-US" dirty="0">
-                <a:solidFill>
-                  <a:schemeClr val="tx1"/>
-                </a:solidFill>
-              </a:rPr>
-              <a:t>관리자</a:t>
-            </a:r>
+              <a:t>~</a:t>
+            </a:r>
+            <a:endParaRPr lang="ko-KR" altLang="en-US" dirty="0">
+              <a:solidFill>
+                <a:schemeClr val="tx1"/>
+              </a:solidFill>
+            </a:endParaRPr>
           </a:p>
         </p:txBody>
       </p:sp>
     </p:spTree>
     <p:extLst>
       <p:ext uri="{BB962C8B-B14F-4D97-AF65-F5344CB8AC3E}">
-        <p14:creationId xmlns:p14="http://schemas.microsoft.com/office/powerpoint/2010/main" val="2959278658"/>
+        <p14:creationId xmlns:p14="http://schemas.microsoft.com/office/powerpoint/2010/main" val="3825543143"/>
       </p:ext>
     </p:extLst>
   </p:cSld>
@@ -19042,10 +20932,10 @@
       </p:grpSpPr>
       <p:sp>
         <p:nvSpPr>
-          <p:cNvPr id="2" name="직사각형 1">
-            <a:extLst>
-              <a:ext uri="{FF2B5EF4-FFF2-40B4-BE49-F238E27FC236}">
-                <a16:creationId xmlns:a16="http://schemas.microsoft.com/office/drawing/2014/main" id="{7153A55A-0D5B-FFF8-040F-19F5FD09211A}"/>
+          <p:cNvPr id="6" name="직사각형 5">
+            <a:extLst>
+              <a:ext uri="{FF2B5EF4-FFF2-40B4-BE49-F238E27FC236}">
+                <a16:creationId xmlns:a16="http://schemas.microsoft.com/office/drawing/2014/main" id="{62C7DFEA-8610-F7BE-5802-7CB3D65602B0}"/>
               </a:ext>
             </a:extLst>
           </p:cNvPr>
@@ -19054,8 +20944,70 @@
         </p:nvSpPr>
         <p:spPr>
           <a:xfrm>
-            <a:off x="237835" y="143165"/>
-            <a:ext cx="6855691" cy="420253"/>
+            <a:off x="1851890" y="1155150"/>
+            <a:ext cx="7098146" cy="5199468"/>
+          </a:xfrm>
+          <a:prstGeom prst="rect">
+            <a:avLst/>
+          </a:prstGeom>
+          <a:solidFill>
+            <a:schemeClr val="bg1"/>
+          </a:solidFill>
+          <a:ln w="38100"/>
+        </p:spPr>
+        <p:style>
+          <a:lnRef idx="2">
+            <a:schemeClr val="accent1">
+              <a:shade val="15000"/>
+            </a:schemeClr>
+          </a:lnRef>
+          <a:fillRef idx="1">
+            <a:schemeClr val="accent1"/>
+          </a:fillRef>
+          <a:effectRef idx="0">
+            <a:schemeClr val="accent1"/>
+          </a:effectRef>
+          <a:fontRef idx="minor">
+            <a:schemeClr val="lt1"/>
+          </a:fontRef>
+        </p:style>
+        <p:txBody>
+          <a:bodyPr rtlCol="0" anchor="ctr"/>
+          <a:lstStyle/>
+          <a:p>
+            <a:pPr algn="ctr"/>
+            <a:r>
+              <a:rPr lang="ko-KR" altLang="en-US">
+                <a:solidFill>
+                  <a:schemeClr val="tx1"/>
+                </a:solidFill>
+              </a:rPr>
+              <a:t>본문</a:t>
+            </a:r>
+            <a:endParaRPr lang="ko-KR" altLang="en-US" dirty="0">
+              <a:solidFill>
+                <a:schemeClr val="tx1"/>
+              </a:solidFill>
+            </a:endParaRPr>
+          </a:p>
+        </p:txBody>
+      </p:sp>
+      <p:sp>
+        <p:nvSpPr>
+          <p:cNvPr id="9" name="직사각형 8">
+            <a:extLst>
+              <a:ext uri="{FF2B5EF4-FFF2-40B4-BE49-F238E27FC236}">
+                <a16:creationId xmlns:a16="http://schemas.microsoft.com/office/drawing/2014/main" id="{4CF6430A-9919-99ED-E786-01AD5A295728}"/>
+              </a:ext>
+            </a:extLst>
+          </p:cNvPr>
+          <p:cNvSpPr/>
+          <p:nvPr/>
+        </p:nvSpPr>
+        <p:spPr>
+          <a:xfrm>
+            <a:off x="237836" y="143165"/>
+            <a:ext cx="4262582" cy="420253"/>
           </a:xfrm>
           <a:prstGeom prst="rect">
             <a:avLst/>
@@ -19086,24 +21038,14 @@
           <a:lstStyle/>
           <a:p>
             <a:r>
-              <a:rPr lang="en-US" altLang="ko-KR" sz="2400" dirty="0">
+              <a:rPr lang="ko-KR" altLang="en-US" sz="2400" dirty="0">
                 <a:solidFill>
                   <a:schemeClr val="bg1">
                     <a:lumMod val="50000"/>
                   </a:schemeClr>
                 </a:solidFill>
               </a:rPr>
-              <a:t>CASE) </a:t>
-            </a:r>
-            <a:r>
-              <a:rPr lang="ko-KR" altLang="en-US" sz="2400" dirty="0">
-                <a:solidFill>
-                  <a:schemeClr val="bg1">
-                    <a:lumMod val="50000"/>
-                  </a:schemeClr>
-                </a:solidFill>
-              </a:rPr>
-              <a:t>통상적인 질문</a:t>
+              <a:t>우측 메뉴</a:t>
             </a:r>
             <a:endParaRPr lang="en-US" altLang="ko-KR" sz="2400" dirty="0">
               <a:solidFill>
@@ -19115,40 +21057,726 @@
           </a:p>
         </p:txBody>
       </p:sp>
-      <p:pic>
-        <p:nvPicPr>
-          <p:cNvPr id="4" name="그림 3">
-            <a:extLst>
-              <a:ext uri="{FF2B5EF4-FFF2-40B4-BE49-F238E27FC236}">
-                <a16:creationId xmlns:a16="http://schemas.microsoft.com/office/drawing/2014/main" id="{D5ABD207-252A-1DC6-0EB6-167259FDEA85}"/>
-              </a:ext>
-            </a:extLst>
-          </p:cNvPr>
-          <p:cNvPicPr>
-            <a:picLocks noChangeAspect="1"/>
-          </p:cNvPicPr>
-          <p:nvPr/>
-        </p:nvPicPr>
-        <p:blipFill>
-          <a:blip r:embed="rId2"/>
-          <a:stretch>
-            <a:fillRect/>
-          </a:stretch>
-        </p:blipFill>
-        <p:spPr>
-          <a:xfrm>
-            <a:off x="1969426" y="939839"/>
-            <a:ext cx="8253147" cy="4978321"/>
+      <p:sp>
+        <p:nvSpPr>
+          <p:cNvPr id="2" name="직사각형 1">
+            <a:extLst>
+              <a:ext uri="{FF2B5EF4-FFF2-40B4-BE49-F238E27FC236}">
+                <a16:creationId xmlns:a16="http://schemas.microsoft.com/office/drawing/2014/main" id="{0287D81A-CD0D-091F-5D9A-D150A931C058}"/>
+              </a:ext>
+            </a:extLst>
+          </p:cNvPr>
+          <p:cNvSpPr/>
+          <p:nvPr/>
+        </p:nvSpPr>
+        <p:spPr>
+          <a:xfrm>
+            <a:off x="9504219" y="1155150"/>
+            <a:ext cx="2466108" cy="5199468"/>
           </a:xfrm>
           <a:prstGeom prst="rect">
             <a:avLst/>
           </a:prstGeom>
-        </p:spPr>
-      </p:pic>
+          <a:solidFill>
+            <a:schemeClr val="bg1"/>
+          </a:solidFill>
+          <a:ln w="38100"/>
+        </p:spPr>
+        <p:style>
+          <a:lnRef idx="2">
+            <a:schemeClr val="accent1">
+              <a:shade val="15000"/>
+            </a:schemeClr>
+          </a:lnRef>
+          <a:fillRef idx="1">
+            <a:schemeClr val="accent1"/>
+          </a:fillRef>
+          <a:effectRef idx="0">
+            <a:schemeClr val="accent1"/>
+          </a:effectRef>
+          <a:fontRef idx="minor">
+            <a:schemeClr val="lt1"/>
+          </a:fontRef>
+        </p:style>
+        <p:txBody>
+          <a:bodyPr rtlCol="0" anchor="ctr"/>
+          <a:lstStyle/>
+          <a:p>
+            <a:pPr algn="ctr"/>
+            <a:endParaRPr lang="ko-KR" altLang="en-US" sz="1400" dirty="0">
+              <a:solidFill>
+                <a:schemeClr val="tx1"/>
+              </a:solidFill>
+            </a:endParaRPr>
+          </a:p>
+        </p:txBody>
+      </p:sp>
+      <p:sp>
+        <p:nvSpPr>
+          <p:cNvPr id="4" name="직사각형 3">
+            <a:extLst>
+              <a:ext uri="{FF2B5EF4-FFF2-40B4-BE49-F238E27FC236}">
+                <a16:creationId xmlns:a16="http://schemas.microsoft.com/office/drawing/2014/main" id="{C9554C76-7B01-05B9-95FB-3069DE05F700}"/>
+              </a:ext>
+            </a:extLst>
+          </p:cNvPr>
+          <p:cNvSpPr/>
+          <p:nvPr/>
+        </p:nvSpPr>
+        <p:spPr>
+          <a:xfrm>
+            <a:off x="9813638" y="3221181"/>
+            <a:ext cx="1667162" cy="415638"/>
+          </a:xfrm>
+          <a:prstGeom prst="rect">
+            <a:avLst/>
+          </a:prstGeom>
+          <a:solidFill>
+            <a:schemeClr val="bg1"/>
+          </a:solidFill>
+          <a:ln w="38100"/>
+        </p:spPr>
+        <p:style>
+          <a:lnRef idx="2">
+            <a:schemeClr val="accent1">
+              <a:shade val="15000"/>
+            </a:schemeClr>
+          </a:lnRef>
+          <a:fillRef idx="1">
+            <a:schemeClr val="accent1"/>
+          </a:fillRef>
+          <a:effectRef idx="0">
+            <a:schemeClr val="accent1"/>
+          </a:effectRef>
+          <a:fontRef idx="minor">
+            <a:schemeClr val="lt1"/>
+          </a:fontRef>
+        </p:style>
+        <p:txBody>
+          <a:bodyPr rtlCol="0" anchor="ctr"/>
+          <a:lstStyle/>
+          <a:p>
+            <a:r>
+              <a:rPr lang="ko-KR" altLang="en-US" dirty="0">
+                <a:solidFill>
+                  <a:schemeClr val="tx1"/>
+                </a:solidFill>
+              </a:rPr>
+              <a:t>상품명</a:t>
+            </a:r>
+          </a:p>
+        </p:txBody>
+      </p:sp>
+      <p:sp>
+        <p:nvSpPr>
+          <p:cNvPr id="5" name="직사각형 4">
+            <a:extLst>
+              <a:ext uri="{FF2B5EF4-FFF2-40B4-BE49-F238E27FC236}">
+                <a16:creationId xmlns:a16="http://schemas.microsoft.com/office/drawing/2014/main" id="{02AE601A-97BB-12C6-4D64-0A3E569B1E54}"/>
+              </a:ext>
+            </a:extLst>
+          </p:cNvPr>
+          <p:cNvSpPr/>
+          <p:nvPr/>
+        </p:nvSpPr>
+        <p:spPr>
+          <a:xfrm>
+            <a:off x="9624291" y="1223819"/>
+            <a:ext cx="2045856" cy="420253"/>
+          </a:xfrm>
+          <a:prstGeom prst="rect">
+            <a:avLst/>
+          </a:prstGeom>
+          <a:noFill/>
+          <a:ln w="38100">
+            <a:noFill/>
+          </a:ln>
+        </p:spPr>
+        <p:style>
+          <a:lnRef idx="2">
+            <a:schemeClr val="accent1">
+              <a:shade val="15000"/>
+            </a:schemeClr>
+          </a:lnRef>
+          <a:fillRef idx="1">
+            <a:schemeClr val="accent1"/>
+          </a:fillRef>
+          <a:effectRef idx="0">
+            <a:schemeClr val="accent1"/>
+          </a:effectRef>
+          <a:fontRef idx="minor">
+            <a:schemeClr val="lt1"/>
+          </a:fontRef>
+        </p:style>
+        <p:txBody>
+          <a:bodyPr rtlCol="0" anchor="t"/>
+          <a:lstStyle/>
+          <a:p>
+            <a:r>
+              <a:rPr lang="ko-KR" altLang="en-US" dirty="0">
+                <a:solidFill>
+                  <a:schemeClr val="tx1"/>
+                </a:solidFill>
+              </a:rPr>
+              <a:t>장바구니</a:t>
+            </a:r>
+            <a:endParaRPr lang="en-US" altLang="ko-KR" dirty="0">
+              <a:solidFill>
+                <a:schemeClr val="tx1"/>
+              </a:solidFill>
+            </a:endParaRPr>
+          </a:p>
+        </p:txBody>
+      </p:sp>
+      <p:sp>
+        <p:nvSpPr>
+          <p:cNvPr id="7" name="직사각형 6">
+            <a:extLst>
+              <a:ext uri="{FF2B5EF4-FFF2-40B4-BE49-F238E27FC236}">
+                <a16:creationId xmlns:a16="http://schemas.microsoft.com/office/drawing/2014/main" id="{6578FC79-FE54-43E8-7545-04547929F7F7}"/>
+              </a:ext>
+            </a:extLst>
+          </p:cNvPr>
+          <p:cNvSpPr/>
+          <p:nvPr/>
+        </p:nvSpPr>
+        <p:spPr>
+          <a:xfrm>
+            <a:off x="9813638" y="1644072"/>
+            <a:ext cx="1667162" cy="1422399"/>
+          </a:xfrm>
+          <a:prstGeom prst="rect">
+            <a:avLst/>
+          </a:prstGeom>
+          <a:solidFill>
+            <a:schemeClr val="bg1"/>
+          </a:solidFill>
+          <a:ln w="38100"/>
+        </p:spPr>
+        <p:style>
+          <a:lnRef idx="2">
+            <a:schemeClr val="accent1">
+              <a:shade val="15000"/>
+            </a:schemeClr>
+          </a:lnRef>
+          <a:fillRef idx="1">
+            <a:schemeClr val="accent1"/>
+          </a:fillRef>
+          <a:effectRef idx="0">
+            <a:schemeClr val="accent1"/>
+          </a:effectRef>
+          <a:fontRef idx="minor">
+            <a:schemeClr val="lt1"/>
+          </a:fontRef>
+        </p:style>
+        <p:txBody>
+          <a:bodyPr rtlCol="0" anchor="ctr"/>
+          <a:lstStyle/>
+          <a:p>
+            <a:pPr algn="ctr"/>
+            <a:r>
+              <a:rPr lang="ko-KR" altLang="en-US" dirty="0">
+                <a:solidFill>
+                  <a:schemeClr val="tx1"/>
+                </a:solidFill>
+              </a:rPr>
+              <a:t>이미지</a:t>
+            </a:r>
+          </a:p>
+        </p:txBody>
+      </p:sp>
+      <p:sp>
+        <p:nvSpPr>
+          <p:cNvPr id="10" name="직사각형 9">
+            <a:extLst>
+              <a:ext uri="{FF2B5EF4-FFF2-40B4-BE49-F238E27FC236}">
+                <a16:creationId xmlns:a16="http://schemas.microsoft.com/office/drawing/2014/main" id="{D155824A-BA81-77C2-3124-B754EAD68CC1}"/>
+              </a:ext>
+            </a:extLst>
+          </p:cNvPr>
+          <p:cNvSpPr/>
+          <p:nvPr/>
+        </p:nvSpPr>
+        <p:spPr>
+          <a:xfrm>
+            <a:off x="9813638" y="3754884"/>
+            <a:ext cx="1667162" cy="415638"/>
+          </a:xfrm>
+          <a:prstGeom prst="rect">
+            <a:avLst/>
+          </a:prstGeom>
+          <a:solidFill>
+            <a:schemeClr val="bg1"/>
+          </a:solidFill>
+          <a:ln w="38100"/>
+        </p:spPr>
+        <p:style>
+          <a:lnRef idx="2">
+            <a:schemeClr val="accent1">
+              <a:shade val="15000"/>
+            </a:schemeClr>
+          </a:lnRef>
+          <a:fillRef idx="1">
+            <a:schemeClr val="accent1"/>
+          </a:fillRef>
+          <a:effectRef idx="0">
+            <a:schemeClr val="accent1"/>
+          </a:effectRef>
+          <a:fontRef idx="minor">
+            <a:schemeClr val="lt1"/>
+          </a:fontRef>
+        </p:style>
+        <p:txBody>
+          <a:bodyPr rtlCol="0" anchor="ctr"/>
+          <a:lstStyle/>
+          <a:p>
+            <a:r>
+              <a:rPr lang="ko-KR" altLang="en-US" dirty="0">
+                <a:solidFill>
+                  <a:schemeClr val="tx1"/>
+                </a:solidFill>
+              </a:rPr>
+              <a:t>가격</a:t>
+            </a:r>
+          </a:p>
+        </p:txBody>
+      </p:sp>
+      <p:sp>
+        <p:nvSpPr>
+          <p:cNvPr id="11" name="직사각형 10">
+            <a:extLst>
+              <a:ext uri="{FF2B5EF4-FFF2-40B4-BE49-F238E27FC236}">
+                <a16:creationId xmlns:a16="http://schemas.microsoft.com/office/drawing/2014/main" id="{E4471850-461C-8E37-E4AD-D547A2C99125}"/>
+              </a:ext>
+            </a:extLst>
+          </p:cNvPr>
+          <p:cNvSpPr/>
+          <p:nvPr/>
+        </p:nvSpPr>
+        <p:spPr>
+          <a:xfrm>
+            <a:off x="9504219" y="5366322"/>
+            <a:ext cx="2445327" cy="979357"/>
+          </a:xfrm>
+          <a:prstGeom prst="rect">
+            <a:avLst/>
+          </a:prstGeom>
+          <a:solidFill>
+            <a:schemeClr val="bg1"/>
+          </a:solidFill>
+          <a:ln w="38100"/>
+        </p:spPr>
+        <p:style>
+          <a:lnRef idx="2">
+            <a:schemeClr val="accent1">
+              <a:shade val="15000"/>
+            </a:schemeClr>
+          </a:lnRef>
+          <a:fillRef idx="1">
+            <a:schemeClr val="accent1"/>
+          </a:fillRef>
+          <a:effectRef idx="0">
+            <a:schemeClr val="accent1"/>
+          </a:effectRef>
+          <a:fontRef idx="minor">
+            <a:schemeClr val="lt1"/>
+          </a:fontRef>
+        </p:style>
+        <p:txBody>
+          <a:bodyPr rtlCol="0" anchor="ctr"/>
+          <a:lstStyle/>
+          <a:p>
+            <a:endParaRPr lang="ko-KR" altLang="en-US" dirty="0">
+              <a:solidFill>
+                <a:schemeClr val="tx1"/>
+              </a:solidFill>
+            </a:endParaRPr>
+          </a:p>
+        </p:txBody>
+      </p:sp>
+      <p:sp>
+        <p:nvSpPr>
+          <p:cNvPr id="13" name="직사각형 12">
+            <a:extLst>
+              <a:ext uri="{FF2B5EF4-FFF2-40B4-BE49-F238E27FC236}">
+                <a16:creationId xmlns:a16="http://schemas.microsoft.com/office/drawing/2014/main" id="{403D81A4-F0A9-B197-0257-AB5A9062BF0B}"/>
+              </a:ext>
+            </a:extLst>
+          </p:cNvPr>
+          <p:cNvSpPr/>
+          <p:nvPr/>
+        </p:nvSpPr>
+        <p:spPr>
+          <a:xfrm>
+            <a:off x="9839037" y="5537594"/>
+            <a:ext cx="1616364" cy="317650"/>
+          </a:xfrm>
+          <a:prstGeom prst="rect">
+            <a:avLst/>
+          </a:prstGeom>
+          <a:solidFill>
+            <a:schemeClr val="bg1"/>
+          </a:solidFill>
+          <a:ln w="38100"/>
+        </p:spPr>
+        <p:style>
+          <a:lnRef idx="2">
+            <a:schemeClr val="accent1">
+              <a:shade val="15000"/>
+            </a:schemeClr>
+          </a:lnRef>
+          <a:fillRef idx="1">
+            <a:schemeClr val="accent1"/>
+          </a:fillRef>
+          <a:effectRef idx="0">
+            <a:schemeClr val="accent1"/>
+          </a:effectRef>
+          <a:fontRef idx="minor">
+            <a:schemeClr val="lt1"/>
+          </a:fontRef>
+        </p:style>
+        <p:txBody>
+          <a:bodyPr rtlCol="0" anchor="ctr"/>
+          <a:lstStyle/>
+          <a:p>
+            <a:r>
+              <a:rPr lang="ko-KR" altLang="en-US" dirty="0">
+                <a:solidFill>
+                  <a:schemeClr val="tx1"/>
+                </a:solidFill>
+              </a:rPr>
+              <a:t>총액</a:t>
+            </a:r>
+          </a:p>
+        </p:txBody>
+      </p:sp>
+      <p:sp>
+        <p:nvSpPr>
+          <p:cNvPr id="3" name="직사각형 2">
+            <a:extLst>
+              <a:ext uri="{FF2B5EF4-FFF2-40B4-BE49-F238E27FC236}">
+                <a16:creationId xmlns:a16="http://schemas.microsoft.com/office/drawing/2014/main" id="{E1BEDFC2-ECEA-D226-71B6-C458813CDBDA}"/>
+              </a:ext>
+            </a:extLst>
+          </p:cNvPr>
+          <p:cNvSpPr/>
+          <p:nvPr/>
+        </p:nvSpPr>
+        <p:spPr>
+          <a:xfrm>
+            <a:off x="10647219" y="5946407"/>
+            <a:ext cx="1226127" cy="317650"/>
+          </a:xfrm>
+          <a:prstGeom prst="rect">
+            <a:avLst/>
+          </a:prstGeom>
+          <a:solidFill>
+            <a:schemeClr val="bg1"/>
+          </a:solidFill>
+          <a:ln w="38100"/>
+          <a:scene3d>
+            <a:camera prst="orthographicFront"/>
+            <a:lightRig rig="threePt" dir="t"/>
+          </a:scene3d>
+          <a:sp3d>
+            <a:bevelT prst="angle"/>
+          </a:sp3d>
+        </p:spPr>
+        <p:style>
+          <a:lnRef idx="2">
+            <a:schemeClr val="accent1">
+              <a:shade val="15000"/>
+            </a:schemeClr>
+          </a:lnRef>
+          <a:fillRef idx="1">
+            <a:schemeClr val="accent1"/>
+          </a:fillRef>
+          <a:effectRef idx="0">
+            <a:schemeClr val="accent1"/>
+          </a:effectRef>
+          <a:fontRef idx="minor">
+            <a:schemeClr val="lt1"/>
+          </a:fontRef>
+        </p:style>
+        <p:txBody>
+          <a:bodyPr rtlCol="0" anchor="ctr"/>
+          <a:lstStyle/>
+          <a:p>
+            <a:pPr algn="ctr"/>
+            <a:r>
+              <a:rPr lang="ko-KR" altLang="en-US" dirty="0">
+                <a:solidFill>
+                  <a:schemeClr val="tx1"/>
+                </a:solidFill>
+              </a:rPr>
+              <a:t>구매 요청</a:t>
+            </a:r>
+          </a:p>
+        </p:txBody>
+      </p:sp>
+      <p:sp>
+        <p:nvSpPr>
+          <p:cNvPr id="8" name="직사각형 7">
+            <a:extLst>
+              <a:ext uri="{FF2B5EF4-FFF2-40B4-BE49-F238E27FC236}">
+                <a16:creationId xmlns:a16="http://schemas.microsoft.com/office/drawing/2014/main" id="{81287549-8A75-AD96-A626-512D6BE93487}"/>
+              </a:ext>
+            </a:extLst>
+          </p:cNvPr>
+          <p:cNvSpPr/>
+          <p:nvPr/>
+        </p:nvSpPr>
+        <p:spPr>
+          <a:xfrm>
+            <a:off x="4807523" y="164748"/>
+            <a:ext cx="2068945" cy="415638"/>
+          </a:xfrm>
+          <a:prstGeom prst="rect">
+            <a:avLst/>
+          </a:prstGeom>
+          <a:solidFill>
+            <a:schemeClr val="bg1"/>
+          </a:solidFill>
+          <a:ln w="38100"/>
+        </p:spPr>
+        <p:style>
+          <a:lnRef idx="2">
+            <a:schemeClr val="accent1">
+              <a:shade val="15000"/>
+            </a:schemeClr>
+          </a:lnRef>
+          <a:fillRef idx="1">
+            <a:schemeClr val="accent1"/>
+          </a:fillRef>
+          <a:effectRef idx="0">
+            <a:schemeClr val="accent1"/>
+          </a:effectRef>
+          <a:fontRef idx="minor">
+            <a:schemeClr val="lt1"/>
+          </a:fontRef>
+        </p:style>
+        <p:txBody>
+          <a:bodyPr rtlCol="0" anchor="ctr"/>
+          <a:lstStyle/>
+          <a:p>
+            <a:pPr algn="ctr"/>
+            <a:r>
+              <a:rPr lang="en-US" altLang="ko-KR" dirty="0">
+                <a:solidFill>
+                  <a:schemeClr val="tx1"/>
+                </a:solidFill>
+              </a:rPr>
+              <a:t>~</a:t>
+            </a:r>
+            <a:r>
+              <a:rPr lang="ko-KR" altLang="en-US" dirty="0">
+                <a:solidFill>
+                  <a:schemeClr val="tx1"/>
+                </a:solidFill>
+              </a:rPr>
+              <a:t>님 환영합니다</a:t>
+            </a:r>
+            <a:r>
+              <a:rPr lang="en-US" altLang="ko-KR" dirty="0">
+                <a:solidFill>
+                  <a:schemeClr val="tx1"/>
+                </a:solidFill>
+              </a:rPr>
+              <a:t>.</a:t>
+            </a:r>
+            <a:endParaRPr lang="ko-KR" altLang="en-US" dirty="0">
+              <a:solidFill>
+                <a:schemeClr val="tx1"/>
+              </a:solidFill>
+            </a:endParaRPr>
+          </a:p>
+        </p:txBody>
+      </p:sp>
+      <p:sp>
+        <p:nvSpPr>
+          <p:cNvPr id="12" name="직사각형 11">
+            <a:extLst>
+              <a:ext uri="{FF2B5EF4-FFF2-40B4-BE49-F238E27FC236}">
+                <a16:creationId xmlns:a16="http://schemas.microsoft.com/office/drawing/2014/main" id="{4662F515-0E24-DFC6-7A21-A36D79757C8A}"/>
+              </a:ext>
+            </a:extLst>
+          </p:cNvPr>
+          <p:cNvSpPr/>
+          <p:nvPr/>
+        </p:nvSpPr>
+        <p:spPr>
+          <a:xfrm>
+            <a:off x="7079670" y="164748"/>
+            <a:ext cx="1394690" cy="415638"/>
+          </a:xfrm>
+          <a:prstGeom prst="rect">
+            <a:avLst/>
+          </a:prstGeom>
+          <a:solidFill>
+            <a:schemeClr val="bg1"/>
+          </a:solidFill>
+          <a:ln w="38100"/>
+        </p:spPr>
+        <p:style>
+          <a:lnRef idx="2">
+            <a:schemeClr val="accent1">
+              <a:shade val="15000"/>
+            </a:schemeClr>
+          </a:lnRef>
+          <a:fillRef idx="1">
+            <a:schemeClr val="accent1"/>
+          </a:fillRef>
+          <a:effectRef idx="0">
+            <a:schemeClr val="accent1"/>
+          </a:effectRef>
+          <a:fontRef idx="minor">
+            <a:schemeClr val="lt1"/>
+          </a:fontRef>
+        </p:style>
+        <p:txBody>
+          <a:bodyPr rtlCol="0" anchor="ctr"/>
+          <a:lstStyle/>
+          <a:p>
+            <a:pPr algn="ctr"/>
+            <a:r>
+              <a:rPr lang="ko-KR" altLang="en-US" dirty="0">
+                <a:solidFill>
+                  <a:schemeClr val="tx1"/>
+                </a:solidFill>
+              </a:rPr>
+              <a:t>로그아웃</a:t>
+            </a:r>
+          </a:p>
+        </p:txBody>
+      </p:sp>
+      <p:sp>
+        <p:nvSpPr>
+          <p:cNvPr id="14" name="직사각형 13">
+            <a:extLst>
+              <a:ext uri="{FF2B5EF4-FFF2-40B4-BE49-F238E27FC236}">
+                <a16:creationId xmlns:a16="http://schemas.microsoft.com/office/drawing/2014/main" id="{7D692C63-90D6-B220-F5EE-2D12763C21E9}"/>
+              </a:ext>
+            </a:extLst>
+          </p:cNvPr>
+          <p:cNvSpPr/>
+          <p:nvPr/>
+        </p:nvSpPr>
+        <p:spPr>
+          <a:xfrm>
+            <a:off x="8677562" y="182918"/>
+            <a:ext cx="1394690" cy="415638"/>
+          </a:xfrm>
+          <a:prstGeom prst="rect">
+            <a:avLst/>
+          </a:prstGeom>
+          <a:solidFill>
+            <a:schemeClr val="bg1"/>
+          </a:solidFill>
+          <a:ln w="38100"/>
+        </p:spPr>
+        <p:style>
+          <a:lnRef idx="2">
+            <a:schemeClr val="accent1">
+              <a:shade val="15000"/>
+            </a:schemeClr>
+          </a:lnRef>
+          <a:fillRef idx="1">
+            <a:schemeClr val="accent1"/>
+          </a:fillRef>
+          <a:effectRef idx="0">
+            <a:schemeClr val="accent1"/>
+          </a:effectRef>
+          <a:fontRef idx="minor">
+            <a:schemeClr val="lt1"/>
+          </a:fontRef>
+        </p:style>
+        <p:txBody>
+          <a:bodyPr rtlCol="0" anchor="ctr"/>
+          <a:lstStyle/>
+          <a:p>
+            <a:pPr algn="ctr"/>
+            <a:r>
+              <a:rPr lang="ko-KR" altLang="en-US">
+                <a:solidFill>
+                  <a:schemeClr val="tx1"/>
+                </a:solidFill>
+              </a:rPr>
+              <a:t>마이페이지</a:t>
+            </a:r>
+            <a:endParaRPr lang="ko-KR" altLang="en-US" dirty="0">
+              <a:solidFill>
+                <a:schemeClr val="tx1"/>
+              </a:solidFill>
+            </a:endParaRPr>
+          </a:p>
+        </p:txBody>
+      </p:sp>
+      <p:sp>
+        <p:nvSpPr>
+          <p:cNvPr id="15" name="직사각형 14">
+            <a:extLst>
+              <a:ext uri="{FF2B5EF4-FFF2-40B4-BE49-F238E27FC236}">
+                <a16:creationId xmlns:a16="http://schemas.microsoft.com/office/drawing/2014/main" id="{F85E7F12-1A2E-C02D-BF4F-D306A6BE12D8}"/>
+              </a:ext>
+            </a:extLst>
+          </p:cNvPr>
+          <p:cNvSpPr/>
+          <p:nvPr/>
+        </p:nvSpPr>
+        <p:spPr>
+          <a:xfrm>
+            <a:off x="10261595" y="182918"/>
+            <a:ext cx="1611751" cy="415638"/>
+          </a:xfrm>
+          <a:prstGeom prst="rect">
+            <a:avLst/>
+          </a:prstGeom>
+          <a:solidFill>
+            <a:schemeClr val="bg1"/>
+          </a:solidFill>
+          <a:ln w="38100"/>
+        </p:spPr>
+        <p:style>
+          <a:lnRef idx="2">
+            <a:schemeClr val="accent1">
+              <a:shade val="15000"/>
+            </a:schemeClr>
+          </a:lnRef>
+          <a:fillRef idx="1">
+            <a:schemeClr val="accent1"/>
+          </a:fillRef>
+          <a:effectRef idx="0">
+            <a:schemeClr val="accent1"/>
+          </a:effectRef>
+          <a:fontRef idx="minor">
+            <a:schemeClr val="lt1"/>
+          </a:fontRef>
+        </p:style>
+        <p:txBody>
+          <a:bodyPr rtlCol="0" anchor="ctr"/>
+          <a:lstStyle/>
+          <a:p>
+            <a:pPr algn="ctr"/>
+            <a:r>
+              <a:rPr lang="ko-KR" altLang="en-US">
+                <a:solidFill>
+                  <a:schemeClr val="tx1"/>
+                </a:solidFill>
+              </a:rPr>
+              <a:t>자동로그아웃</a:t>
+            </a:r>
+            <a:endParaRPr lang="ko-KR" altLang="en-US" dirty="0">
+              <a:solidFill>
+                <a:schemeClr val="tx1"/>
+              </a:solidFill>
+            </a:endParaRPr>
+          </a:p>
+        </p:txBody>
+      </p:sp>
     </p:spTree>
     <p:extLst>
       <p:ext uri="{BB962C8B-B14F-4D97-AF65-F5344CB8AC3E}">
-        <p14:creationId xmlns:p14="http://schemas.microsoft.com/office/powerpoint/2010/main" val="338372792"/>
+        <p14:creationId xmlns:p14="http://schemas.microsoft.com/office/powerpoint/2010/main" val="52887433"/>
       </p:ext>
     </p:extLst>
   </p:cSld>
@@ -20109,6 +22737,815 @@
   <p:cSld>
     <p:spTree>
       <p:nvGrpSpPr>
+        <p:cNvPr id="1" name=""/>
+        <p:cNvGrpSpPr/>
+        <p:nvPr/>
+      </p:nvGrpSpPr>
+      <p:grpSpPr>
+        <a:xfrm>
+          <a:off x="0" y="0"/>
+          <a:ext cx="0" cy="0"/>
+          <a:chOff x="0" y="0"/>
+          <a:chExt cx="0" cy="0"/>
+        </a:xfrm>
+      </p:grpSpPr>
+      <p:sp>
+        <p:nvSpPr>
+          <p:cNvPr id="6" name="직사각형 5">
+            <a:extLst>
+              <a:ext uri="{FF2B5EF4-FFF2-40B4-BE49-F238E27FC236}">
+                <a16:creationId xmlns:a16="http://schemas.microsoft.com/office/drawing/2014/main" id="{62C7DFEA-8610-F7BE-5802-7CB3D65602B0}"/>
+              </a:ext>
+            </a:extLst>
+          </p:cNvPr>
+          <p:cNvSpPr/>
+          <p:nvPr/>
+        </p:nvSpPr>
+        <p:spPr>
+          <a:xfrm>
+            <a:off x="1851890" y="2133600"/>
+            <a:ext cx="10021456" cy="4221018"/>
+          </a:xfrm>
+          <a:prstGeom prst="rect">
+            <a:avLst/>
+          </a:prstGeom>
+          <a:solidFill>
+            <a:schemeClr val="bg1"/>
+          </a:solidFill>
+          <a:ln w="38100"/>
+        </p:spPr>
+        <p:style>
+          <a:lnRef idx="2">
+            <a:schemeClr val="accent1">
+              <a:shade val="15000"/>
+            </a:schemeClr>
+          </a:lnRef>
+          <a:fillRef idx="1">
+            <a:schemeClr val="accent1"/>
+          </a:fillRef>
+          <a:effectRef idx="0">
+            <a:schemeClr val="accent1"/>
+          </a:effectRef>
+          <a:fontRef idx="minor">
+            <a:schemeClr val="lt1"/>
+          </a:fontRef>
+        </p:style>
+        <p:txBody>
+          <a:bodyPr rtlCol="0" anchor="ctr"/>
+          <a:lstStyle/>
+          <a:p>
+            <a:pPr algn="ctr"/>
+            <a:r>
+              <a:rPr lang="ko-KR" altLang="en-US">
+                <a:solidFill>
+                  <a:schemeClr val="tx1"/>
+                </a:solidFill>
+              </a:rPr>
+              <a:t>본문</a:t>
+            </a:r>
+            <a:endParaRPr lang="ko-KR" altLang="en-US" dirty="0">
+              <a:solidFill>
+                <a:schemeClr val="tx1"/>
+              </a:solidFill>
+            </a:endParaRPr>
+          </a:p>
+        </p:txBody>
+      </p:sp>
+      <p:sp>
+        <p:nvSpPr>
+          <p:cNvPr id="9" name="직사각형 8">
+            <a:extLst>
+              <a:ext uri="{FF2B5EF4-FFF2-40B4-BE49-F238E27FC236}">
+                <a16:creationId xmlns:a16="http://schemas.microsoft.com/office/drawing/2014/main" id="{4CF6430A-9919-99ED-E786-01AD5A295728}"/>
+              </a:ext>
+            </a:extLst>
+          </p:cNvPr>
+          <p:cNvSpPr/>
+          <p:nvPr/>
+        </p:nvSpPr>
+        <p:spPr>
+          <a:xfrm>
+            <a:off x="237836" y="143165"/>
+            <a:ext cx="4262582" cy="420253"/>
+          </a:xfrm>
+          <a:prstGeom prst="rect">
+            <a:avLst/>
+          </a:prstGeom>
+          <a:noFill/>
+          <a:ln w="38100">
+            <a:noFill/>
+          </a:ln>
+        </p:spPr>
+        <p:style>
+          <a:lnRef idx="2">
+            <a:schemeClr val="accent1">
+              <a:shade val="15000"/>
+            </a:schemeClr>
+          </a:lnRef>
+          <a:fillRef idx="1">
+            <a:schemeClr val="accent1"/>
+          </a:fillRef>
+          <a:effectRef idx="0">
+            <a:schemeClr val="accent1"/>
+          </a:effectRef>
+          <a:fontRef idx="minor">
+            <a:schemeClr val="lt1"/>
+          </a:fontRef>
+        </p:style>
+        <p:txBody>
+          <a:bodyPr rtlCol="0" anchor="t"/>
+          <a:lstStyle/>
+          <a:p>
+            <a:r>
+              <a:rPr lang="ko-KR" altLang="en-US" sz="2400" dirty="0">
+                <a:solidFill>
+                  <a:schemeClr val="bg1">
+                    <a:lumMod val="50000"/>
+                  </a:schemeClr>
+                </a:solidFill>
+              </a:rPr>
+              <a:t>헤더</a:t>
+            </a:r>
+            <a:endParaRPr lang="en-US" altLang="ko-KR" sz="2400" dirty="0">
+              <a:solidFill>
+                <a:schemeClr val="bg1">
+                  <a:lumMod val="50000"/>
+                </a:schemeClr>
+              </a:solidFill>
+            </a:endParaRPr>
+          </a:p>
+        </p:txBody>
+      </p:sp>
+      <p:sp>
+        <p:nvSpPr>
+          <p:cNvPr id="8" name="직사각형 7">
+            <a:extLst>
+              <a:ext uri="{FF2B5EF4-FFF2-40B4-BE49-F238E27FC236}">
+                <a16:creationId xmlns:a16="http://schemas.microsoft.com/office/drawing/2014/main" id="{81287549-8A75-AD96-A626-512D6BE93487}"/>
+              </a:ext>
+            </a:extLst>
+          </p:cNvPr>
+          <p:cNvSpPr/>
+          <p:nvPr/>
+        </p:nvSpPr>
+        <p:spPr>
+          <a:xfrm>
+            <a:off x="4807523" y="164748"/>
+            <a:ext cx="2068945" cy="415638"/>
+          </a:xfrm>
+          <a:prstGeom prst="rect">
+            <a:avLst/>
+          </a:prstGeom>
+          <a:solidFill>
+            <a:schemeClr val="bg1"/>
+          </a:solidFill>
+          <a:ln w="38100"/>
+        </p:spPr>
+        <p:style>
+          <a:lnRef idx="2">
+            <a:schemeClr val="accent1">
+              <a:shade val="15000"/>
+            </a:schemeClr>
+          </a:lnRef>
+          <a:fillRef idx="1">
+            <a:schemeClr val="accent1"/>
+          </a:fillRef>
+          <a:effectRef idx="0">
+            <a:schemeClr val="accent1"/>
+          </a:effectRef>
+          <a:fontRef idx="minor">
+            <a:schemeClr val="lt1"/>
+          </a:fontRef>
+        </p:style>
+        <p:txBody>
+          <a:bodyPr rtlCol="0" anchor="ctr"/>
+          <a:lstStyle/>
+          <a:p>
+            <a:pPr algn="ctr"/>
+            <a:r>
+              <a:rPr lang="en-US" altLang="ko-KR" dirty="0">
+                <a:solidFill>
+                  <a:schemeClr val="tx1"/>
+                </a:solidFill>
+              </a:rPr>
+              <a:t>~</a:t>
+            </a:r>
+            <a:r>
+              <a:rPr lang="ko-KR" altLang="en-US" dirty="0">
+                <a:solidFill>
+                  <a:schemeClr val="tx1"/>
+                </a:solidFill>
+              </a:rPr>
+              <a:t>님 환영합니다</a:t>
+            </a:r>
+            <a:r>
+              <a:rPr lang="en-US" altLang="ko-KR" dirty="0">
+                <a:solidFill>
+                  <a:schemeClr val="tx1"/>
+                </a:solidFill>
+              </a:rPr>
+              <a:t>.</a:t>
+            </a:r>
+            <a:endParaRPr lang="ko-KR" altLang="en-US" dirty="0">
+              <a:solidFill>
+                <a:schemeClr val="tx1"/>
+              </a:solidFill>
+            </a:endParaRPr>
+          </a:p>
+        </p:txBody>
+      </p:sp>
+      <p:sp>
+        <p:nvSpPr>
+          <p:cNvPr id="12" name="직사각형 11">
+            <a:extLst>
+              <a:ext uri="{FF2B5EF4-FFF2-40B4-BE49-F238E27FC236}">
+                <a16:creationId xmlns:a16="http://schemas.microsoft.com/office/drawing/2014/main" id="{4662F515-0E24-DFC6-7A21-A36D79757C8A}"/>
+              </a:ext>
+            </a:extLst>
+          </p:cNvPr>
+          <p:cNvSpPr/>
+          <p:nvPr/>
+        </p:nvSpPr>
+        <p:spPr>
+          <a:xfrm>
+            <a:off x="7079670" y="164748"/>
+            <a:ext cx="1394690" cy="415638"/>
+          </a:xfrm>
+          <a:prstGeom prst="rect">
+            <a:avLst/>
+          </a:prstGeom>
+          <a:solidFill>
+            <a:schemeClr val="bg1"/>
+          </a:solidFill>
+          <a:ln w="38100"/>
+        </p:spPr>
+        <p:style>
+          <a:lnRef idx="2">
+            <a:schemeClr val="accent1">
+              <a:shade val="15000"/>
+            </a:schemeClr>
+          </a:lnRef>
+          <a:fillRef idx="1">
+            <a:schemeClr val="accent1"/>
+          </a:fillRef>
+          <a:effectRef idx="0">
+            <a:schemeClr val="accent1"/>
+          </a:effectRef>
+          <a:fontRef idx="minor">
+            <a:schemeClr val="lt1"/>
+          </a:fontRef>
+        </p:style>
+        <p:txBody>
+          <a:bodyPr rtlCol="0" anchor="ctr"/>
+          <a:lstStyle/>
+          <a:p>
+            <a:pPr algn="ctr"/>
+            <a:r>
+              <a:rPr lang="ko-KR" altLang="en-US" dirty="0">
+                <a:solidFill>
+                  <a:schemeClr val="tx1"/>
+                </a:solidFill>
+              </a:rPr>
+              <a:t>로그아웃</a:t>
+            </a:r>
+          </a:p>
+        </p:txBody>
+      </p:sp>
+      <p:sp>
+        <p:nvSpPr>
+          <p:cNvPr id="14" name="직사각형 13">
+            <a:extLst>
+              <a:ext uri="{FF2B5EF4-FFF2-40B4-BE49-F238E27FC236}">
+                <a16:creationId xmlns:a16="http://schemas.microsoft.com/office/drawing/2014/main" id="{7D692C63-90D6-B220-F5EE-2D12763C21E9}"/>
+              </a:ext>
+            </a:extLst>
+          </p:cNvPr>
+          <p:cNvSpPr/>
+          <p:nvPr/>
+        </p:nvSpPr>
+        <p:spPr>
+          <a:xfrm>
+            <a:off x="8677562" y="182918"/>
+            <a:ext cx="1394690" cy="415638"/>
+          </a:xfrm>
+          <a:prstGeom prst="rect">
+            <a:avLst/>
+          </a:prstGeom>
+          <a:solidFill>
+            <a:schemeClr val="bg1"/>
+          </a:solidFill>
+          <a:ln w="38100"/>
+        </p:spPr>
+        <p:style>
+          <a:lnRef idx="2">
+            <a:schemeClr val="accent1">
+              <a:shade val="15000"/>
+            </a:schemeClr>
+          </a:lnRef>
+          <a:fillRef idx="1">
+            <a:schemeClr val="accent1"/>
+          </a:fillRef>
+          <a:effectRef idx="0">
+            <a:schemeClr val="accent1"/>
+          </a:effectRef>
+          <a:fontRef idx="minor">
+            <a:schemeClr val="lt1"/>
+          </a:fontRef>
+        </p:style>
+        <p:txBody>
+          <a:bodyPr rtlCol="0" anchor="ctr"/>
+          <a:lstStyle/>
+          <a:p>
+            <a:pPr algn="ctr"/>
+            <a:r>
+              <a:rPr lang="ko-KR" altLang="en-US">
+                <a:solidFill>
+                  <a:schemeClr val="tx1"/>
+                </a:solidFill>
+              </a:rPr>
+              <a:t>마이페이지</a:t>
+            </a:r>
+            <a:endParaRPr lang="ko-KR" altLang="en-US" dirty="0">
+              <a:solidFill>
+                <a:schemeClr val="tx1"/>
+              </a:solidFill>
+            </a:endParaRPr>
+          </a:p>
+        </p:txBody>
+      </p:sp>
+      <p:sp>
+        <p:nvSpPr>
+          <p:cNvPr id="15" name="직사각형 14">
+            <a:extLst>
+              <a:ext uri="{FF2B5EF4-FFF2-40B4-BE49-F238E27FC236}">
+                <a16:creationId xmlns:a16="http://schemas.microsoft.com/office/drawing/2014/main" id="{F85E7F12-1A2E-C02D-BF4F-D306A6BE12D8}"/>
+              </a:ext>
+            </a:extLst>
+          </p:cNvPr>
+          <p:cNvSpPr/>
+          <p:nvPr/>
+        </p:nvSpPr>
+        <p:spPr>
+          <a:xfrm>
+            <a:off x="10261595" y="182918"/>
+            <a:ext cx="1611751" cy="415638"/>
+          </a:xfrm>
+          <a:prstGeom prst="rect">
+            <a:avLst/>
+          </a:prstGeom>
+          <a:solidFill>
+            <a:schemeClr val="bg1"/>
+          </a:solidFill>
+          <a:ln w="38100"/>
+        </p:spPr>
+        <p:style>
+          <a:lnRef idx="2">
+            <a:schemeClr val="accent1">
+              <a:shade val="15000"/>
+            </a:schemeClr>
+          </a:lnRef>
+          <a:fillRef idx="1">
+            <a:schemeClr val="accent1"/>
+          </a:fillRef>
+          <a:effectRef idx="0">
+            <a:schemeClr val="accent1"/>
+          </a:effectRef>
+          <a:fontRef idx="minor">
+            <a:schemeClr val="lt1"/>
+          </a:fontRef>
+        </p:style>
+        <p:txBody>
+          <a:bodyPr rtlCol="0" anchor="ctr"/>
+          <a:lstStyle/>
+          <a:p>
+            <a:pPr algn="ctr"/>
+            <a:r>
+              <a:rPr lang="ko-KR" altLang="en-US">
+                <a:solidFill>
+                  <a:schemeClr val="tx1"/>
+                </a:solidFill>
+              </a:rPr>
+              <a:t>자동로그아웃</a:t>
+            </a:r>
+            <a:endParaRPr lang="ko-KR" altLang="en-US" dirty="0">
+              <a:solidFill>
+                <a:schemeClr val="tx1"/>
+              </a:solidFill>
+            </a:endParaRPr>
+          </a:p>
+        </p:txBody>
+      </p:sp>
+      <p:sp>
+        <p:nvSpPr>
+          <p:cNvPr id="16" name="직사각형 15">
+            <a:extLst>
+              <a:ext uri="{FF2B5EF4-FFF2-40B4-BE49-F238E27FC236}">
+                <a16:creationId xmlns:a16="http://schemas.microsoft.com/office/drawing/2014/main" id="{69D52DC6-9DD6-E690-73FF-2AAD5E20CF1F}"/>
+              </a:ext>
+            </a:extLst>
+          </p:cNvPr>
+          <p:cNvSpPr/>
+          <p:nvPr/>
+        </p:nvSpPr>
+        <p:spPr>
+          <a:xfrm>
+            <a:off x="8003309" y="1207202"/>
+            <a:ext cx="1168401" cy="572654"/>
+          </a:xfrm>
+          <a:prstGeom prst="rect">
+            <a:avLst/>
+          </a:prstGeom>
+          <a:solidFill>
+            <a:schemeClr val="bg1"/>
+          </a:solidFill>
+          <a:ln w="38100"/>
+        </p:spPr>
+        <p:style>
+          <a:lnRef idx="2">
+            <a:schemeClr val="accent1">
+              <a:shade val="15000"/>
+            </a:schemeClr>
+          </a:lnRef>
+          <a:fillRef idx="1">
+            <a:schemeClr val="accent1"/>
+          </a:fillRef>
+          <a:effectRef idx="0">
+            <a:schemeClr val="accent1"/>
+          </a:effectRef>
+          <a:fontRef idx="minor">
+            <a:schemeClr val="lt1"/>
+          </a:fontRef>
+        </p:style>
+        <p:txBody>
+          <a:bodyPr rtlCol="0" anchor="ctr"/>
+          <a:lstStyle/>
+          <a:p>
+            <a:pPr algn="ctr"/>
+            <a:r>
+              <a:rPr lang="ko-KR" altLang="en-US" dirty="0">
+                <a:solidFill>
+                  <a:schemeClr val="tx1"/>
+                </a:solidFill>
+              </a:rPr>
+              <a:t>상품</a:t>
+            </a:r>
+          </a:p>
+        </p:txBody>
+      </p:sp>
+      <p:sp>
+        <p:nvSpPr>
+          <p:cNvPr id="17" name="직사각형 16">
+            <a:extLst>
+              <a:ext uri="{FF2B5EF4-FFF2-40B4-BE49-F238E27FC236}">
+                <a16:creationId xmlns:a16="http://schemas.microsoft.com/office/drawing/2014/main" id="{7F7ECC13-7C68-10E9-ECD9-3F058263FB7D}"/>
+              </a:ext>
+            </a:extLst>
+          </p:cNvPr>
+          <p:cNvSpPr/>
+          <p:nvPr/>
+        </p:nvSpPr>
+        <p:spPr>
+          <a:xfrm>
+            <a:off x="10603341" y="1204440"/>
+            <a:ext cx="1168401" cy="578178"/>
+          </a:xfrm>
+          <a:prstGeom prst="rect">
+            <a:avLst/>
+          </a:prstGeom>
+          <a:solidFill>
+            <a:schemeClr val="bg1"/>
+          </a:solidFill>
+          <a:ln w="38100"/>
+        </p:spPr>
+        <p:style>
+          <a:lnRef idx="2">
+            <a:schemeClr val="accent1">
+              <a:shade val="15000"/>
+            </a:schemeClr>
+          </a:lnRef>
+          <a:fillRef idx="1">
+            <a:schemeClr val="accent1"/>
+          </a:fillRef>
+          <a:effectRef idx="0">
+            <a:schemeClr val="accent1"/>
+          </a:effectRef>
+          <a:fontRef idx="minor">
+            <a:schemeClr val="lt1"/>
+          </a:fontRef>
+        </p:style>
+        <p:txBody>
+          <a:bodyPr rtlCol="0" anchor="ctr"/>
+          <a:lstStyle/>
+          <a:p>
+            <a:pPr algn="ctr"/>
+            <a:r>
+              <a:rPr lang="ko-KR" altLang="en-US" dirty="0">
+                <a:solidFill>
+                  <a:schemeClr val="tx1"/>
+                </a:solidFill>
+              </a:rPr>
+              <a:t>정보</a:t>
+            </a:r>
+          </a:p>
+        </p:txBody>
+      </p:sp>
+      <p:sp>
+        <p:nvSpPr>
+          <p:cNvPr id="18" name="직사각형 17">
+            <a:extLst>
+              <a:ext uri="{FF2B5EF4-FFF2-40B4-BE49-F238E27FC236}">
+                <a16:creationId xmlns:a16="http://schemas.microsoft.com/office/drawing/2014/main" id="{53F2A11A-E51F-BB0E-02BB-9BD7105D9F93}"/>
+              </a:ext>
+            </a:extLst>
+          </p:cNvPr>
+          <p:cNvSpPr/>
+          <p:nvPr/>
+        </p:nvSpPr>
+        <p:spPr>
+          <a:xfrm>
+            <a:off x="9305634" y="1201678"/>
+            <a:ext cx="1168401" cy="578178"/>
+          </a:xfrm>
+          <a:prstGeom prst="rect">
+            <a:avLst/>
+          </a:prstGeom>
+          <a:solidFill>
+            <a:schemeClr val="bg1"/>
+          </a:solidFill>
+          <a:ln w="38100"/>
+        </p:spPr>
+        <p:style>
+          <a:lnRef idx="2">
+            <a:schemeClr val="accent1">
+              <a:shade val="15000"/>
+            </a:schemeClr>
+          </a:lnRef>
+          <a:fillRef idx="1">
+            <a:schemeClr val="accent1"/>
+          </a:fillRef>
+          <a:effectRef idx="0">
+            <a:schemeClr val="accent1"/>
+          </a:effectRef>
+          <a:fontRef idx="minor">
+            <a:schemeClr val="lt1"/>
+          </a:fontRef>
+        </p:style>
+        <p:txBody>
+          <a:bodyPr rtlCol="0" anchor="ctr"/>
+          <a:lstStyle/>
+          <a:p>
+            <a:pPr algn="ctr"/>
+            <a:r>
+              <a:rPr lang="ko-KR" altLang="en-US" dirty="0">
+                <a:solidFill>
+                  <a:schemeClr val="tx1"/>
+                </a:solidFill>
+              </a:rPr>
+              <a:t>게시판</a:t>
+            </a:r>
+          </a:p>
+        </p:txBody>
+      </p:sp>
+      <p:sp>
+        <p:nvSpPr>
+          <p:cNvPr id="20" name="직사각형 19">
+            <a:extLst>
+              <a:ext uri="{FF2B5EF4-FFF2-40B4-BE49-F238E27FC236}">
+                <a16:creationId xmlns:a16="http://schemas.microsoft.com/office/drawing/2014/main" id="{5CDB460F-08DD-A2A7-1E44-EB670176588B}"/>
+              </a:ext>
+            </a:extLst>
+          </p:cNvPr>
+          <p:cNvSpPr/>
+          <p:nvPr/>
+        </p:nvSpPr>
+        <p:spPr>
+          <a:xfrm>
+            <a:off x="6700984" y="1207202"/>
+            <a:ext cx="1168401" cy="572654"/>
+          </a:xfrm>
+          <a:prstGeom prst="rect">
+            <a:avLst/>
+          </a:prstGeom>
+          <a:solidFill>
+            <a:schemeClr val="bg1"/>
+          </a:solidFill>
+          <a:ln w="38100"/>
+        </p:spPr>
+        <p:style>
+          <a:lnRef idx="2">
+            <a:schemeClr val="accent1">
+              <a:shade val="15000"/>
+            </a:schemeClr>
+          </a:lnRef>
+          <a:fillRef idx="1">
+            <a:schemeClr val="accent1"/>
+          </a:fillRef>
+          <a:effectRef idx="0">
+            <a:schemeClr val="accent1"/>
+          </a:effectRef>
+          <a:fontRef idx="minor">
+            <a:schemeClr val="lt1"/>
+          </a:fontRef>
+        </p:style>
+        <p:txBody>
+          <a:bodyPr rtlCol="0" anchor="ctr"/>
+          <a:lstStyle/>
+          <a:p>
+            <a:pPr algn="ctr"/>
+            <a:r>
+              <a:rPr lang="ko-KR" altLang="en-US" dirty="0">
+                <a:solidFill>
+                  <a:schemeClr val="tx1"/>
+                </a:solidFill>
+              </a:rPr>
+              <a:t>관리자</a:t>
+            </a:r>
+          </a:p>
+        </p:txBody>
+      </p:sp>
+    </p:spTree>
+    <p:extLst>
+      <p:ext uri="{BB962C8B-B14F-4D97-AF65-F5344CB8AC3E}">
+        <p14:creationId xmlns:p14="http://schemas.microsoft.com/office/powerpoint/2010/main" val="2959278658"/>
+      </p:ext>
+    </p:extLst>
+  </p:cSld>
+  <p:clrMapOvr>
+    <a:masterClrMapping/>
+  </p:clrMapOvr>
+</p:sld>
+</file>
+
+<file path=ppt/slides/slide21.xml><?xml version="1.0" encoding="utf-8"?>
+<p:sld xmlns:a="http://schemas.openxmlformats.org/drawingml/2006/main" xmlns:r="http://schemas.openxmlformats.org/officeDocument/2006/relationships" xmlns:p="http://schemas.openxmlformats.org/presentationml/2006/main">
+  <p:cSld>
+    <p:spTree>
+      <p:nvGrpSpPr>
+        <p:cNvPr id="1" name=""/>
+        <p:cNvGrpSpPr/>
+        <p:nvPr/>
+      </p:nvGrpSpPr>
+      <p:grpSpPr>
+        <a:xfrm>
+          <a:off x="0" y="0"/>
+          <a:ext cx="0" cy="0"/>
+          <a:chOff x="0" y="0"/>
+          <a:chExt cx="0" cy="0"/>
+        </a:xfrm>
+      </p:grpSpPr>
+      <p:sp>
+        <p:nvSpPr>
+          <p:cNvPr id="2" name="직사각형 1">
+            <a:extLst>
+              <a:ext uri="{FF2B5EF4-FFF2-40B4-BE49-F238E27FC236}">
+                <a16:creationId xmlns:a16="http://schemas.microsoft.com/office/drawing/2014/main" id="{7153A55A-0D5B-FFF8-040F-19F5FD09211A}"/>
+              </a:ext>
+            </a:extLst>
+          </p:cNvPr>
+          <p:cNvSpPr/>
+          <p:nvPr/>
+        </p:nvSpPr>
+        <p:spPr>
+          <a:xfrm>
+            <a:off x="237835" y="143165"/>
+            <a:ext cx="6855691" cy="420253"/>
+          </a:xfrm>
+          <a:prstGeom prst="rect">
+            <a:avLst/>
+          </a:prstGeom>
+          <a:noFill/>
+          <a:ln w="38100">
+            <a:noFill/>
+          </a:ln>
+        </p:spPr>
+        <p:style>
+          <a:lnRef idx="2">
+            <a:schemeClr val="accent1">
+              <a:shade val="15000"/>
+            </a:schemeClr>
+          </a:lnRef>
+          <a:fillRef idx="1">
+            <a:schemeClr val="accent1"/>
+          </a:fillRef>
+          <a:effectRef idx="0">
+            <a:schemeClr val="accent1"/>
+          </a:effectRef>
+          <a:fontRef idx="minor">
+            <a:schemeClr val="lt1"/>
+          </a:fontRef>
+        </p:style>
+        <p:txBody>
+          <a:bodyPr rtlCol="0" anchor="t"/>
+          <a:lstStyle/>
+          <a:p>
+            <a:r>
+              <a:rPr lang="en-US" altLang="ko-KR" sz="2400" dirty="0">
+                <a:solidFill>
+                  <a:schemeClr val="bg1">
+                    <a:lumMod val="50000"/>
+                  </a:schemeClr>
+                </a:solidFill>
+              </a:rPr>
+              <a:t>CASE) </a:t>
+            </a:r>
+            <a:r>
+              <a:rPr lang="ko-KR" altLang="en-US" sz="2400" dirty="0">
+                <a:solidFill>
+                  <a:schemeClr val="bg1">
+                    <a:lumMod val="50000"/>
+                  </a:schemeClr>
+                </a:solidFill>
+              </a:rPr>
+              <a:t>통상적인 질문</a:t>
+            </a:r>
+            <a:endParaRPr lang="en-US" altLang="ko-KR" sz="2400" dirty="0">
+              <a:solidFill>
+                <a:schemeClr val="bg1">
+                  <a:lumMod val="50000"/>
+                </a:schemeClr>
+              </a:solidFill>
+            </a:endParaRPr>
+          </a:p>
+        </p:txBody>
+      </p:sp>
+      <p:pic>
+        <p:nvPicPr>
+          <p:cNvPr id="4" name="그림 3">
+            <a:extLst>
+              <a:ext uri="{FF2B5EF4-FFF2-40B4-BE49-F238E27FC236}">
+                <a16:creationId xmlns:a16="http://schemas.microsoft.com/office/drawing/2014/main" id="{D5ABD207-252A-1DC6-0EB6-167259FDEA85}"/>
+              </a:ext>
+            </a:extLst>
+          </p:cNvPr>
+          <p:cNvPicPr>
+            <a:picLocks noChangeAspect="1"/>
+          </p:cNvPicPr>
+          <p:nvPr/>
+        </p:nvPicPr>
+        <p:blipFill>
+          <a:blip r:embed="rId2"/>
+          <a:stretch>
+            <a:fillRect/>
+          </a:stretch>
+        </p:blipFill>
+        <p:spPr>
+          <a:xfrm>
+            <a:off x="416671" y="819069"/>
+            <a:ext cx="8253147" cy="4978321"/>
+          </a:xfrm>
+          <a:prstGeom prst="rect">
+            <a:avLst/>
+          </a:prstGeom>
+        </p:spPr>
+      </p:pic>
+      <p:pic>
+        <p:nvPicPr>
+          <p:cNvPr id="5" name="그림 4" descr="텍스트, 스크린샷, 소프트웨어, 폰트이(가) 표시된 사진&#10;&#10;AI 생성 콘텐츠는 정확하지 않을 수 있습니다.">
+            <a:extLst>
+              <a:ext uri="{FF2B5EF4-FFF2-40B4-BE49-F238E27FC236}">
+                <a16:creationId xmlns:a16="http://schemas.microsoft.com/office/drawing/2014/main" id="{E40FE3F8-BA18-BC2D-D5AF-E86D1A23B8FC}"/>
+              </a:ext>
+            </a:extLst>
+          </p:cNvPr>
+          <p:cNvPicPr>
+            <a:picLocks noChangeAspect="1"/>
+          </p:cNvPicPr>
+          <p:nvPr/>
+        </p:nvPicPr>
+        <p:blipFill>
+          <a:blip r:embed="rId3"/>
+          <a:stretch>
+            <a:fillRect/>
+          </a:stretch>
+        </p:blipFill>
+        <p:spPr>
+          <a:xfrm>
+            <a:off x="3554083" y="1536159"/>
+            <a:ext cx="8027546" cy="4827805"/>
+          </a:xfrm>
+          <a:prstGeom prst="rect">
+            <a:avLst/>
+          </a:prstGeom>
+        </p:spPr>
+      </p:pic>
+    </p:spTree>
+    <p:extLst>
+      <p:ext uri="{BB962C8B-B14F-4D97-AF65-F5344CB8AC3E}">
+        <p14:creationId xmlns:p14="http://schemas.microsoft.com/office/powerpoint/2010/main" val="338372792"/>
+      </p:ext>
+    </p:extLst>
+  </p:cSld>
+  <p:clrMapOvr>
+    <a:masterClrMapping/>
+  </p:clrMapOvr>
+</p:sld>
+</file>
+
+<file path=ppt/slides/slide22.xml><?xml version="1.0" encoding="utf-8"?>
+<p:sld xmlns:a="http://schemas.openxmlformats.org/drawingml/2006/main" xmlns:r="http://schemas.openxmlformats.org/officeDocument/2006/relationships" xmlns:p="http://schemas.openxmlformats.org/presentationml/2006/main">
+  <p:cSld>
+    <p:spTree>
+      <p:nvGrpSpPr>
         <p:cNvPr id="1" name="">
           <a:extLst>
             <a:ext uri="{FF2B5EF4-FFF2-40B4-BE49-F238E27FC236}">
@@ -20293,7 +23730,973 @@
 </p:sld>
 </file>
 
-<file path=ppt/slides/slide21.xml><?xml version="1.0" encoding="utf-8"?>
+<file path=ppt/slides/slide23.xml><?xml version="1.0" encoding="utf-8"?>
+<p:sld xmlns:a="http://schemas.openxmlformats.org/drawingml/2006/main" xmlns:r="http://schemas.openxmlformats.org/officeDocument/2006/relationships" xmlns:p="http://schemas.openxmlformats.org/presentationml/2006/main">
+  <p:cSld>
+    <p:spTree>
+      <p:nvGrpSpPr>
+        <p:cNvPr id="1" name="">
+          <a:extLst>
+            <a:ext uri="{FF2B5EF4-FFF2-40B4-BE49-F238E27FC236}">
+              <a16:creationId xmlns:a16="http://schemas.microsoft.com/office/drawing/2014/main" id="{55B4D752-358E-B8D5-C053-349A51D0F482}"/>
+            </a:ext>
+          </a:extLst>
+        </p:cNvPr>
+        <p:cNvGrpSpPr/>
+        <p:nvPr/>
+      </p:nvGrpSpPr>
+      <p:grpSpPr>
+        <a:xfrm>
+          <a:off x="0" y="0"/>
+          <a:ext cx="0" cy="0"/>
+          <a:chOff x="0" y="0"/>
+          <a:chExt cx="0" cy="0"/>
+        </a:xfrm>
+      </p:grpSpPr>
+      <p:sp>
+        <p:nvSpPr>
+          <p:cNvPr id="2" name="직사각형 1">
+            <a:extLst>
+              <a:ext uri="{FF2B5EF4-FFF2-40B4-BE49-F238E27FC236}">
+                <a16:creationId xmlns:a16="http://schemas.microsoft.com/office/drawing/2014/main" id="{7CD17A60-FEF6-D6F0-AD38-6E36C4ECE27E}"/>
+              </a:ext>
+            </a:extLst>
+          </p:cNvPr>
+          <p:cNvSpPr/>
+          <p:nvPr/>
+        </p:nvSpPr>
+        <p:spPr>
+          <a:xfrm>
+            <a:off x="237835" y="143165"/>
+            <a:ext cx="6855691" cy="420253"/>
+          </a:xfrm>
+          <a:prstGeom prst="rect">
+            <a:avLst/>
+          </a:prstGeom>
+          <a:noFill/>
+          <a:ln w="38100">
+            <a:noFill/>
+          </a:ln>
+        </p:spPr>
+        <p:style>
+          <a:lnRef idx="2">
+            <a:schemeClr val="accent1">
+              <a:shade val="15000"/>
+            </a:schemeClr>
+          </a:lnRef>
+          <a:fillRef idx="1">
+            <a:schemeClr val="accent1"/>
+          </a:fillRef>
+          <a:effectRef idx="0">
+            <a:schemeClr val="accent1"/>
+          </a:effectRef>
+          <a:fontRef idx="minor">
+            <a:schemeClr val="lt1"/>
+          </a:fontRef>
+        </p:style>
+        <p:txBody>
+          <a:bodyPr rtlCol="0" anchor="t"/>
+          <a:lstStyle/>
+          <a:p>
+            <a:r>
+              <a:rPr lang="en-US" altLang="ko-KR" sz="2400" dirty="0">
+                <a:solidFill>
+                  <a:schemeClr val="bg1">
+                    <a:lumMod val="50000"/>
+                  </a:schemeClr>
+                </a:solidFill>
+              </a:rPr>
+              <a:t>CASE) </a:t>
+            </a:r>
+            <a:r>
+              <a:rPr lang="ko-KR" altLang="en-US" sz="2400" dirty="0">
+                <a:solidFill>
+                  <a:schemeClr val="bg1">
+                    <a:lumMod val="50000"/>
+                  </a:schemeClr>
+                </a:solidFill>
+              </a:rPr>
+              <a:t>프롬프트 설정 차이</a:t>
+            </a:r>
+            <a:endParaRPr lang="en-US" altLang="ko-KR" sz="2400" dirty="0">
+              <a:solidFill>
+                <a:schemeClr val="bg1">
+                  <a:lumMod val="50000"/>
+                </a:schemeClr>
+              </a:solidFill>
+            </a:endParaRPr>
+          </a:p>
+          <a:p>
+            <a:r>
+              <a:rPr lang="en-US" altLang="ko-KR" sz="1600" dirty="0">
+                <a:solidFill>
+                  <a:schemeClr val="bg1">
+                    <a:lumMod val="50000"/>
+                  </a:schemeClr>
+                </a:solidFill>
+              </a:rPr>
+              <a:t>ex) </a:t>
+            </a:r>
+            <a:r>
+              <a:rPr lang="ko-KR" altLang="en-US" sz="1600" dirty="0">
+                <a:solidFill>
+                  <a:schemeClr val="bg1">
+                    <a:lumMod val="50000"/>
+                  </a:schemeClr>
+                </a:solidFill>
+              </a:rPr>
+              <a:t>판매단위에 대한 설명을 추가했을 때</a:t>
+            </a:r>
+            <a:endParaRPr lang="en-US" altLang="ko-KR" sz="1600" dirty="0">
+              <a:solidFill>
+                <a:schemeClr val="bg1">
+                  <a:lumMod val="50000"/>
+                </a:schemeClr>
+              </a:solidFill>
+            </a:endParaRPr>
+          </a:p>
+        </p:txBody>
+      </p:sp>
+      <p:pic>
+        <p:nvPicPr>
+          <p:cNvPr id="4" name="그림 3" descr="텍스트, 스크린샷, 폰트, 번호이(가) 표시된 사진&#10;&#10;AI 생성 콘텐츠는 정확하지 않을 수 있습니다.">
+            <a:extLst>
+              <a:ext uri="{FF2B5EF4-FFF2-40B4-BE49-F238E27FC236}">
+                <a16:creationId xmlns:a16="http://schemas.microsoft.com/office/drawing/2014/main" id="{DE06E285-67FF-0271-5316-0DB01F53803C}"/>
+              </a:ext>
+            </a:extLst>
+          </p:cNvPr>
+          <p:cNvPicPr>
+            <a:picLocks noChangeAspect="1"/>
+          </p:cNvPicPr>
+          <p:nvPr/>
+        </p:nvPicPr>
+        <p:blipFill>
+          <a:blip r:embed="rId2"/>
+          <a:stretch>
+            <a:fillRect/>
+          </a:stretch>
+        </p:blipFill>
+        <p:spPr>
+          <a:xfrm>
+            <a:off x="942256" y="1838103"/>
+            <a:ext cx="10307488" cy="3181794"/>
+          </a:xfrm>
+          <a:prstGeom prst="rect">
+            <a:avLst/>
+          </a:prstGeom>
+        </p:spPr>
+      </p:pic>
+    </p:spTree>
+    <p:extLst>
+      <p:ext uri="{BB962C8B-B14F-4D97-AF65-F5344CB8AC3E}">
+        <p14:creationId xmlns:p14="http://schemas.microsoft.com/office/powerpoint/2010/main" val="1005582915"/>
+      </p:ext>
+    </p:extLst>
+  </p:cSld>
+  <p:clrMapOvr>
+    <a:masterClrMapping/>
+  </p:clrMapOvr>
+</p:sld>
+</file>
+
+<file path=ppt/slides/slide24.xml><?xml version="1.0" encoding="utf-8"?>
+<p:sld xmlns:a="http://schemas.openxmlformats.org/drawingml/2006/main" xmlns:r="http://schemas.openxmlformats.org/officeDocument/2006/relationships" xmlns:p="http://schemas.openxmlformats.org/presentationml/2006/main">
+  <p:cSld>
+    <p:spTree>
+      <p:nvGrpSpPr>
+        <p:cNvPr id="1" name="">
+          <a:extLst>
+            <a:ext uri="{FF2B5EF4-FFF2-40B4-BE49-F238E27FC236}">
+              <a16:creationId xmlns:a16="http://schemas.microsoft.com/office/drawing/2014/main" id="{CD34F29C-6197-DE79-ABFB-ABECEDB8F240}"/>
+            </a:ext>
+          </a:extLst>
+        </p:cNvPr>
+        <p:cNvGrpSpPr/>
+        <p:nvPr/>
+      </p:nvGrpSpPr>
+      <p:grpSpPr>
+        <a:xfrm>
+          <a:off x="0" y="0"/>
+          <a:ext cx="0" cy="0"/>
+          <a:chOff x="0" y="0"/>
+          <a:chExt cx="0" cy="0"/>
+        </a:xfrm>
+      </p:grpSpPr>
+      <p:sp>
+        <p:nvSpPr>
+          <p:cNvPr id="2" name="직사각형 1">
+            <a:extLst>
+              <a:ext uri="{FF2B5EF4-FFF2-40B4-BE49-F238E27FC236}">
+                <a16:creationId xmlns:a16="http://schemas.microsoft.com/office/drawing/2014/main" id="{1647EE40-FD7C-4558-B004-4595C6159EC9}"/>
+              </a:ext>
+            </a:extLst>
+          </p:cNvPr>
+          <p:cNvSpPr/>
+          <p:nvPr/>
+        </p:nvSpPr>
+        <p:spPr>
+          <a:xfrm>
+            <a:off x="237835" y="143165"/>
+            <a:ext cx="9915456" cy="420253"/>
+          </a:xfrm>
+          <a:prstGeom prst="rect">
+            <a:avLst/>
+          </a:prstGeom>
+          <a:noFill/>
+          <a:ln w="38100">
+            <a:noFill/>
+          </a:ln>
+        </p:spPr>
+        <p:style>
+          <a:lnRef idx="2">
+            <a:schemeClr val="accent1">
+              <a:shade val="15000"/>
+            </a:schemeClr>
+          </a:lnRef>
+          <a:fillRef idx="1">
+            <a:schemeClr val="accent1"/>
+          </a:fillRef>
+          <a:effectRef idx="0">
+            <a:schemeClr val="accent1"/>
+          </a:effectRef>
+          <a:fontRef idx="minor">
+            <a:schemeClr val="lt1"/>
+          </a:fontRef>
+        </p:style>
+        <p:txBody>
+          <a:bodyPr rtlCol="0" anchor="t"/>
+          <a:lstStyle/>
+          <a:p>
+            <a:r>
+              <a:rPr lang="en-US" altLang="ko-KR" sz="2400" dirty="0">
+                <a:solidFill>
+                  <a:schemeClr val="bg1">
+                    <a:lumMod val="50000"/>
+                  </a:schemeClr>
+                </a:solidFill>
+              </a:rPr>
+              <a:t>CASE) </a:t>
+            </a:r>
+            <a:r>
+              <a:rPr lang="ko-KR" altLang="en-US" sz="2400" dirty="0">
+                <a:solidFill>
+                  <a:schemeClr val="bg1">
+                    <a:lumMod val="50000"/>
+                  </a:schemeClr>
+                </a:solidFill>
+              </a:rPr>
+              <a:t>대량의 텍스트를 분석해야 할 경우 </a:t>
+            </a:r>
+            <a:r>
+              <a:rPr lang="en-US" altLang="ko-KR" sz="2400" dirty="0">
+                <a:solidFill>
+                  <a:schemeClr val="bg1">
+                    <a:lumMod val="50000"/>
+                  </a:schemeClr>
+                </a:solidFill>
+              </a:rPr>
+              <a:t>=&gt; </a:t>
+            </a:r>
+            <a:r>
+              <a:rPr lang="ko-KR" altLang="en-US" sz="2400" dirty="0" err="1">
+                <a:solidFill>
+                  <a:schemeClr val="bg1">
+                    <a:lumMod val="50000"/>
+                  </a:schemeClr>
+                </a:solidFill>
+              </a:rPr>
+              <a:t>임베딩</a:t>
+            </a:r>
+            <a:endParaRPr lang="en-US" altLang="ko-KR" sz="2400" dirty="0">
+              <a:solidFill>
+                <a:schemeClr val="bg1">
+                  <a:lumMod val="50000"/>
+                </a:schemeClr>
+              </a:solidFill>
+            </a:endParaRPr>
+          </a:p>
+          <a:p>
+            <a:pPr marL="0" marR="0" lvl="0" indent="0" algn="l" defTabSz="914400" rtl="0" eaLnBrk="1" fontAlgn="auto" latinLnBrk="1" hangingPunct="1">
+              <a:lnSpc>
+                <a:spcPct val="100000"/>
+              </a:lnSpc>
+              <a:spcBef>
+                <a:spcPts val="0"/>
+              </a:spcBef>
+              <a:spcAft>
+                <a:spcPts val="0"/>
+              </a:spcAft>
+              <a:buClrTx/>
+              <a:buSzTx/>
+              <a:buFontTx/>
+              <a:buNone/>
+              <a:tabLst/>
+              <a:defRPr/>
+            </a:pPr>
+            <a:r>
+              <a:rPr kumimoji="0" lang="en-US" altLang="ko-KR" sz="1600" b="0" i="0" u="none" strike="noStrike" kern="1200" cap="none" spc="0" normalizeH="0" baseline="0" noProof="0" dirty="0">
+                <a:ln>
+                  <a:noFill/>
+                </a:ln>
+                <a:solidFill>
+                  <a:prstClr val="white">
+                    <a:lumMod val="50000"/>
+                  </a:prstClr>
+                </a:solidFill>
+                <a:effectLst/>
+                <a:uLnTx/>
+                <a:uFillTx/>
+                <a:latin typeface="맑은 고딕" panose="020F0502020204030204"/>
+                <a:ea typeface="맑은 고딕" panose="020B0503020000020004" pitchFamily="50" charset="-127"/>
+                <a:cs typeface="+mn-cs"/>
+              </a:rPr>
+              <a:t>ex) </a:t>
+            </a:r>
+            <a:r>
+              <a:rPr lang="ko-KR" altLang="en-US" sz="1600" dirty="0">
+                <a:solidFill>
+                  <a:prstClr val="white">
+                    <a:lumMod val="50000"/>
+                  </a:prstClr>
+                </a:solidFill>
+                <a:latin typeface="맑은 고딕" panose="020F0502020204030204"/>
+                <a:ea typeface="맑은 고딕" panose="020B0503020000020004" pitchFamily="50" charset="-127"/>
+              </a:rPr>
+              <a:t>피부 미백에 좋은 상품은 뭐가 있지</a:t>
+            </a:r>
+            <a:r>
+              <a:rPr lang="en-US" altLang="ko-KR" sz="1600" dirty="0">
+                <a:solidFill>
+                  <a:prstClr val="white">
+                    <a:lumMod val="50000"/>
+                  </a:prstClr>
+                </a:solidFill>
+                <a:latin typeface="맑은 고딕" panose="020F0502020204030204"/>
+                <a:ea typeface="맑은 고딕" panose="020B0503020000020004" pitchFamily="50" charset="-127"/>
+              </a:rPr>
+              <a:t>?</a:t>
+            </a:r>
+            <a:endParaRPr kumimoji="0" lang="en-US" altLang="ko-KR" sz="1600" b="0" i="0" u="none" strike="noStrike" kern="1200" cap="none" spc="0" normalizeH="0" baseline="0" noProof="0" dirty="0">
+              <a:ln>
+                <a:noFill/>
+              </a:ln>
+              <a:solidFill>
+                <a:prstClr val="white">
+                  <a:lumMod val="50000"/>
+                </a:prstClr>
+              </a:solidFill>
+              <a:effectLst/>
+              <a:uLnTx/>
+              <a:uFillTx/>
+              <a:latin typeface="맑은 고딕" panose="020F0502020204030204"/>
+              <a:ea typeface="맑은 고딕" panose="020B0503020000020004" pitchFamily="50" charset="-127"/>
+              <a:cs typeface="+mn-cs"/>
+            </a:endParaRPr>
+          </a:p>
+          <a:p>
+            <a:endParaRPr lang="en-US" altLang="ko-KR" sz="2400" dirty="0">
+              <a:solidFill>
+                <a:schemeClr val="bg1">
+                  <a:lumMod val="50000"/>
+                </a:schemeClr>
+              </a:solidFill>
+            </a:endParaRPr>
+          </a:p>
+        </p:txBody>
+      </p:sp>
+      <p:pic>
+        <p:nvPicPr>
+          <p:cNvPr id="4" name="그림 3" descr="텍스트, 폰트, 스크린샷이(가) 표시된 사진&#10;&#10;AI 생성 콘텐츠는 정확하지 않을 수 있습니다.">
+            <a:extLst>
+              <a:ext uri="{FF2B5EF4-FFF2-40B4-BE49-F238E27FC236}">
+                <a16:creationId xmlns:a16="http://schemas.microsoft.com/office/drawing/2014/main" id="{D5D7C855-958A-EBF1-9BF3-F63D9EF1B723}"/>
+              </a:ext>
+            </a:extLst>
+          </p:cNvPr>
+          <p:cNvPicPr>
+            <a:picLocks noChangeAspect="1"/>
+          </p:cNvPicPr>
+          <p:nvPr/>
+        </p:nvPicPr>
+        <p:blipFill>
+          <a:blip r:embed="rId2"/>
+          <a:stretch>
+            <a:fillRect/>
+          </a:stretch>
+        </p:blipFill>
+        <p:spPr>
+          <a:xfrm>
+            <a:off x="1328490" y="1218602"/>
+            <a:ext cx="9983593" cy="2143424"/>
+          </a:xfrm>
+          <a:prstGeom prst="rect">
+            <a:avLst/>
+          </a:prstGeom>
+        </p:spPr>
+      </p:pic>
+    </p:spTree>
+    <p:extLst>
+      <p:ext uri="{BB962C8B-B14F-4D97-AF65-F5344CB8AC3E}">
+        <p14:creationId xmlns:p14="http://schemas.microsoft.com/office/powerpoint/2010/main" val="3377800417"/>
+      </p:ext>
+    </p:extLst>
+  </p:cSld>
+  <p:clrMapOvr>
+    <a:masterClrMapping/>
+  </p:clrMapOvr>
+</p:sld>
+</file>
+
+<file path=ppt/slides/slide25.xml><?xml version="1.0" encoding="utf-8"?>
+<p:sld xmlns:a="http://schemas.openxmlformats.org/drawingml/2006/main" xmlns:r="http://schemas.openxmlformats.org/officeDocument/2006/relationships" xmlns:p="http://schemas.openxmlformats.org/presentationml/2006/main">
+  <p:cSld>
+    <p:spTree>
+      <p:nvGrpSpPr>
+        <p:cNvPr id="1" name="">
+          <a:extLst>
+            <a:ext uri="{FF2B5EF4-FFF2-40B4-BE49-F238E27FC236}">
+              <a16:creationId xmlns:a16="http://schemas.microsoft.com/office/drawing/2014/main" id="{F30CA88F-DBA3-8F02-9EE2-6E5FFA7C0153}"/>
+            </a:ext>
+          </a:extLst>
+        </p:cNvPr>
+        <p:cNvGrpSpPr/>
+        <p:nvPr/>
+      </p:nvGrpSpPr>
+      <p:grpSpPr>
+        <a:xfrm>
+          <a:off x="0" y="0"/>
+          <a:ext cx="0" cy="0"/>
+          <a:chOff x="0" y="0"/>
+          <a:chExt cx="0" cy="0"/>
+        </a:xfrm>
+      </p:grpSpPr>
+      <p:sp>
+        <p:nvSpPr>
+          <p:cNvPr id="2" name="직사각형 1">
+            <a:extLst>
+              <a:ext uri="{FF2B5EF4-FFF2-40B4-BE49-F238E27FC236}">
+                <a16:creationId xmlns:a16="http://schemas.microsoft.com/office/drawing/2014/main" id="{9DC63469-31B3-5A56-C41A-A1452B92B1BB}"/>
+              </a:ext>
+            </a:extLst>
+          </p:cNvPr>
+          <p:cNvSpPr/>
+          <p:nvPr/>
+        </p:nvSpPr>
+        <p:spPr>
+          <a:xfrm>
+            <a:off x="237835" y="143165"/>
+            <a:ext cx="9915456" cy="420253"/>
+          </a:xfrm>
+          <a:prstGeom prst="rect">
+            <a:avLst/>
+          </a:prstGeom>
+          <a:noFill/>
+          <a:ln w="38100">
+            <a:noFill/>
+          </a:ln>
+        </p:spPr>
+        <p:style>
+          <a:lnRef idx="2">
+            <a:schemeClr val="accent1">
+              <a:shade val="15000"/>
+            </a:schemeClr>
+          </a:lnRef>
+          <a:fillRef idx="1">
+            <a:schemeClr val="accent1"/>
+          </a:fillRef>
+          <a:effectRef idx="0">
+            <a:schemeClr val="accent1"/>
+          </a:effectRef>
+          <a:fontRef idx="minor">
+            <a:schemeClr val="lt1"/>
+          </a:fontRef>
+        </p:style>
+        <p:txBody>
+          <a:bodyPr rtlCol="0" anchor="t"/>
+          <a:lstStyle/>
+          <a:p>
+            <a:r>
+              <a:rPr lang="en-US" altLang="ko-KR" sz="2400" dirty="0">
+                <a:solidFill>
+                  <a:schemeClr val="bg1">
+                    <a:lumMod val="50000"/>
+                  </a:schemeClr>
+                </a:solidFill>
+              </a:rPr>
+              <a:t>CASE) </a:t>
+            </a:r>
+            <a:r>
+              <a:rPr lang="ko-KR" altLang="en-US" sz="2400" dirty="0">
+                <a:solidFill>
+                  <a:schemeClr val="bg1">
+                    <a:lumMod val="50000"/>
+                  </a:schemeClr>
+                </a:solidFill>
+              </a:rPr>
+              <a:t>프롬프트 엔지니어링</a:t>
+            </a:r>
+            <a:endParaRPr lang="en-US" altLang="ko-KR" sz="2400" dirty="0">
+              <a:solidFill>
+                <a:schemeClr val="bg1">
+                  <a:lumMod val="50000"/>
+                </a:schemeClr>
+              </a:solidFill>
+            </a:endParaRPr>
+          </a:p>
+          <a:p>
+            <a:pPr marL="0" marR="0" lvl="0" indent="0" algn="l" defTabSz="914400" rtl="0" eaLnBrk="1" fontAlgn="auto" latinLnBrk="1" hangingPunct="1">
+              <a:lnSpc>
+                <a:spcPct val="100000"/>
+              </a:lnSpc>
+              <a:spcBef>
+                <a:spcPts val="0"/>
+              </a:spcBef>
+              <a:spcAft>
+                <a:spcPts val="0"/>
+              </a:spcAft>
+              <a:buClrTx/>
+              <a:buSzTx/>
+              <a:buFontTx/>
+              <a:buNone/>
+              <a:tabLst/>
+              <a:defRPr/>
+            </a:pPr>
+            <a:r>
+              <a:rPr kumimoji="0" lang="en-US" altLang="ko-KR" sz="1600" b="0" i="0" u="none" strike="noStrike" kern="1200" cap="none" spc="0" normalizeH="0" baseline="0" noProof="0" dirty="0">
+                <a:ln>
+                  <a:noFill/>
+                </a:ln>
+                <a:solidFill>
+                  <a:prstClr val="white">
+                    <a:lumMod val="50000"/>
+                  </a:prstClr>
+                </a:solidFill>
+                <a:effectLst/>
+                <a:uLnTx/>
+                <a:uFillTx/>
+                <a:latin typeface="맑은 고딕" panose="020F0502020204030204"/>
+                <a:ea typeface="맑은 고딕" panose="020B0503020000020004" pitchFamily="50" charset="-127"/>
+                <a:cs typeface="+mn-cs"/>
+              </a:rPr>
+              <a:t>ex) </a:t>
+            </a:r>
+            <a:r>
+              <a:rPr lang="ko-KR" altLang="en-US" sz="1600" dirty="0">
+                <a:solidFill>
+                  <a:prstClr val="white">
+                    <a:lumMod val="50000"/>
+                  </a:prstClr>
+                </a:solidFill>
+                <a:latin typeface="맑은 고딕" panose="020F0502020204030204"/>
+                <a:ea typeface="맑은 고딕" panose="020B0503020000020004" pitchFamily="50" charset="-127"/>
+              </a:rPr>
+              <a:t>프롬프트 수정 전 후 답변 차이</a:t>
+            </a:r>
+            <a:endParaRPr kumimoji="0" lang="en-US" altLang="ko-KR" sz="1600" b="0" i="0" u="none" strike="noStrike" kern="1200" cap="none" spc="0" normalizeH="0" baseline="0" noProof="0" dirty="0">
+              <a:ln>
+                <a:noFill/>
+              </a:ln>
+              <a:solidFill>
+                <a:prstClr val="white">
+                  <a:lumMod val="50000"/>
+                </a:prstClr>
+              </a:solidFill>
+              <a:effectLst/>
+              <a:uLnTx/>
+              <a:uFillTx/>
+              <a:latin typeface="맑은 고딕" panose="020F0502020204030204"/>
+              <a:ea typeface="맑은 고딕" panose="020B0503020000020004" pitchFamily="50" charset="-127"/>
+              <a:cs typeface="+mn-cs"/>
+            </a:endParaRPr>
+          </a:p>
+          <a:p>
+            <a:endParaRPr lang="en-US" altLang="ko-KR" sz="2400" dirty="0">
+              <a:solidFill>
+                <a:schemeClr val="bg1">
+                  <a:lumMod val="50000"/>
+                </a:schemeClr>
+              </a:solidFill>
+            </a:endParaRPr>
+          </a:p>
+        </p:txBody>
+      </p:sp>
+      <p:pic>
+        <p:nvPicPr>
+          <p:cNvPr id="5" name="그림 4" descr="텍스트, 스크린샷, 폰트이(가) 표시된 사진&#10;&#10;AI 생성 콘텐츠는 정확하지 않을 수 있습니다.">
+            <a:extLst>
+              <a:ext uri="{FF2B5EF4-FFF2-40B4-BE49-F238E27FC236}">
+                <a16:creationId xmlns:a16="http://schemas.microsoft.com/office/drawing/2014/main" id="{9B02B46D-6039-C611-29BD-8B649929C37F}"/>
+              </a:ext>
+            </a:extLst>
+          </p:cNvPr>
+          <p:cNvPicPr>
+            <a:picLocks noChangeAspect="1"/>
+          </p:cNvPicPr>
+          <p:nvPr/>
+        </p:nvPicPr>
+        <p:blipFill>
+          <a:blip r:embed="rId2"/>
+          <a:stretch>
+            <a:fillRect/>
+          </a:stretch>
+        </p:blipFill>
+        <p:spPr>
+          <a:xfrm>
+            <a:off x="1104203" y="1609471"/>
+            <a:ext cx="9983593" cy="3639058"/>
+          </a:xfrm>
+          <a:prstGeom prst="rect">
+            <a:avLst/>
+          </a:prstGeom>
+        </p:spPr>
+      </p:pic>
+    </p:spTree>
+    <p:extLst>
+      <p:ext uri="{BB962C8B-B14F-4D97-AF65-F5344CB8AC3E}">
+        <p14:creationId xmlns:p14="http://schemas.microsoft.com/office/powerpoint/2010/main" val="4235864933"/>
+      </p:ext>
+    </p:extLst>
+  </p:cSld>
+  <p:clrMapOvr>
+    <a:masterClrMapping/>
+  </p:clrMapOvr>
+</p:sld>
+</file>
+
+<file path=ppt/slides/slide26.xml><?xml version="1.0" encoding="utf-8"?>
+<p:sld xmlns:a="http://schemas.openxmlformats.org/drawingml/2006/main" xmlns:r="http://schemas.openxmlformats.org/officeDocument/2006/relationships" xmlns:p="http://schemas.openxmlformats.org/presentationml/2006/main">
+  <p:cSld>
+    <p:spTree>
+      <p:nvGrpSpPr>
+        <p:cNvPr id="1" name="">
+          <a:extLst>
+            <a:ext uri="{FF2B5EF4-FFF2-40B4-BE49-F238E27FC236}">
+              <a16:creationId xmlns:a16="http://schemas.microsoft.com/office/drawing/2014/main" id="{C451B640-478C-E21A-D406-A0522F44B565}"/>
+            </a:ext>
+          </a:extLst>
+        </p:cNvPr>
+        <p:cNvGrpSpPr/>
+        <p:nvPr/>
+      </p:nvGrpSpPr>
+      <p:grpSpPr>
+        <a:xfrm>
+          <a:off x="0" y="0"/>
+          <a:ext cx="0" cy="0"/>
+          <a:chOff x="0" y="0"/>
+          <a:chExt cx="0" cy="0"/>
+        </a:xfrm>
+      </p:grpSpPr>
+      <p:sp>
+        <p:nvSpPr>
+          <p:cNvPr id="2" name="직사각형 1">
+            <a:extLst>
+              <a:ext uri="{FF2B5EF4-FFF2-40B4-BE49-F238E27FC236}">
+                <a16:creationId xmlns:a16="http://schemas.microsoft.com/office/drawing/2014/main" id="{A614B89F-9785-07AA-BB4E-0B58EF5BF62F}"/>
+              </a:ext>
+            </a:extLst>
+          </p:cNvPr>
+          <p:cNvSpPr/>
+          <p:nvPr/>
+        </p:nvSpPr>
+        <p:spPr>
+          <a:xfrm>
+            <a:off x="237835" y="143165"/>
+            <a:ext cx="6855691" cy="420253"/>
+          </a:xfrm>
+          <a:prstGeom prst="rect">
+            <a:avLst/>
+          </a:prstGeom>
+          <a:noFill/>
+          <a:ln w="38100">
+            <a:noFill/>
+          </a:ln>
+        </p:spPr>
+        <p:style>
+          <a:lnRef idx="2">
+            <a:schemeClr val="accent1">
+              <a:shade val="15000"/>
+            </a:schemeClr>
+          </a:lnRef>
+          <a:fillRef idx="1">
+            <a:schemeClr val="accent1"/>
+          </a:fillRef>
+          <a:effectRef idx="0">
+            <a:schemeClr val="accent1"/>
+          </a:effectRef>
+          <a:fontRef idx="minor">
+            <a:schemeClr val="lt1"/>
+          </a:fontRef>
+        </p:style>
+        <p:txBody>
+          <a:bodyPr rtlCol="0" anchor="t"/>
+          <a:lstStyle/>
+          <a:p>
+            <a:r>
+              <a:rPr lang="en-US" altLang="ko-KR" sz="2400" dirty="0">
+                <a:solidFill>
+                  <a:schemeClr val="bg1">
+                    <a:lumMod val="50000"/>
+                  </a:schemeClr>
+                </a:solidFill>
+              </a:rPr>
+              <a:t>CASE) API </a:t>
+            </a:r>
+            <a:r>
+              <a:rPr lang="ko-KR" altLang="en-US" sz="2400" dirty="0">
+                <a:solidFill>
+                  <a:schemeClr val="bg1">
+                    <a:lumMod val="50000"/>
+                  </a:schemeClr>
+                </a:solidFill>
+              </a:rPr>
+              <a:t>연계가 필요한 질문</a:t>
+            </a:r>
+            <a:endParaRPr lang="en-US" altLang="ko-KR" sz="2400" dirty="0">
+              <a:solidFill>
+                <a:schemeClr val="bg1">
+                  <a:lumMod val="50000"/>
+                </a:schemeClr>
+              </a:solidFill>
+            </a:endParaRPr>
+          </a:p>
+          <a:p>
+            <a:pPr marL="0" marR="0" lvl="0" indent="0" algn="l" defTabSz="914400" rtl="0" eaLnBrk="1" fontAlgn="auto" latinLnBrk="1" hangingPunct="1">
+              <a:lnSpc>
+                <a:spcPct val="100000"/>
+              </a:lnSpc>
+              <a:spcBef>
+                <a:spcPts val="0"/>
+              </a:spcBef>
+              <a:spcAft>
+                <a:spcPts val="0"/>
+              </a:spcAft>
+              <a:buClrTx/>
+              <a:buSzTx/>
+              <a:buFontTx/>
+              <a:buNone/>
+              <a:tabLst/>
+              <a:defRPr/>
+            </a:pPr>
+            <a:r>
+              <a:rPr kumimoji="0" lang="en-US" altLang="ko-KR" sz="1600" b="0" i="0" u="none" strike="noStrike" kern="1200" cap="none" spc="0" normalizeH="0" baseline="0" noProof="0" dirty="0">
+                <a:ln>
+                  <a:noFill/>
+                </a:ln>
+                <a:solidFill>
+                  <a:prstClr val="white">
+                    <a:lumMod val="50000"/>
+                  </a:prstClr>
+                </a:solidFill>
+                <a:effectLst/>
+                <a:uLnTx/>
+                <a:uFillTx/>
+                <a:latin typeface="맑은 고딕" panose="020F0502020204030204"/>
+                <a:ea typeface="맑은 고딕" panose="020B0503020000020004" pitchFamily="50" charset="-127"/>
+                <a:cs typeface="+mn-cs"/>
+              </a:rPr>
+              <a:t>ex) </a:t>
+            </a:r>
+            <a:r>
+              <a:rPr kumimoji="0" lang="ko-KR" altLang="en-US" sz="1600" b="0" i="0" u="none" strike="noStrike" kern="1200" cap="none" spc="0" normalizeH="0" baseline="0" noProof="0" dirty="0">
+                <a:ln>
+                  <a:noFill/>
+                </a:ln>
+                <a:solidFill>
+                  <a:prstClr val="white">
+                    <a:lumMod val="50000"/>
+                  </a:prstClr>
+                </a:solidFill>
+                <a:effectLst/>
+                <a:uLnTx/>
+                <a:uFillTx/>
+                <a:latin typeface="맑은 고딕" panose="020F0502020204030204"/>
+                <a:ea typeface="맑은 고딕" panose="020B0503020000020004" pitchFamily="50" charset="-127"/>
+                <a:cs typeface="+mn-cs"/>
+              </a:rPr>
+              <a:t>다른 사이트와</a:t>
+            </a:r>
+            <a:r>
+              <a:rPr lang="en-US" altLang="ko-KR" sz="1600" dirty="0">
+                <a:solidFill>
+                  <a:prstClr val="white">
+                    <a:lumMod val="50000"/>
+                  </a:prstClr>
+                </a:solidFill>
+                <a:latin typeface="맑은 고딕" panose="020F0502020204030204"/>
+                <a:ea typeface="맑은 고딕" panose="020B0503020000020004" pitchFamily="50" charset="-127"/>
+              </a:rPr>
+              <a:t> </a:t>
+            </a:r>
+            <a:r>
+              <a:rPr lang="ko-KR" altLang="en-US" sz="1600" dirty="0">
+                <a:solidFill>
+                  <a:prstClr val="white">
+                    <a:lumMod val="50000"/>
+                  </a:prstClr>
+                </a:solidFill>
+                <a:latin typeface="맑은 고딕" panose="020F0502020204030204"/>
+                <a:ea typeface="맑은 고딕" panose="020B0503020000020004" pitchFamily="50" charset="-127"/>
+              </a:rPr>
+              <a:t>최저가 비교</a:t>
+            </a:r>
+            <a:endParaRPr lang="en-US" altLang="ko-KR" sz="1600" dirty="0">
+              <a:solidFill>
+                <a:prstClr val="white">
+                  <a:lumMod val="50000"/>
+                </a:prstClr>
+              </a:solidFill>
+              <a:latin typeface="맑은 고딕" panose="020F0502020204030204"/>
+              <a:ea typeface="맑은 고딕" panose="020B0503020000020004" pitchFamily="50" charset="-127"/>
+            </a:endParaRPr>
+          </a:p>
+        </p:txBody>
+      </p:sp>
+    </p:spTree>
+    <p:extLst>
+      <p:ext uri="{BB962C8B-B14F-4D97-AF65-F5344CB8AC3E}">
+        <p14:creationId xmlns:p14="http://schemas.microsoft.com/office/powerpoint/2010/main" val="641234972"/>
+      </p:ext>
+    </p:extLst>
+  </p:cSld>
+  <p:clrMapOvr>
+    <a:masterClrMapping/>
+  </p:clrMapOvr>
+</p:sld>
+</file>
+
+<file path=ppt/slides/slide27.xml><?xml version="1.0" encoding="utf-8"?>
+<p:sld xmlns:a="http://schemas.openxmlformats.org/drawingml/2006/main" xmlns:r="http://schemas.openxmlformats.org/officeDocument/2006/relationships" xmlns:p="http://schemas.openxmlformats.org/presentationml/2006/main">
+  <p:cSld>
+    <p:spTree>
+      <p:nvGrpSpPr>
+        <p:cNvPr id="1" name="">
+          <a:extLst>
+            <a:ext uri="{FF2B5EF4-FFF2-40B4-BE49-F238E27FC236}">
+              <a16:creationId xmlns:a16="http://schemas.microsoft.com/office/drawing/2014/main" id="{45B7F543-1F4B-8205-1781-19C53AD1F646}"/>
+            </a:ext>
+          </a:extLst>
+        </p:cNvPr>
+        <p:cNvGrpSpPr/>
+        <p:nvPr/>
+      </p:nvGrpSpPr>
+      <p:grpSpPr>
+        <a:xfrm>
+          <a:off x="0" y="0"/>
+          <a:ext cx="0" cy="0"/>
+          <a:chOff x="0" y="0"/>
+          <a:chExt cx="0" cy="0"/>
+        </a:xfrm>
+      </p:grpSpPr>
+      <p:sp>
+        <p:nvSpPr>
+          <p:cNvPr id="2" name="직사각형 1">
+            <a:extLst>
+              <a:ext uri="{FF2B5EF4-FFF2-40B4-BE49-F238E27FC236}">
+                <a16:creationId xmlns:a16="http://schemas.microsoft.com/office/drawing/2014/main" id="{74F02A2D-768E-7130-C4C8-699F050E06D9}"/>
+              </a:ext>
+            </a:extLst>
+          </p:cNvPr>
+          <p:cNvSpPr/>
+          <p:nvPr/>
+        </p:nvSpPr>
+        <p:spPr>
+          <a:xfrm>
+            <a:off x="237835" y="143165"/>
+            <a:ext cx="6855691" cy="420253"/>
+          </a:xfrm>
+          <a:prstGeom prst="rect">
+            <a:avLst/>
+          </a:prstGeom>
+          <a:noFill/>
+          <a:ln w="38100">
+            <a:noFill/>
+          </a:ln>
+        </p:spPr>
+        <p:style>
+          <a:lnRef idx="2">
+            <a:schemeClr val="accent1">
+              <a:shade val="15000"/>
+            </a:schemeClr>
+          </a:lnRef>
+          <a:fillRef idx="1">
+            <a:schemeClr val="accent1"/>
+          </a:fillRef>
+          <a:effectRef idx="0">
+            <a:schemeClr val="accent1"/>
+          </a:effectRef>
+          <a:fontRef idx="minor">
+            <a:schemeClr val="lt1"/>
+          </a:fontRef>
+        </p:style>
+        <p:txBody>
+          <a:bodyPr rtlCol="0" anchor="t"/>
+          <a:lstStyle/>
+          <a:p>
+            <a:r>
+              <a:rPr lang="en-US" altLang="ko-KR" sz="2400" dirty="0">
+                <a:solidFill>
+                  <a:schemeClr val="bg1">
+                    <a:lumMod val="50000"/>
+                  </a:schemeClr>
+                </a:solidFill>
+              </a:rPr>
+              <a:t>CASE) Business </a:t>
+            </a:r>
+            <a:r>
+              <a:rPr lang="ko-KR" altLang="en-US" sz="2400" dirty="0">
+                <a:solidFill>
+                  <a:schemeClr val="bg1">
+                    <a:lumMod val="50000"/>
+                  </a:schemeClr>
+                </a:solidFill>
+              </a:rPr>
+              <a:t>영역 외 질문 </a:t>
+            </a:r>
+            <a:r>
+              <a:rPr lang="en-US" altLang="ko-KR" sz="2400" dirty="0">
+                <a:solidFill>
+                  <a:schemeClr val="bg1">
+                    <a:lumMod val="50000"/>
+                  </a:schemeClr>
+                </a:solidFill>
+              </a:rPr>
+              <a:t>=&gt; </a:t>
+            </a:r>
+            <a:r>
+              <a:rPr lang="ko-KR" altLang="en-US" sz="2400" dirty="0" err="1">
+                <a:solidFill>
+                  <a:schemeClr val="bg1">
+                    <a:lumMod val="50000"/>
+                  </a:schemeClr>
+                </a:solidFill>
+              </a:rPr>
+              <a:t>거부해야함</a:t>
+            </a:r>
+            <a:endParaRPr lang="en-US" altLang="ko-KR" sz="2400" dirty="0">
+              <a:solidFill>
+                <a:schemeClr val="bg1">
+                  <a:lumMod val="50000"/>
+                </a:schemeClr>
+              </a:solidFill>
+            </a:endParaRPr>
+          </a:p>
+        </p:txBody>
+      </p:sp>
+    </p:spTree>
+    <p:extLst>
+      <p:ext uri="{BB962C8B-B14F-4D97-AF65-F5344CB8AC3E}">
+        <p14:creationId xmlns:p14="http://schemas.microsoft.com/office/powerpoint/2010/main" val="1108970442"/>
+      </p:ext>
+    </p:extLst>
+  </p:cSld>
+  <p:clrMapOvr>
+    <a:masterClrMapping/>
+  </p:clrMapOvr>
+</p:sld>
+</file>
+
+<file path=ppt/slides/slide28.xml><?xml version="1.0" encoding="utf-8"?>
 <p:sld xmlns:a="http://schemas.openxmlformats.org/drawingml/2006/main" xmlns:r="http://schemas.openxmlformats.org/officeDocument/2006/relationships" xmlns:p="http://schemas.openxmlformats.org/presentationml/2006/main">
   <p:cSld>
     <p:spTree>
@@ -20427,338 +24830,6 @@
     <p:extLst>
       <p:ext uri="{BB962C8B-B14F-4D97-AF65-F5344CB8AC3E}">
         <p14:creationId xmlns:p14="http://schemas.microsoft.com/office/powerpoint/2010/main" val="1763900277"/>
-      </p:ext>
-    </p:extLst>
-  </p:cSld>
-  <p:clrMapOvr>
-    <a:masterClrMapping/>
-  </p:clrMapOvr>
-</p:sld>
-</file>
-
-<file path=ppt/slides/slide22.xml><?xml version="1.0" encoding="utf-8"?>
-<p:sld xmlns:a="http://schemas.openxmlformats.org/drawingml/2006/main" xmlns:r="http://schemas.openxmlformats.org/officeDocument/2006/relationships" xmlns:p="http://schemas.openxmlformats.org/presentationml/2006/main">
-  <p:cSld>
-    <p:spTree>
-      <p:nvGrpSpPr>
-        <p:cNvPr id="1" name="">
-          <a:extLst>
-            <a:ext uri="{FF2B5EF4-FFF2-40B4-BE49-F238E27FC236}">
-              <a16:creationId xmlns:a16="http://schemas.microsoft.com/office/drawing/2014/main" id="{C451B640-478C-E21A-D406-A0522F44B565}"/>
-            </a:ext>
-          </a:extLst>
-        </p:cNvPr>
-        <p:cNvGrpSpPr/>
-        <p:nvPr/>
-      </p:nvGrpSpPr>
-      <p:grpSpPr>
-        <a:xfrm>
-          <a:off x="0" y="0"/>
-          <a:ext cx="0" cy="0"/>
-          <a:chOff x="0" y="0"/>
-          <a:chExt cx="0" cy="0"/>
-        </a:xfrm>
-      </p:grpSpPr>
-      <p:sp>
-        <p:nvSpPr>
-          <p:cNvPr id="2" name="직사각형 1">
-            <a:extLst>
-              <a:ext uri="{FF2B5EF4-FFF2-40B4-BE49-F238E27FC236}">
-                <a16:creationId xmlns:a16="http://schemas.microsoft.com/office/drawing/2014/main" id="{A614B89F-9785-07AA-BB4E-0B58EF5BF62F}"/>
-              </a:ext>
-            </a:extLst>
-          </p:cNvPr>
-          <p:cNvSpPr/>
-          <p:nvPr/>
-        </p:nvSpPr>
-        <p:spPr>
-          <a:xfrm>
-            <a:off x="237835" y="143165"/>
-            <a:ext cx="6855691" cy="420253"/>
-          </a:xfrm>
-          <a:prstGeom prst="rect">
-            <a:avLst/>
-          </a:prstGeom>
-          <a:noFill/>
-          <a:ln w="38100">
-            <a:noFill/>
-          </a:ln>
-        </p:spPr>
-        <p:style>
-          <a:lnRef idx="2">
-            <a:schemeClr val="accent1">
-              <a:shade val="15000"/>
-            </a:schemeClr>
-          </a:lnRef>
-          <a:fillRef idx="1">
-            <a:schemeClr val="accent1"/>
-          </a:fillRef>
-          <a:effectRef idx="0">
-            <a:schemeClr val="accent1"/>
-          </a:effectRef>
-          <a:fontRef idx="minor">
-            <a:schemeClr val="lt1"/>
-          </a:fontRef>
-        </p:style>
-        <p:txBody>
-          <a:bodyPr rtlCol="0" anchor="t"/>
-          <a:lstStyle/>
-          <a:p>
-            <a:r>
-              <a:rPr lang="en-US" altLang="ko-KR" sz="2400" dirty="0">
-                <a:solidFill>
-                  <a:schemeClr val="bg1">
-                    <a:lumMod val="50000"/>
-                  </a:schemeClr>
-                </a:solidFill>
-              </a:rPr>
-              <a:t>CASE) API </a:t>
-            </a:r>
-            <a:r>
-              <a:rPr lang="ko-KR" altLang="en-US" sz="2400" dirty="0">
-                <a:solidFill>
-                  <a:schemeClr val="bg1">
-                    <a:lumMod val="50000"/>
-                  </a:schemeClr>
-                </a:solidFill>
-              </a:rPr>
-              <a:t>연계가 필요한 질문</a:t>
-            </a:r>
-            <a:endParaRPr lang="en-US" altLang="ko-KR" sz="2400" dirty="0">
-              <a:solidFill>
-                <a:schemeClr val="bg1">
-                  <a:lumMod val="50000"/>
-                </a:schemeClr>
-              </a:solidFill>
-            </a:endParaRPr>
-          </a:p>
-          <a:p>
-            <a:pPr marL="0" marR="0" lvl="0" indent="0" algn="l" defTabSz="914400" rtl="0" eaLnBrk="1" fontAlgn="auto" latinLnBrk="1" hangingPunct="1">
-              <a:lnSpc>
-                <a:spcPct val="100000"/>
-              </a:lnSpc>
-              <a:spcBef>
-                <a:spcPts val="0"/>
-              </a:spcBef>
-              <a:spcAft>
-                <a:spcPts val="0"/>
-              </a:spcAft>
-              <a:buClrTx/>
-              <a:buSzTx/>
-              <a:buFontTx/>
-              <a:buNone/>
-              <a:tabLst/>
-              <a:defRPr/>
-            </a:pPr>
-            <a:r>
-              <a:rPr kumimoji="0" lang="en-US" altLang="ko-KR" sz="1600" b="0" i="0" u="none" strike="noStrike" kern="1200" cap="none" spc="0" normalizeH="0" baseline="0" noProof="0" dirty="0">
-                <a:ln>
-                  <a:noFill/>
-                </a:ln>
-                <a:solidFill>
-                  <a:prstClr val="white">
-                    <a:lumMod val="50000"/>
-                  </a:prstClr>
-                </a:solidFill>
-                <a:effectLst/>
-                <a:uLnTx/>
-                <a:uFillTx/>
-                <a:latin typeface="맑은 고딕" panose="020F0502020204030204"/>
-                <a:ea typeface="맑은 고딕" panose="020B0503020000020004" pitchFamily="50" charset="-127"/>
-                <a:cs typeface="+mn-cs"/>
-              </a:rPr>
-              <a:t>ex) </a:t>
-            </a:r>
-            <a:r>
-              <a:rPr kumimoji="0" lang="ko-KR" altLang="en-US" sz="1600" b="0" i="0" u="none" strike="noStrike" kern="1200" cap="none" spc="0" normalizeH="0" baseline="0" noProof="0" dirty="0">
-                <a:ln>
-                  <a:noFill/>
-                </a:ln>
-                <a:solidFill>
-                  <a:prstClr val="white">
-                    <a:lumMod val="50000"/>
-                  </a:prstClr>
-                </a:solidFill>
-                <a:effectLst/>
-                <a:uLnTx/>
-                <a:uFillTx/>
-                <a:latin typeface="맑은 고딕" panose="020F0502020204030204"/>
-                <a:ea typeface="맑은 고딕" panose="020B0503020000020004" pitchFamily="50" charset="-127"/>
-                <a:cs typeface="+mn-cs"/>
-              </a:rPr>
-              <a:t>다른 사이트와</a:t>
-            </a:r>
-            <a:r>
-              <a:rPr lang="en-US" altLang="ko-KR" sz="1600" dirty="0">
-                <a:solidFill>
-                  <a:prstClr val="white">
-                    <a:lumMod val="50000"/>
-                  </a:prstClr>
-                </a:solidFill>
-                <a:latin typeface="맑은 고딕" panose="020F0502020204030204"/>
-                <a:ea typeface="맑은 고딕" panose="020B0503020000020004" pitchFamily="50" charset="-127"/>
-              </a:rPr>
-              <a:t> </a:t>
-            </a:r>
-            <a:r>
-              <a:rPr lang="ko-KR" altLang="en-US" sz="1600" dirty="0">
-                <a:solidFill>
-                  <a:prstClr val="white">
-                    <a:lumMod val="50000"/>
-                  </a:prstClr>
-                </a:solidFill>
-                <a:latin typeface="맑은 고딕" panose="020F0502020204030204"/>
-                <a:ea typeface="맑은 고딕" panose="020B0503020000020004" pitchFamily="50" charset="-127"/>
-              </a:rPr>
-              <a:t>최저가 비교</a:t>
-            </a:r>
-            <a:endParaRPr lang="en-US" altLang="ko-KR" sz="1600" dirty="0">
-              <a:solidFill>
-                <a:prstClr val="white">
-                  <a:lumMod val="50000"/>
-                </a:prstClr>
-              </a:solidFill>
-              <a:latin typeface="맑은 고딕" panose="020F0502020204030204"/>
-              <a:ea typeface="맑은 고딕" panose="020B0503020000020004" pitchFamily="50" charset="-127"/>
-            </a:endParaRPr>
-          </a:p>
-        </p:txBody>
-      </p:sp>
-    </p:spTree>
-    <p:extLst>
-      <p:ext uri="{BB962C8B-B14F-4D97-AF65-F5344CB8AC3E}">
-        <p14:creationId xmlns:p14="http://schemas.microsoft.com/office/powerpoint/2010/main" val="641234972"/>
-      </p:ext>
-    </p:extLst>
-  </p:cSld>
-  <p:clrMapOvr>
-    <a:masterClrMapping/>
-  </p:clrMapOvr>
-</p:sld>
-</file>
-
-<file path=ppt/slides/slide23.xml><?xml version="1.0" encoding="utf-8"?>
-<p:sld xmlns:a="http://schemas.openxmlformats.org/drawingml/2006/main" xmlns:r="http://schemas.openxmlformats.org/officeDocument/2006/relationships" xmlns:p="http://schemas.openxmlformats.org/presentationml/2006/main">
-  <p:cSld>
-    <p:spTree>
-      <p:nvGrpSpPr>
-        <p:cNvPr id="1" name="">
-          <a:extLst>
-            <a:ext uri="{FF2B5EF4-FFF2-40B4-BE49-F238E27FC236}">
-              <a16:creationId xmlns:a16="http://schemas.microsoft.com/office/drawing/2014/main" id="{45B7F543-1F4B-8205-1781-19C53AD1F646}"/>
-            </a:ext>
-          </a:extLst>
-        </p:cNvPr>
-        <p:cNvGrpSpPr/>
-        <p:nvPr/>
-      </p:nvGrpSpPr>
-      <p:grpSpPr>
-        <a:xfrm>
-          <a:off x="0" y="0"/>
-          <a:ext cx="0" cy="0"/>
-          <a:chOff x="0" y="0"/>
-          <a:chExt cx="0" cy="0"/>
-        </a:xfrm>
-      </p:grpSpPr>
-      <p:sp>
-        <p:nvSpPr>
-          <p:cNvPr id="2" name="직사각형 1">
-            <a:extLst>
-              <a:ext uri="{FF2B5EF4-FFF2-40B4-BE49-F238E27FC236}">
-                <a16:creationId xmlns:a16="http://schemas.microsoft.com/office/drawing/2014/main" id="{74F02A2D-768E-7130-C4C8-699F050E06D9}"/>
-              </a:ext>
-            </a:extLst>
-          </p:cNvPr>
-          <p:cNvSpPr/>
-          <p:nvPr/>
-        </p:nvSpPr>
-        <p:spPr>
-          <a:xfrm>
-            <a:off x="237835" y="143165"/>
-            <a:ext cx="6855691" cy="420253"/>
-          </a:xfrm>
-          <a:prstGeom prst="rect">
-            <a:avLst/>
-          </a:prstGeom>
-          <a:noFill/>
-          <a:ln w="38100">
-            <a:noFill/>
-          </a:ln>
-        </p:spPr>
-        <p:style>
-          <a:lnRef idx="2">
-            <a:schemeClr val="accent1">
-              <a:shade val="15000"/>
-            </a:schemeClr>
-          </a:lnRef>
-          <a:fillRef idx="1">
-            <a:schemeClr val="accent1"/>
-          </a:fillRef>
-          <a:effectRef idx="0">
-            <a:schemeClr val="accent1"/>
-          </a:effectRef>
-          <a:fontRef idx="minor">
-            <a:schemeClr val="lt1"/>
-          </a:fontRef>
-        </p:style>
-        <p:txBody>
-          <a:bodyPr rtlCol="0" anchor="t"/>
-          <a:lstStyle/>
-          <a:p>
-            <a:r>
-              <a:rPr lang="en-US" altLang="ko-KR" sz="2400" dirty="0">
-                <a:solidFill>
-                  <a:schemeClr val="bg1">
-                    <a:lumMod val="50000"/>
-                  </a:schemeClr>
-                </a:solidFill>
-              </a:rPr>
-              <a:t>CASE) Business </a:t>
-            </a:r>
-            <a:r>
-              <a:rPr lang="ko-KR" altLang="en-US" sz="2400" dirty="0">
-                <a:solidFill>
-                  <a:schemeClr val="bg1">
-                    <a:lumMod val="50000"/>
-                  </a:schemeClr>
-                </a:solidFill>
-              </a:rPr>
-              <a:t>영역 외 질문 </a:t>
-            </a:r>
-            <a:r>
-              <a:rPr lang="en-US" altLang="ko-KR" sz="2400" dirty="0">
-                <a:solidFill>
-                  <a:schemeClr val="bg1">
-                    <a:lumMod val="50000"/>
-                  </a:schemeClr>
-                </a:solidFill>
-              </a:rPr>
-              <a:t>=&gt; </a:t>
-            </a:r>
-            <a:r>
-              <a:rPr lang="ko-KR" altLang="en-US" sz="2400" dirty="0" err="1">
-                <a:solidFill>
-                  <a:schemeClr val="bg1">
-                    <a:lumMod val="50000"/>
-                  </a:schemeClr>
-                </a:solidFill>
-              </a:rPr>
-              <a:t>거부해야함</a:t>
-            </a:r>
-            <a:endParaRPr lang="en-US" altLang="ko-KR" sz="2400" dirty="0">
-              <a:solidFill>
-                <a:schemeClr val="bg1">
-                  <a:lumMod val="50000"/>
-                </a:schemeClr>
-              </a:solidFill>
-            </a:endParaRPr>
-          </a:p>
-        </p:txBody>
-      </p:sp>
-    </p:spTree>
-    <p:extLst>
-      <p:ext uri="{BB962C8B-B14F-4D97-AF65-F5344CB8AC3E}">
-        <p14:creationId xmlns:p14="http://schemas.microsoft.com/office/powerpoint/2010/main" val="1108970442"/>
       </p:ext>
     </p:extLst>
   </p:cSld>
@@ -26120,7 +30191,7 @@
         <p:cNvPr id="1" name="">
           <a:extLst>
             <a:ext uri="{FF2B5EF4-FFF2-40B4-BE49-F238E27FC236}">
-              <a16:creationId xmlns:a16="http://schemas.microsoft.com/office/drawing/2014/main" id="{4C4B39F6-85FE-A7D8-C2C8-5369F9CAF3BA}"/>
+              <a16:creationId xmlns:a16="http://schemas.microsoft.com/office/drawing/2014/main" id="{93C233C4-844E-209B-B8F3-DEC21267C6F9}"/>
             </a:ext>
           </a:extLst>
         </p:cNvPr>
@@ -26140,7 +30211,7 @@
           <p:cNvPr id="13" name="직사각형 12">
             <a:extLst>
               <a:ext uri="{FF2B5EF4-FFF2-40B4-BE49-F238E27FC236}">
-                <a16:creationId xmlns:a16="http://schemas.microsoft.com/office/drawing/2014/main" id="{9FD7DF29-6F36-78EB-FF0A-B5F38625A9C2}"/>
+                <a16:creationId xmlns:a16="http://schemas.microsoft.com/office/drawing/2014/main" id="{1D0B25BF-D479-B9B8-3924-64ABA162222D}"/>
               </a:ext>
             </a:extLst>
           </p:cNvPr>
@@ -26149,8 +30220,8 @@
         </p:nvSpPr>
         <p:spPr>
           <a:xfrm>
-            <a:off x="581891" y="834678"/>
-            <a:ext cx="11000508" cy="4471497"/>
+            <a:off x="581891" y="834679"/>
+            <a:ext cx="11000508" cy="2594322"/>
           </a:xfrm>
           <a:prstGeom prst="rect">
             <a:avLst/>
@@ -26198,7 +30269,7 @@
           <p:cNvPr id="9" name="직사각형 8">
             <a:extLst>
               <a:ext uri="{FF2B5EF4-FFF2-40B4-BE49-F238E27FC236}">
-                <a16:creationId xmlns:a16="http://schemas.microsoft.com/office/drawing/2014/main" id="{689FD6F3-1634-A1FF-7A03-B08627E9DDC3}"/>
+                <a16:creationId xmlns:a16="http://schemas.microsoft.com/office/drawing/2014/main" id="{43E39D78-6069-2E41-4FBA-643968F99D2F}"/>
               </a:ext>
             </a:extLst>
           </p:cNvPr>
@@ -26246,7 +30317,7 @@
                   </a:schemeClr>
                 </a:solidFill>
               </a:rPr>
-              <a:t>마이페이지 </a:t>
+              <a:t>정보 </a:t>
             </a:r>
             <a:r>
               <a:rPr lang="en-US" altLang="ko-KR" sz="2400" dirty="0">
@@ -26266,7 +30337,7 @@
                   </a:schemeClr>
                 </a:solidFill>
               </a:rPr>
-              <a:t>사용자정보</a:t>
+              <a:t>비밀번호변경</a:t>
             </a:r>
             <a:endParaRPr lang="en-US" altLang="ko-KR" sz="2400" dirty="0">
               <a:solidFill>
@@ -26280,10 +30351,10 @@
       </p:sp>
       <p:sp>
         <p:nvSpPr>
-          <p:cNvPr id="10" name="직사각형 9">
-            <a:extLst>
-              <a:ext uri="{FF2B5EF4-FFF2-40B4-BE49-F238E27FC236}">
-                <a16:creationId xmlns:a16="http://schemas.microsoft.com/office/drawing/2014/main" id="{7CCA139E-AF62-7696-E664-E25207CCA6CA}"/>
+          <p:cNvPr id="2" name="직사각형 1">
+            <a:extLst>
+              <a:ext uri="{FF2B5EF4-FFF2-40B4-BE49-F238E27FC236}">
+                <a16:creationId xmlns:a16="http://schemas.microsoft.com/office/drawing/2014/main" id="{F9F7E12D-F4D3-8E1C-E604-6E6D72C94470}"/>
               </a:ext>
             </a:extLst>
           </p:cNvPr>
@@ -26292,8 +30363,8 @@
         </p:nvSpPr>
         <p:spPr>
           <a:xfrm>
-            <a:off x="2140527" y="1055253"/>
-            <a:ext cx="2773219" cy="415638"/>
+            <a:off x="1401617" y="1095720"/>
+            <a:ext cx="1655619" cy="415638"/>
           </a:xfrm>
           <a:prstGeom prst="rect">
             <a:avLst/>
@@ -26324,13 +30395,61 @@
           <a:lstStyle/>
           <a:p>
             <a:r>
-              <a:rPr lang="en-US" altLang="ko-KR" dirty="0">
+              <a:rPr lang="ko-KR" altLang="en-US" dirty="0">
                 <a:solidFill>
                   <a:schemeClr val="tx1"/>
                 </a:solidFill>
               </a:rPr>
-              <a:t>id1234</a:t>
-            </a:r>
+              <a:t>기존 비밀번호</a:t>
+            </a:r>
+          </a:p>
+        </p:txBody>
+      </p:sp>
+      <p:sp>
+        <p:nvSpPr>
+          <p:cNvPr id="11" name="직사각형 10">
+            <a:extLst>
+              <a:ext uri="{FF2B5EF4-FFF2-40B4-BE49-F238E27FC236}">
+                <a16:creationId xmlns:a16="http://schemas.microsoft.com/office/drawing/2014/main" id="{E1D732DE-3078-8327-146A-9ED140F7CBAA}"/>
+              </a:ext>
+            </a:extLst>
+          </p:cNvPr>
+          <p:cNvSpPr/>
+          <p:nvPr/>
+        </p:nvSpPr>
+        <p:spPr>
+          <a:xfrm>
+            <a:off x="3140364" y="1088912"/>
+            <a:ext cx="8266545" cy="429255"/>
+          </a:xfrm>
+          <a:prstGeom prst="rect">
+            <a:avLst/>
+          </a:prstGeom>
+          <a:solidFill>
+            <a:schemeClr val="bg1"/>
+          </a:solidFill>
+          <a:ln w="38100"/>
+        </p:spPr>
+        <p:style>
+          <a:lnRef idx="2">
+            <a:schemeClr val="accent1">
+              <a:shade val="15000"/>
+            </a:schemeClr>
+          </a:lnRef>
+          <a:fillRef idx="1">
+            <a:schemeClr val="accent1"/>
+          </a:fillRef>
+          <a:effectRef idx="0">
+            <a:schemeClr val="accent1"/>
+          </a:effectRef>
+          <a:fontRef idx="minor">
+            <a:schemeClr val="lt1"/>
+          </a:fontRef>
+        </p:style>
+        <p:txBody>
+          <a:bodyPr rtlCol="0" anchor="ctr"/>
+          <a:lstStyle/>
+          <a:p>
             <a:endParaRPr lang="ko-KR" altLang="en-US" dirty="0">
               <a:solidFill>
                 <a:schemeClr val="tx1"/>
@@ -26341,10 +30460,10 @@
       </p:sp>
       <p:sp>
         <p:nvSpPr>
-          <p:cNvPr id="2" name="직사각형 1">
-            <a:extLst>
-              <a:ext uri="{FF2B5EF4-FFF2-40B4-BE49-F238E27FC236}">
-                <a16:creationId xmlns:a16="http://schemas.microsoft.com/office/drawing/2014/main" id="{845C1102-C039-3B4A-D013-D86576598DFA}"/>
+          <p:cNvPr id="15" name="직사각형 14">
+            <a:extLst>
+              <a:ext uri="{FF2B5EF4-FFF2-40B4-BE49-F238E27FC236}">
+                <a16:creationId xmlns:a16="http://schemas.microsoft.com/office/drawing/2014/main" id="{1FEC7CF9-E179-7A69-EFE6-CC6818F6495D}"/>
               </a:ext>
             </a:extLst>
           </p:cNvPr>
@@ -26353,228 +30472,7 @@
         </p:nvSpPr>
         <p:spPr>
           <a:xfrm>
-            <a:off x="912090" y="1055253"/>
-            <a:ext cx="1138383" cy="415638"/>
-          </a:xfrm>
-          <a:prstGeom prst="rect">
-            <a:avLst/>
-          </a:prstGeom>
-          <a:noFill/>
-          <a:ln w="38100">
-            <a:noFill/>
-          </a:ln>
-        </p:spPr>
-        <p:style>
-          <a:lnRef idx="2">
-            <a:schemeClr val="accent1">
-              <a:shade val="15000"/>
-            </a:schemeClr>
-          </a:lnRef>
-          <a:fillRef idx="1">
-            <a:schemeClr val="accent1"/>
-          </a:fillRef>
-          <a:effectRef idx="0">
-            <a:schemeClr val="accent1"/>
-          </a:effectRef>
-          <a:fontRef idx="minor">
-            <a:schemeClr val="lt1"/>
-          </a:fontRef>
-        </p:style>
-        <p:txBody>
-          <a:bodyPr rtlCol="0" anchor="ctr"/>
-          <a:lstStyle/>
-          <a:p>
-            <a:r>
-              <a:rPr lang="ko-KR" altLang="en-US" dirty="0">
-                <a:solidFill>
-                  <a:schemeClr val="tx1"/>
-                </a:solidFill>
-              </a:rPr>
-              <a:t>아이디</a:t>
-            </a:r>
-          </a:p>
-        </p:txBody>
-      </p:sp>
-      <p:sp>
-        <p:nvSpPr>
-          <p:cNvPr id="8" name="직사각형 7">
-            <a:extLst>
-              <a:ext uri="{FF2B5EF4-FFF2-40B4-BE49-F238E27FC236}">
-                <a16:creationId xmlns:a16="http://schemas.microsoft.com/office/drawing/2014/main" id="{F9AF47BB-E654-C56D-3910-53E0780E2610}"/>
-              </a:ext>
-            </a:extLst>
-          </p:cNvPr>
-          <p:cNvSpPr/>
-          <p:nvPr/>
-        </p:nvSpPr>
-        <p:spPr>
-          <a:xfrm>
-            <a:off x="912090" y="1551825"/>
-            <a:ext cx="1138383" cy="415638"/>
-          </a:xfrm>
-          <a:prstGeom prst="rect">
-            <a:avLst/>
-          </a:prstGeom>
-          <a:noFill/>
-          <a:ln w="38100">
-            <a:noFill/>
-          </a:ln>
-        </p:spPr>
-        <p:style>
-          <a:lnRef idx="2">
-            <a:schemeClr val="accent1">
-              <a:shade val="15000"/>
-            </a:schemeClr>
-          </a:lnRef>
-          <a:fillRef idx="1">
-            <a:schemeClr val="accent1"/>
-          </a:fillRef>
-          <a:effectRef idx="0">
-            <a:schemeClr val="accent1"/>
-          </a:effectRef>
-          <a:fontRef idx="minor">
-            <a:schemeClr val="lt1"/>
-          </a:fontRef>
-        </p:style>
-        <p:txBody>
-          <a:bodyPr rtlCol="0" anchor="ctr"/>
-          <a:lstStyle/>
-          <a:p>
-            <a:r>
-              <a:rPr lang="ko-KR" altLang="en-US" dirty="0">
-                <a:solidFill>
-                  <a:schemeClr val="tx1"/>
-                </a:solidFill>
-              </a:rPr>
-              <a:t>별명</a:t>
-            </a:r>
-          </a:p>
-        </p:txBody>
-      </p:sp>
-      <p:sp>
-        <p:nvSpPr>
-          <p:cNvPr id="11" name="직사각형 10">
-            <a:extLst>
-              <a:ext uri="{FF2B5EF4-FFF2-40B4-BE49-F238E27FC236}">
-                <a16:creationId xmlns:a16="http://schemas.microsoft.com/office/drawing/2014/main" id="{1AE29025-2978-6C47-B004-47BB36EB5A47}"/>
-              </a:ext>
-            </a:extLst>
-          </p:cNvPr>
-          <p:cNvSpPr/>
-          <p:nvPr/>
-        </p:nvSpPr>
-        <p:spPr>
-          <a:xfrm>
-            <a:off x="2140527" y="2886715"/>
-            <a:ext cx="9266382" cy="1454376"/>
-          </a:xfrm>
-          <a:prstGeom prst="rect">
-            <a:avLst/>
-          </a:prstGeom>
-          <a:solidFill>
-            <a:schemeClr val="bg1"/>
-          </a:solidFill>
-          <a:ln w="38100"/>
-        </p:spPr>
-        <p:style>
-          <a:lnRef idx="2">
-            <a:schemeClr val="accent1">
-              <a:shade val="15000"/>
-            </a:schemeClr>
-          </a:lnRef>
-          <a:fillRef idx="1">
-            <a:schemeClr val="accent1"/>
-          </a:fillRef>
-          <a:effectRef idx="0">
-            <a:schemeClr val="accent1"/>
-          </a:effectRef>
-          <a:fontRef idx="minor">
-            <a:schemeClr val="lt1"/>
-          </a:fontRef>
-        </p:style>
-        <p:txBody>
-          <a:bodyPr rtlCol="0" anchor="ctr"/>
-          <a:lstStyle/>
-          <a:p>
-            <a:endParaRPr lang="ko-KR" altLang="en-US" dirty="0">
-              <a:solidFill>
-                <a:schemeClr val="tx1"/>
-              </a:solidFill>
-            </a:endParaRPr>
-          </a:p>
-        </p:txBody>
-      </p:sp>
-      <p:sp>
-        <p:nvSpPr>
-          <p:cNvPr id="12" name="직사각형 11">
-            <a:extLst>
-              <a:ext uri="{FF2B5EF4-FFF2-40B4-BE49-F238E27FC236}">
-                <a16:creationId xmlns:a16="http://schemas.microsoft.com/office/drawing/2014/main" id="{F9723054-93C8-5C54-3223-8261D07CDB96}"/>
-              </a:ext>
-            </a:extLst>
-          </p:cNvPr>
-          <p:cNvSpPr/>
-          <p:nvPr/>
-        </p:nvSpPr>
-        <p:spPr>
-          <a:xfrm>
-            <a:off x="912090" y="2886715"/>
-            <a:ext cx="1138383" cy="415638"/>
-          </a:xfrm>
-          <a:prstGeom prst="rect">
-            <a:avLst/>
-          </a:prstGeom>
-          <a:noFill/>
-          <a:ln w="38100">
-            <a:noFill/>
-          </a:ln>
-        </p:spPr>
-        <p:style>
-          <a:lnRef idx="2">
-            <a:schemeClr val="accent1">
-              <a:shade val="15000"/>
-            </a:schemeClr>
-          </a:lnRef>
-          <a:fillRef idx="1">
-            <a:schemeClr val="accent1"/>
-          </a:fillRef>
-          <a:effectRef idx="0">
-            <a:schemeClr val="accent1"/>
-          </a:effectRef>
-          <a:fontRef idx="minor">
-            <a:schemeClr val="lt1"/>
-          </a:fontRef>
-        </p:style>
-        <p:txBody>
-          <a:bodyPr rtlCol="0" anchor="ctr"/>
-          <a:lstStyle/>
-          <a:p>
-            <a:r>
-              <a:rPr lang="ko-KR" altLang="en-US" dirty="0">
-                <a:solidFill>
-                  <a:schemeClr val="tx1"/>
-                </a:solidFill>
-              </a:rPr>
-              <a:t>메모</a:t>
-            </a:r>
-          </a:p>
-        </p:txBody>
-      </p:sp>
-      <p:sp>
-        <p:nvSpPr>
-          <p:cNvPr id="4" name="직사각형 3">
-            <a:extLst>
-              <a:ext uri="{FF2B5EF4-FFF2-40B4-BE49-F238E27FC236}">
-                <a16:creationId xmlns:a16="http://schemas.microsoft.com/office/drawing/2014/main" id="{AC4C3864-1B78-85B2-C9F8-195C7C67B1A0}"/>
-              </a:ext>
-            </a:extLst>
-          </p:cNvPr>
-          <p:cNvSpPr/>
-          <p:nvPr/>
-        </p:nvSpPr>
-        <p:spPr>
-          <a:xfrm>
-            <a:off x="3941617" y="1581843"/>
+            <a:off x="10268525" y="2792118"/>
             <a:ext cx="1138384" cy="415638"/>
           </a:xfrm>
           <a:prstGeom prst="rect">
@@ -26614,141 +30512,18 @@
           <a:p>
             <a:pPr algn="ctr"/>
             <a:r>
-              <a:rPr lang="ko-KR" altLang="en-US" dirty="0">
+              <a:rPr lang="ko-KR" altLang="en-US">
                 <a:solidFill>
                   <a:schemeClr val="tx1"/>
                 </a:solidFill>
               </a:rPr>
               <a:t>변경하기</a:t>
             </a:r>
-          </a:p>
-        </p:txBody>
-      </p:sp>
-      <p:sp>
-        <p:nvSpPr>
-          <p:cNvPr id="15" name="직사각형 14">
-            <a:extLst>
-              <a:ext uri="{FF2B5EF4-FFF2-40B4-BE49-F238E27FC236}">
-                <a16:creationId xmlns:a16="http://schemas.microsoft.com/office/drawing/2014/main" id="{E0BC15D3-CE98-6CFB-1F4A-F95587D9F5D9}"/>
-              </a:ext>
-            </a:extLst>
-          </p:cNvPr>
-          <p:cNvSpPr/>
-          <p:nvPr/>
-        </p:nvSpPr>
-        <p:spPr>
-          <a:xfrm>
-            <a:off x="4745181" y="4632210"/>
-            <a:ext cx="1138384" cy="415638"/>
-          </a:xfrm>
-          <a:prstGeom prst="rect">
-            <a:avLst/>
-          </a:prstGeom>
-          <a:solidFill>
-            <a:schemeClr val="bg1"/>
-          </a:solidFill>
-          <a:ln w="38100"/>
-          <a:scene3d>
-            <a:camera prst="orthographicFront"/>
-            <a:lightRig rig="threePt" dir="t"/>
-          </a:scene3d>
-          <a:sp3d>
-            <a:bevelT prst="angle"/>
-          </a:sp3d>
-        </p:spPr>
-        <p:style>
-          <a:lnRef idx="2">
-            <a:schemeClr val="accent1">
-              <a:shade val="15000"/>
-            </a:schemeClr>
-          </a:lnRef>
-          <a:fillRef idx="1">
-            <a:schemeClr val="accent1"/>
-          </a:fillRef>
-          <a:effectRef idx="0">
-            <a:schemeClr val="accent1"/>
-          </a:effectRef>
-          <a:fontRef idx="minor">
-            <a:schemeClr val="lt1"/>
-          </a:fontRef>
-        </p:style>
-        <p:txBody>
-          <a:bodyPr rtlCol="0" anchor="ctr"/>
-          <a:lstStyle/>
-          <a:p>
-            <a:pPr algn="ctr"/>
-            <a:r>
-              <a:rPr lang="ko-KR" altLang="en-US" dirty="0">
-                <a:solidFill>
-                  <a:schemeClr val="tx1"/>
-                </a:solidFill>
-              </a:rPr>
-              <a:t>저장</a:t>
-            </a:r>
-          </a:p>
-        </p:txBody>
-      </p:sp>
-      <p:sp>
-        <p:nvSpPr>
-          <p:cNvPr id="16" name="직사각형 15">
-            <a:extLst>
-              <a:ext uri="{FF2B5EF4-FFF2-40B4-BE49-F238E27FC236}">
-                <a16:creationId xmlns:a16="http://schemas.microsoft.com/office/drawing/2014/main" id="{56DB7B11-CEF1-B5F5-2C2D-FBAACE81FB19}"/>
-              </a:ext>
-            </a:extLst>
-          </p:cNvPr>
-          <p:cNvSpPr/>
-          <p:nvPr/>
-        </p:nvSpPr>
-        <p:spPr>
-          <a:xfrm>
-            <a:off x="6082145" y="4632210"/>
-            <a:ext cx="1138384" cy="415638"/>
-          </a:xfrm>
-          <a:prstGeom prst="rect">
-            <a:avLst/>
-          </a:prstGeom>
-          <a:solidFill>
-            <a:schemeClr val="bg1"/>
-          </a:solidFill>
-          <a:ln w="38100"/>
-          <a:scene3d>
-            <a:camera prst="orthographicFront"/>
-            <a:lightRig rig="threePt" dir="t"/>
-          </a:scene3d>
-          <a:sp3d>
-            <a:bevelT prst="angle"/>
-          </a:sp3d>
-        </p:spPr>
-        <p:style>
-          <a:lnRef idx="2">
-            <a:schemeClr val="accent1">
-              <a:shade val="15000"/>
-            </a:schemeClr>
-          </a:lnRef>
-          <a:fillRef idx="1">
-            <a:schemeClr val="accent1"/>
-          </a:fillRef>
-          <a:effectRef idx="0">
-            <a:schemeClr val="accent1"/>
-          </a:effectRef>
-          <a:fontRef idx="minor">
-            <a:schemeClr val="lt1"/>
-          </a:fontRef>
-        </p:style>
-        <p:txBody>
-          <a:bodyPr rtlCol="0" anchor="ctr"/>
-          <a:lstStyle/>
-          <a:p>
-            <a:pPr algn="ctr"/>
-            <a:r>
-              <a:rPr lang="ko-KR" altLang="en-US" dirty="0">
-                <a:solidFill>
-                  <a:schemeClr val="tx1"/>
-                </a:solidFill>
-              </a:rPr>
-              <a:t>돌아가기</a:t>
-            </a:r>
+            <a:endParaRPr lang="ko-KR" altLang="en-US" dirty="0">
+              <a:solidFill>
+                <a:schemeClr val="tx1"/>
+              </a:solidFill>
+            </a:endParaRPr>
           </a:p>
         </p:txBody>
       </p:sp>
@@ -26757,7 +30532,7 @@
           <p:cNvPr id="17" name="직사각형 16">
             <a:extLst>
               <a:ext uri="{FF2B5EF4-FFF2-40B4-BE49-F238E27FC236}">
-                <a16:creationId xmlns:a16="http://schemas.microsoft.com/office/drawing/2014/main" id="{5DF29D7B-38D6-2595-EB1E-77706AD43D8B}"/>
+                <a16:creationId xmlns:a16="http://schemas.microsoft.com/office/drawing/2014/main" id="{956D40A5-BC27-D6B6-F6B5-E60DE205CF9B}"/>
               </a:ext>
             </a:extLst>
           </p:cNvPr>
@@ -26814,7 +30589,7 @@
           <p:cNvPr id="18" name="타원 17">
             <a:extLst>
               <a:ext uri="{FF2B5EF4-FFF2-40B4-BE49-F238E27FC236}">
-                <a16:creationId xmlns:a16="http://schemas.microsoft.com/office/drawing/2014/main" id="{1CDA8C77-F92F-8D27-BF8B-3B0AA723A460}"/>
+                <a16:creationId xmlns:a16="http://schemas.microsoft.com/office/drawing/2014/main" id="{D022CE31-4DE8-7095-BF30-D11E654C2B00}"/>
               </a:ext>
             </a:extLst>
           </p:cNvPr>
@@ -26870,7 +30645,7 @@
           <p:cNvPr id="19" name="직사각형 18">
             <a:extLst>
               <a:ext uri="{FF2B5EF4-FFF2-40B4-BE49-F238E27FC236}">
-                <a16:creationId xmlns:a16="http://schemas.microsoft.com/office/drawing/2014/main" id="{AE817F32-5739-BF17-7386-2E0B7A608D1C}"/>
+                <a16:creationId xmlns:a16="http://schemas.microsoft.com/office/drawing/2014/main" id="{513FB516-FB39-303B-3158-9B2026220CCA}"/>
               </a:ext>
             </a:extLst>
           </p:cNvPr>
@@ -26939,303 +30714,10 @@
       </p:sp>
       <p:sp>
         <p:nvSpPr>
-          <p:cNvPr id="3" name="직사각형 2">
-            <a:extLst>
-              <a:ext uri="{FF2B5EF4-FFF2-40B4-BE49-F238E27FC236}">
-                <a16:creationId xmlns:a16="http://schemas.microsoft.com/office/drawing/2014/main" id="{924F757A-AC6F-A572-6155-70F9B1D2FE03}"/>
-              </a:ext>
-            </a:extLst>
-          </p:cNvPr>
-          <p:cNvSpPr/>
-          <p:nvPr/>
-        </p:nvSpPr>
-        <p:spPr>
-          <a:xfrm>
-            <a:off x="912090" y="2078415"/>
-            <a:ext cx="1138383" cy="415638"/>
-          </a:xfrm>
-          <a:prstGeom prst="rect">
-            <a:avLst/>
-          </a:prstGeom>
-          <a:noFill/>
-          <a:ln w="38100">
-            <a:noFill/>
-          </a:ln>
-        </p:spPr>
-        <p:style>
-          <a:lnRef idx="2">
-            <a:schemeClr val="accent1">
-              <a:shade val="15000"/>
-            </a:schemeClr>
-          </a:lnRef>
-          <a:fillRef idx="1">
-            <a:schemeClr val="accent1"/>
-          </a:fillRef>
-          <a:effectRef idx="0">
-            <a:schemeClr val="accent1"/>
-          </a:effectRef>
-          <a:fontRef idx="minor">
-            <a:schemeClr val="lt1"/>
-          </a:fontRef>
-        </p:style>
-        <p:txBody>
-          <a:bodyPr rtlCol="0" anchor="ctr"/>
-          <a:lstStyle/>
-          <a:p>
-            <a:r>
-              <a:rPr lang="ko-KR" altLang="en-US" dirty="0">
-                <a:solidFill>
-                  <a:schemeClr val="tx1"/>
-                </a:solidFill>
-              </a:rPr>
-              <a:t>비밀번호</a:t>
-            </a:r>
-          </a:p>
-        </p:txBody>
-      </p:sp>
-      <p:sp>
-        <p:nvSpPr>
-          <p:cNvPr id="5" name="직사각형 4">
-            <a:extLst>
-              <a:ext uri="{FF2B5EF4-FFF2-40B4-BE49-F238E27FC236}">
-                <a16:creationId xmlns:a16="http://schemas.microsoft.com/office/drawing/2014/main" id="{558021C3-5522-A68A-55CA-9D92DC0B0FCE}"/>
-              </a:ext>
-            </a:extLst>
-          </p:cNvPr>
-          <p:cNvSpPr/>
-          <p:nvPr/>
-        </p:nvSpPr>
-        <p:spPr>
-          <a:xfrm>
-            <a:off x="2140527" y="2108433"/>
-            <a:ext cx="1138384" cy="415638"/>
-          </a:xfrm>
-          <a:prstGeom prst="rect">
-            <a:avLst/>
-          </a:prstGeom>
-          <a:solidFill>
-            <a:schemeClr val="bg1"/>
-          </a:solidFill>
-          <a:ln w="38100"/>
-          <a:scene3d>
-            <a:camera prst="orthographicFront"/>
-            <a:lightRig rig="threePt" dir="t"/>
-          </a:scene3d>
-          <a:sp3d>
-            <a:bevelT prst="angle"/>
-          </a:sp3d>
-        </p:spPr>
-        <p:style>
-          <a:lnRef idx="2">
-            <a:schemeClr val="accent1">
-              <a:shade val="15000"/>
-            </a:schemeClr>
-          </a:lnRef>
-          <a:fillRef idx="1">
-            <a:schemeClr val="accent1"/>
-          </a:fillRef>
-          <a:effectRef idx="0">
-            <a:schemeClr val="accent1"/>
-          </a:effectRef>
-          <a:fontRef idx="minor">
-            <a:schemeClr val="lt1"/>
-          </a:fontRef>
-        </p:style>
-        <p:txBody>
-          <a:bodyPr rtlCol="0" anchor="ctr"/>
-          <a:lstStyle/>
-          <a:p>
-            <a:pPr algn="ctr"/>
-            <a:r>
-              <a:rPr lang="ko-KR" altLang="en-US" dirty="0">
-                <a:solidFill>
-                  <a:schemeClr val="tx1"/>
-                </a:solidFill>
-              </a:rPr>
-              <a:t>변경하기</a:t>
-            </a:r>
-          </a:p>
-        </p:txBody>
-      </p:sp>
-      <p:sp>
-        <p:nvSpPr>
-          <p:cNvPr id="22" name="타원 21">
-            <a:extLst>
-              <a:ext uri="{FF2B5EF4-FFF2-40B4-BE49-F238E27FC236}">
-                <a16:creationId xmlns:a16="http://schemas.microsoft.com/office/drawing/2014/main" id="{F371FE43-63EA-7F82-955C-4A07804DCE8F}"/>
-              </a:ext>
-            </a:extLst>
-          </p:cNvPr>
-          <p:cNvSpPr/>
-          <p:nvPr/>
-        </p:nvSpPr>
-        <p:spPr>
-          <a:xfrm>
-            <a:off x="1958656" y="1957989"/>
-            <a:ext cx="273688" cy="273688"/>
-          </a:xfrm>
-          <a:prstGeom prst="ellipse">
-            <a:avLst/>
-          </a:prstGeom>
-          <a:solidFill>
-            <a:srgbClr val="FF0000"/>
-          </a:solidFill>
-          <a:ln>
-            <a:noFill/>
-          </a:ln>
-        </p:spPr>
-        <p:style>
-          <a:lnRef idx="2">
-            <a:schemeClr val="accent1">
-              <a:shade val="15000"/>
-            </a:schemeClr>
-          </a:lnRef>
-          <a:fillRef idx="1">
-            <a:schemeClr val="accent1"/>
-          </a:fillRef>
-          <a:effectRef idx="0">
-            <a:schemeClr val="accent1"/>
-          </a:effectRef>
-          <a:fontRef idx="minor">
-            <a:schemeClr val="lt1"/>
-          </a:fontRef>
-        </p:style>
-        <p:txBody>
-          <a:bodyPr rtlCol="0" anchor="ctr"/>
-          <a:lstStyle/>
-          <a:p>
-            <a:pPr algn="ctr"/>
-            <a:r>
-              <a:rPr lang="en-US" altLang="ko-KR" dirty="0"/>
-              <a:t>2</a:t>
-            </a:r>
-            <a:endParaRPr lang="ko-KR" altLang="en-US" dirty="0"/>
-          </a:p>
-        </p:txBody>
-      </p:sp>
-      <p:sp>
-        <p:nvSpPr>
-          <p:cNvPr id="6" name="직사각형 5">
-            <a:extLst>
-              <a:ext uri="{FF2B5EF4-FFF2-40B4-BE49-F238E27FC236}">
-                <a16:creationId xmlns:a16="http://schemas.microsoft.com/office/drawing/2014/main" id="{86416B04-39E1-43DD-57A6-117EA546B37D}"/>
-              </a:ext>
-            </a:extLst>
-          </p:cNvPr>
-          <p:cNvSpPr/>
-          <p:nvPr/>
-        </p:nvSpPr>
-        <p:spPr>
-          <a:xfrm>
-            <a:off x="2140527" y="1581843"/>
-            <a:ext cx="2773219" cy="415638"/>
-          </a:xfrm>
-          <a:prstGeom prst="rect">
-            <a:avLst/>
-          </a:prstGeom>
-          <a:noFill/>
-          <a:ln w="38100">
-            <a:noFill/>
-          </a:ln>
-        </p:spPr>
-        <p:style>
-          <a:lnRef idx="2">
-            <a:schemeClr val="accent1">
-              <a:shade val="15000"/>
-            </a:schemeClr>
-          </a:lnRef>
-          <a:fillRef idx="1">
-            <a:schemeClr val="accent1"/>
-          </a:fillRef>
-          <a:effectRef idx="0">
-            <a:schemeClr val="accent1"/>
-          </a:effectRef>
-          <a:fontRef idx="minor">
-            <a:schemeClr val="lt1"/>
-          </a:fontRef>
-        </p:style>
-        <p:txBody>
-          <a:bodyPr rtlCol="0" anchor="ctr"/>
-          <a:lstStyle/>
-          <a:p>
-            <a:r>
-              <a:rPr lang="en-US" altLang="ko-KR" dirty="0">
-                <a:solidFill>
-                  <a:schemeClr val="tx1"/>
-                </a:solidFill>
-              </a:rPr>
-              <a:t>nickname1234</a:t>
-            </a:r>
-            <a:endParaRPr lang="ko-KR" altLang="en-US" dirty="0">
-              <a:solidFill>
-                <a:schemeClr val="tx1"/>
-              </a:solidFill>
-            </a:endParaRPr>
-          </a:p>
-        </p:txBody>
-      </p:sp>
-      <p:sp>
-        <p:nvSpPr>
-          <p:cNvPr id="7" name="타원 6">
-            <a:extLst>
-              <a:ext uri="{FF2B5EF4-FFF2-40B4-BE49-F238E27FC236}">
-                <a16:creationId xmlns:a16="http://schemas.microsoft.com/office/drawing/2014/main" id="{D7F80C16-A63C-78F3-71D1-29116C8CFB5A}"/>
-              </a:ext>
-            </a:extLst>
-          </p:cNvPr>
-          <p:cNvSpPr/>
-          <p:nvPr/>
-        </p:nvSpPr>
-        <p:spPr>
-          <a:xfrm>
-            <a:off x="3775364" y="1396450"/>
-            <a:ext cx="273688" cy="273688"/>
-          </a:xfrm>
-          <a:prstGeom prst="ellipse">
-            <a:avLst/>
-          </a:prstGeom>
-          <a:solidFill>
-            <a:srgbClr val="FF0000"/>
-          </a:solidFill>
-          <a:ln>
-            <a:noFill/>
-          </a:ln>
-        </p:spPr>
-        <p:style>
-          <a:lnRef idx="2">
-            <a:schemeClr val="accent1">
-              <a:shade val="15000"/>
-            </a:schemeClr>
-          </a:lnRef>
-          <a:fillRef idx="1">
-            <a:schemeClr val="accent1"/>
-          </a:fillRef>
-          <a:effectRef idx="0">
-            <a:schemeClr val="accent1"/>
-          </a:effectRef>
-          <a:fontRef idx="minor">
-            <a:schemeClr val="lt1"/>
-          </a:fontRef>
-        </p:style>
-        <p:txBody>
-          <a:bodyPr rtlCol="0" anchor="ctr"/>
-          <a:lstStyle/>
-          <a:p>
-            <a:pPr algn="ctr"/>
-            <a:r>
-              <a:rPr lang="en-US" altLang="ko-KR" dirty="0"/>
-              <a:t>1</a:t>
-            </a:r>
-            <a:endParaRPr lang="ko-KR" altLang="en-US" dirty="0"/>
-          </a:p>
-        </p:txBody>
-      </p:sp>
-      <p:sp>
-        <p:nvSpPr>
           <p:cNvPr id="14" name="직사각형 13">
             <a:extLst>
               <a:ext uri="{FF2B5EF4-FFF2-40B4-BE49-F238E27FC236}">
-                <a16:creationId xmlns:a16="http://schemas.microsoft.com/office/drawing/2014/main" id="{3B92B4B1-EEFC-9A5F-05C0-BA7EDD74325D}"/>
+                <a16:creationId xmlns:a16="http://schemas.microsoft.com/office/drawing/2014/main" id="{22027FE6-3AA7-E506-2A3D-7BC7DC22635E}"/>
               </a:ext>
             </a:extLst>
           </p:cNvPr>
@@ -27292,7 +30774,7 @@
           <p:cNvPr id="20" name="타원 19">
             <a:extLst>
               <a:ext uri="{FF2B5EF4-FFF2-40B4-BE49-F238E27FC236}">
-                <a16:creationId xmlns:a16="http://schemas.microsoft.com/office/drawing/2014/main" id="{D89D9DCC-D6C9-A787-81D8-CFC0054AE552}"/>
+                <a16:creationId xmlns:a16="http://schemas.microsoft.com/office/drawing/2014/main" id="{25BA78BB-8508-4BA7-4AFF-31E1F470E7BE}"/>
               </a:ext>
             </a:extLst>
           </p:cNvPr>
@@ -27348,7 +30830,7 @@
           <p:cNvPr id="21" name="직사각형 20">
             <a:extLst>
               <a:ext uri="{FF2B5EF4-FFF2-40B4-BE49-F238E27FC236}">
-                <a16:creationId xmlns:a16="http://schemas.microsoft.com/office/drawing/2014/main" id="{D133E872-A525-CF77-794D-A248B619E546}"/>
+                <a16:creationId xmlns:a16="http://schemas.microsoft.com/office/drawing/2014/main" id="{F18DE16C-6CD3-7851-60C7-4EBC0F64BF8E}"/>
               </a:ext>
             </a:extLst>
           </p:cNvPr>
@@ -27415,10 +30897,233 @@
           </a:p>
         </p:txBody>
       </p:sp>
+      <p:sp>
+        <p:nvSpPr>
+          <p:cNvPr id="23" name="직사각형 22">
+            <a:extLst>
+              <a:ext uri="{FF2B5EF4-FFF2-40B4-BE49-F238E27FC236}">
+                <a16:creationId xmlns:a16="http://schemas.microsoft.com/office/drawing/2014/main" id="{171D2F69-B9F6-E826-370A-02C33869979F}"/>
+              </a:ext>
+            </a:extLst>
+          </p:cNvPr>
+          <p:cNvSpPr/>
+          <p:nvPr/>
+        </p:nvSpPr>
+        <p:spPr>
+          <a:xfrm>
+            <a:off x="1401617" y="1649781"/>
+            <a:ext cx="1655619" cy="415638"/>
+          </a:xfrm>
+          <a:prstGeom prst="rect">
+            <a:avLst/>
+          </a:prstGeom>
+          <a:noFill/>
+          <a:ln w="38100">
+            <a:noFill/>
+          </a:ln>
+        </p:spPr>
+        <p:style>
+          <a:lnRef idx="2">
+            <a:schemeClr val="accent1">
+              <a:shade val="15000"/>
+            </a:schemeClr>
+          </a:lnRef>
+          <a:fillRef idx="1">
+            <a:schemeClr val="accent1"/>
+          </a:fillRef>
+          <a:effectRef idx="0">
+            <a:schemeClr val="accent1"/>
+          </a:effectRef>
+          <a:fontRef idx="minor">
+            <a:schemeClr val="lt1"/>
+          </a:fontRef>
+        </p:style>
+        <p:txBody>
+          <a:bodyPr rtlCol="0" anchor="ctr"/>
+          <a:lstStyle/>
+          <a:p>
+            <a:r>
+              <a:rPr lang="ko-KR" altLang="en-US" dirty="0">
+                <a:solidFill>
+                  <a:schemeClr val="tx1"/>
+                </a:solidFill>
+              </a:rPr>
+              <a:t>신규 비밀번호</a:t>
+            </a:r>
+          </a:p>
+        </p:txBody>
+      </p:sp>
+      <p:sp>
+        <p:nvSpPr>
+          <p:cNvPr id="24" name="직사각형 23">
+            <a:extLst>
+              <a:ext uri="{FF2B5EF4-FFF2-40B4-BE49-F238E27FC236}">
+                <a16:creationId xmlns:a16="http://schemas.microsoft.com/office/drawing/2014/main" id="{A30BD134-BBF6-0902-0F22-6B20F0D241E3}"/>
+              </a:ext>
+            </a:extLst>
+          </p:cNvPr>
+          <p:cNvSpPr/>
+          <p:nvPr/>
+        </p:nvSpPr>
+        <p:spPr>
+          <a:xfrm>
+            <a:off x="3140364" y="1642973"/>
+            <a:ext cx="8266545" cy="429255"/>
+          </a:xfrm>
+          <a:prstGeom prst="rect">
+            <a:avLst/>
+          </a:prstGeom>
+          <a:solidFill>
+            <a:schemeClr val="bg1"/>
+          </a:solidFill>
+          <a:ln w="38100"/>
+        </p:spPr>
+        <p:style>
+          <a:lnRef idx="2">
+            <a:schemeClr val="accent1">
+              <a:shade val="15000"/>
+            </a:schemeClr>
+          </a:lnRef>
+          <a:fillRef idx="1">
+            <a:schemeClr val="accent1"/>
+          </a:fillRef>
+          <a:effectRef idx="0">
+            <a:schemeClr val="accent1"/>
+          </a:effectRef>
+          <a:fontRef idx="minor">
+            <a:schemeClr val="lt1"/>
+          </a:fontRef>
+        </p:style>
+        <p:txBody>
+          <a:bodyPr rtlCol="0" anchor="ctr"/>
+          <a:lstStyle/>
+          <a:p>
+            <a:endParaRPr lang="ko-KR" altLang="en-US" dirty="0">
+              <a:solidFill>
+                <a:schemeClr val="tx1"/>
+              </a:solidFill>
+            </a:endParaRPr>
+          </a:p>
+        </p:txBody>
+      </p:sp>
+      <p:sp>
+        <p:nvSpPr>
+          <p:cNvPr id="25" name="직사각형 24">
+            <a:extLst>
+              <a:ext uri="{FF2B5EF4-FFF2-40B4-BE49-F238E27FC236}">
+                <a16:creationId xmlns:a16="http://schemas.microsoft.com/office/drawing/2014/main" id="{A1129D1B-FA7D-2EC4-719B-229B65907324}"/>
+              </a:ext>
+            </a:extLst>
+          </p:cNvPr>
+          <p:cNvSpPr/>
+          <p:nvPr/>
+        </p:nvSpPr>
+        <p:spPr>
+          <a:xfrm>
+            <a:off x="912090" y="2197033"/>
+            <a:ext cx="2228274" cy="415638"/>
+          </a:xfrm>
+          <a:prstGeom prst="rect">
+            <a:avLst/>
+          </a:prstGeom>
+          <a:noFill/>
+          <a:ln w="38100">
+            <a:noFill/>
+          </a:ln>
+        </p:spPr>
+        <p:style>
+          <a:lnRef idx="2">
+            <a:schemeClr val="accent1">
+              <a:shade val="15000"/>
+            </a:schemeClr>
+          </a:lnRef>
+          <a:fillRef idx="1">
+            <a:schemeClr val="accent1"/>
+          </a:fillRef>
+          <a:effectRef idx="0">
+            <a:schemeClr val="accent1"/>
+          </a:effectRef>
+          <a:fontRef idx="minor">
+            <a:schemeClr val="lt1"/>
+          </a:fontRef>
+        </p:style>
+        <p:txBody>
+          <a:bodyPr rtlCol="0" anchor="ctr"/>
+          <a:lstStyle/>
+          <a:p>
+            <a:r>
+              <a:rPr lang="ko-KR" altLang="en-US">
+                <a:solidFill>
+                  <a:schemeClr val="tx1"/>
+                </a:solidFill>
+              </a:rPr>
+              <a:t>신규 비밀번호 확인</a:t>
+            </a:r>
+            <a:endParaRPr lang="ko-KR" altLang="en-US" dirty="0">
+              <a:solidFill>
+                <a:schemeClr val="tx1"/>
+              </a:solidFill>
+            </a:endParaRPr>
+          </a:p>
+        </p:txBody>
+      </p:sp>
+      <p:sp>
+        <p:nvSpPr>
+          <p:cNvPr id="26" name="직사각형 25">
+            <a:extLst>
+              <a:ext uri="{FF2B5EF4-FFF2-40B4-BE49-F238E27FC236}">
+                <a16:creationId xmlns:a16="http://schemas.microsoft.com/office/drawing/2014/main" id="{F79E27FB-1C41-9850-E516-A9D545021619}"/>
+              </a:ext>
+            </a:extLst>
+          </p:cNvPr>
+          <p:cNvSpPr/>
+          <p:nvPr/>
+        </p:nvSpPr>
+        <p:spPr>
+          <a:xfrm>
+            <a:off x="3140364" y="2190225"/>
+            <a:ext cx="8266545" cy="429255"/>
+          </a:xfrm>
+          <a:prstGeom prst="rect">
+            <a:avLst/>
+          </a:prstGeom>
+          <a:solidFill>
+            <a:schemeClr val="bg1"/>
+          </a:solidFill>
+          <a:ln w="38100"/>
+        </p:spPr>
+        <p:style>
+          <a:lnRef idx="2">
+            <a:schemeClr val="accent1">
+              <a:shade val="15000"/>
+            </a:schemeClr>
+          </a:lnRef>
+          <a:fillRef idx="1">
+            <a:schemeClr val="accent1"/>
+          </a:fillRef>
+          <a:effectRef idx="0">
+            <a:schemeClr val="accent1"/>
+          </a:effectRef>
+          <a:fontRef idx="minor">
+            <a:schemeClr val="lt1"/>
+          </a:fontRef>
+        </p:style>
+        <p:txBody>
+          <a:bodyPr rtlCol="0" anchor="ctr"/>
+          <a:lstStyle/>
+          <a:p>
+            <a:endParaRPr lang="ko-KR" altLang="en-US" dirty="0">
+              <a:solidFill>
+                <a:schemeClr val="tx1"/>
+              </a:solidFill>
+            </a:endParaRPr>
+          </a:p>
+        </p:txBody>
+      </p:sp>
     </p:spTree>
     <p:extLst>
       <p:ext uri="{BB962C8B-B14F-4D97-AF65-F5344CB8AC3E}">
-        <p14:creationId xmlns:p14="http://schemas.microsoft.com/office/powerpoint/2010/main" val="1777419233"/>
+        <p14:creationId xmlns:p14="http://schemas.microsoft.com/office/powerpoint/2010/main" val="3110427174"/>
       </p:ext>
     </p:extLst>
   </p:cSld>
